--- a/DBM_SwarVandana/Content/Downloads/Welcome Presentation.pptx
+++ b/DBM_SwarVandana/Content/Downloads/Welcome Presentation.pptx
@@ -5,7 +5,7 @@
     <p:sldMasterId id="2147483660" r:id="rId1"/>
   </p:sldMasterIdLst>
   <p:notesMasterIdLst>
-    <p:notesMasterId r:id="rId24"/>
+    <p:notesMasterId r:id="rId23"/>
   </p:notesMasterIdLst>
   <p:sldIdLst>
     <p:sldId id="256" r:id="rId2"/>
@@ -16,20 +16,19 @@
     <p:sldId id="335" r:id="rId7"/>
     <p:sldId id="336" r:id="rId8"/>
     <p:sldId id="337" r:id="rId9"/>
-    <p:sldId id="338" r:id="rId10"/>
-    <p:sldId id="339" r:id="rId11"/>
-    <p:sldId id="340" r:id="rId12"/>
-    <p:sldId id="341" r:id="rId13"/>
-    <p:sldId id="268" r:id="rId14"/>
-    <p:sldId id="300" r:id="rId15"/>
-    <p:sldId id="303" r:id="rId16"/>
-    <p:sldId id="308" r:id="rId17"/>
-    <p:sldId id="305" r:id="rId18"/>
-    <p:sldId id="314" r:id="rId19"/>
-    <p:sldId id="307" r:id="rId20"/>
-    <p:sldId id="323" r:id="rId21"/>
-    <p:sldId id="330" r:id="rId22"/>
-    <p:sldId id="312" r:id="rId23"/>
+    <p:sldId id="339" r:id="rId10"/>
+    <p:sldId id="340" r:id="rId11"/>
+    <p:sldId id="341" r:id="rId12"/>
+    <p:sldId id="268" r:id="rId13"/>
+    <p:sldId id="300" r:id="rId14"/>
+    <p:sldId id="303" r:id="rId15"/>
+    <p:sldId id="308" r:id="rId16"/>
+    <p:sldId id="305" r:id="rId17"/>
+    <p:sldId id="314" r:id="rId18"/>
+    <p:sldId id="307" r:id="rId19"/>
+    <p:sldId id="323" r:id="rId20"/>
+    <p:sldId id="330" r:id="rId21"/>
+    <p:sldId id="312" r:id="rId22"/>
   </p:sldIdLst>
   <p:sldSz cx="9144000" cy="6858000" type="screen4x3"/>
   <p:notesSz cx="6858000" cy="9144000"/>
@@ -3469,7 +3468,7 @@
             <a:fld id="{0606AE42-C5EB-44F9-BC7E-997BBDA9878E}" type="datetimeFigureOut">
               <a:rPr lang="en-IN" smtClean="0"/>
               <a:pPr/>
-              <a:t>23-02-2015</a:t>
+              <a:t>01-06-2015</a:t>
             </a:fld>
             <a:endParaRPr lang="en-IN"/>
           </a:p>
@@ -3640,7 +3639,7 @@
     </p:spTree>
     <p:extLst>
       <p:ext uri="{BB962C8B-B14F-4D97-AF65-F5344CB8AC3E}">
-        <p14:creationId xmlns:p14="http://schemas.microsoft.com/office/powerpoint/2010/main" xmlns="" val="3404822095"/>
+        <p14:creationId xmlns="" xmlns:p14="http://schemas.microsoft.com/office/powerpoint/2010/main" val="3404822095"/>
       </p:ext>
     </p:extLst>
   </p:cSld>
@@ -3998,7 +3997,7 @@
             <a:fld id="{36B80E6F-5D74-45AD-8979-9F6382DBC8BB}" type="datetimeFigureOut">
               <a:rPr lang="en-US" smtClean="0"/>
               <a:pPr/>
-              <a:t>2/23/2015</a:t>
+              <a:t>6/1/2015</a:t>
             </a:fld>
             <a:endParaRPr lang="en-US" dirty="0"/>
           </a:p>
@@ -4170,7 +4169,7 @@
             <a:fld id="{36B80E6F-5D74-45AD-8979-9F6382DBC8BB}" type="datetimeFigureOut">
               <a:rPr lang="en-US" smtClean="0"/>
               <a:pPr/>
-              <a:t>2/23/2015</a:t>
+              <a:t>6/1/2015</a:t>
             </a:fld>
             <a:endParaRPr lang="en-US" dirty="0"/>
           </a:p>
@@ -4347,7 +4346,7 @@
             <a:fld id="{36B80E6F-5D74-45AD-8979-9F6382DBC8BB}" type="datetimeFigureOut">
               <a:rPr lang="en-US" smtClean="0"/>
               <a:pPr/>
-              <a:t>2/23/2015</a:t>
+              <a:t>6/1/2015</a:t>
             </a:fld>
             <a:endParaRPr lang="en-US" dirty="0"/>
           </a:p>
@@ -4514,7 +4513,7 @@
             <a:fld id="{36B80E6F-5D74-45AD-8979-9F6382DBC8BB}" type="datetimeFigureOut">
               <a:rPr lang="en-US" smtClean="0"/>
               <a:pPr/>
-              <a:t>2/23/2015</a:t>
+              <a:t>6/1/2015</a:t>
             </a:fld>
             <a:endParaRPr lang="en-US" dirty="0"/>
           </a:p>
@@ -4750,7 +4749,7 @@
             <a:fld id="{36B80E6F-5D74-45AD-8979-9F6382DBC8BB}" type="datetimeFigureOut">
               <a:rPr lang="en-US" smtClean="0"/>
               <a:pPr/>
-              <a:t>2/23/2015</a:t>
+              <a:t>6/1/2015</a:t>
             </a:fld>
             <a:endParaRPr lang="en-US" dirty="0"/>
           </a:p>
@@ -5048,7 +5047,7 @@
             <a:fld id="{36B80E6F-5D74-45AD-8979-9F6382DBC8BB}" type="datetimeFigureOut">
               <a:rPr lang="en-US" smtClean="0"/>
               <a:pPr/>
-              <a:t>2/23/2015</a:t>
+              <a:t>6/1/2015</a:t>
             </a:fld>
             <a:endParaRPr lang="en-US" dirty="0"/>
           </a:p>
@@ -5434,7 +5433,7 @@
             <a:fld id="{36B80E6F-5D74-45AD-8979-9F6382DBC8BB}" type="datetimeFigureOut">
               <a:rPr lang="en-US" smtClean="0"/>
               <a:pPr/>
-              <a:t>2/23/2015</a:t>
+              <a:t>6/1/2015</a:t>
             </a:fld>
             <a:endParaRPr lang="en-US" dirty="0"/>
           </a:p>
@@ -5609,7 +5608,7 @@
             <a:fld id="{36B80E6F-5D74-45AD-8979-9F6382DBC8BB}" type="datetimeFigureOut">
               <a:rPr lang="en-US" smtClean="0"/>
               <a:pPr/>
-              <a:t>2/23/2015</a:t>
+              <a:t>6/1/2015</a:t>
             </a:fld>
             <a:endParaRPr lang="en-US" dirty="0"/>
           </a:p>
@@ -5701,7 +5700,7 @@
             <a:fld id="{36B80E6F-5D74-45AD-8979-9F6382DBC8BB}" type="datetimeFigureOut">
               <a:rPr lang="en-US" smtClean="0"/>
               <a:pPr/>
-              <a:t>2/23/2015</a:t>
+              <a:t>6/1/2015</a:t>
             </a:fld>
             <a:endParaRPr lang="en-US" dirty="0"/>
           </a:p>
@@ -5998,7 +5997,7 @@
             <a:fld id="{36B80E6F-5D74-45AD-8979-9F6382DBC8BB}" type="datetimeFigureOut">
               <a:rPr lang="en-US" smtClean="0"/>
               <a:pPr/>
-              <a:t>2/23/2015</a:t>
+              <a:t>6/1/2015</a:t>
             </a:fld>
             <a:endParaRPr lang="en-US" dirty="0"/>
           </a:p>
@@ -6134,7 +6133,7 @@
             <a:fld id="{36B80E6F-5D74-45AD-8979-9F6382DBC8BB}" type="datetimeFigureOut">
               <a:rPr lang="en-US" smtClean="0"/>
               <a:pPr/>
-              <a:t>2/23/2015</a:t>
+              <a:t>6/1/2015</a:t>
             </a:fld>
             <a:endParaRPr lang="en-US" dirty="0"/>
           </a:p>
@@ -6439,7 +6438,7 @@
             <a:fld id="{36B80E6F-5D74-45AD-8979-9F6382DBC8BB}" type="datetimeFigureOut">
               <a:rPr lang="en-US" smtClean="0"/>
               <a:pPr/>
-              <a:t>2/23/2015</a:t>
+              <a:t>6/1/2015</a:t>
             </a:fld>
             <a:endParaRPr lang="en-US" dirty="0"/>
           </a:p>
@@ -7121,13 +7120,43 @@
           <a:chExt cx="0" cy="0"/>
         </a:xfrm>
       </p:grpSpPr>
+      <p:sp>
+        <p:nvSpPr>
+          <p:cNvPr id="2" name="Title 1"/>
+          <p:cNvSpPr>
+            <a:spLocks noGrp="1"/>
+          </p:cNvSpPr>
+          <p:nvPr>
+            <p:ph type="title"/>
+          </p:nvPr>
+        </p:nvSpPr>
+        <p:spPr/>
+        <p:txBody>
+          <a:bodyPr>
+            <a:normAutofit fontScale="90000"/>
+          </a:bodyPr>
+          <a:lstStyle/>
+          <a:p>
+            <a:r>
+              <a:rPr lang="en-US" dirty="0"/>
+              <a:t/>
+            </a:r>
+            <a:br>
+              <a:rPr lang="en-US" dirty="0"/>
+            </a:br>
+            <a:endParaRPr lang="en-US" dirty="0"/>
+          </a:p>
+        </p:txBody>
+      </p:sp>
       <p:pic>
         <p:nvPicPr>
-          <p:cNvPr id="4" name="Picture 3" descr="logo.png"/>
+          <p:cNvPr id="5" name="Content Placeholder 4" descr="bg_img1.jpg"/>
           <p:cNvPicPr>
-            <a:picLocks noChangeAspect="1"/>
+            <a:picLocks noGrp="1" noChangeAspect="1"/>
           </p:cNvPicPr>
-          <p:nvPr/>
+          <p:nvPr>
+            <p:ph idx="1"/>
+          </p:nvPr>
         </p:nvPicPr>
         <p:blipFill>
           <a:blip r:embed="rId2" cstate="print"/>
@@ -7137,17 +7166,14 @@
         </p:blipFill>
         <p:spPr>
           <a:xfrm>
-            <a:off x="2057400" y="1600200"/>
-            <a:ext cx="5241784" cy="3048000"/>
-          </a:xfrm>
-          <a:prstGeom prst="rect">
-            <a:avLst/>
-          </a:prstGeom>
+            <a:off x="0" y="0"/>
+            <a:ext cx="9144000" cy="6857999"/>
+          </a:xfrm>
         </p:spPr>
       </p:pic>
       <p:pic>
         <p:nvPicPr>
-          <p:cNvPr id="3" name="Picture 2" descr="bg_img1.jpg"/>
+          <p:cNvPr id="6" name="Picture 5" descr="logo.png"/>
           <p:cNvPicPr>
             <a:picLocks noChangeAspect="1"/>
           </p:cNvPicPr>
@@ -7161,228 +7187,140 @@
         </p:blipFill>
         <p:spPr>
           <a:xfrm>
-            <a:off x="0" y="0"/>
-            <a:ext cx="9144000" cy="6858000"/>
+            <a:off x="6620237" y="1"/>
+            <a:ext cx="2523764" cy="1600199"/>
           </a:xfrm>
           <a:prstGeom prst="rect">
             <a:avLst/>
           </a:prstGeom>
         </p:spPr>
       </p:pic>
-      <p:pic>
-        <p:nvPicPr>
-          <p:cNvPr id="5" name="Picture 4" descr="logo.png"/>
-          <p:cNvPicPr>
-            <a:picLocks noChangeAspect="1"/>
-          </p:cNvPicPr>
+      <p:sp>
+        <p:nvSpPr>
+          <p:cNvPr id="7" name="Rectangle 6"/>
+          <p:cNvSpPr/>
           <p:nvPr/>
-        </p:nvPicPr>
-        <p:blipFill>
-          <a:blip r:embed="rId2" cstate="print"/>
-          <a:stretch>
-            <a:fillRect/>
-          </a:stretch>
-        </p:blipFill>
-        <p:spPr>
-          <a:xfrm>
-            <a:off x="6916242" y="0"/>
-            <a:ext cx="2227758" cy="1295400"/>
+        </p:nvSpPr>
+        <p:spPr>
+          <a:xfrm>
+            <a:off x="0" y="1700808"/>
+            <a:ext cx="9144000" cy="1692771"/>
           </a:xfrm>
           <a:prstGeom prst="rect">
             <a:avLst/>
           </a:prstGeom>
         </p:spPr>
-      </p:pic>
-      <p:pic>
-        <p:nvPicPr>
-          <p:cNvPr id="6" name="Picture 5" descr="DSC_0209.JPG"/>
-          <p:cNvPicPr>
-            <a:picLocks noChangeAspect="1"/>
-          </p:cNvPicPr>
-          <p:nvPr/>
-        </p:nvPicPr>
-        <p:blipFill>
-          <a:blip r:embed="rId4" cstate="print"/>
-          <a:stretch>
-            <a:fillRect/>
-          </a:stretch>
-        </p:blipFill>
-        <p:spPr>
-          <a:xfrm>
-            <a:off x="0" y="1371600"/>
-            <a:ext cx="9144000" cy="5486400"/>
-          </a:xfrm>
-          <a:prstGeom prst="rect">
-            <a:avLst/>
-          </a:prstGeom>
-        </p:spPr>
-      </p:pic>
-      <p:sp>
-        <p:nvSpPr>
-          <p:cNvPr id="9" name="TextBox 8"/>
-          <p:cNvSpPr txBox="1"/>
-          <p:nvPr/>
-        </p:nvSpPr>
-        <p:spPr>
-          <a:xfrm>
-            <a:off x="304800" y="533400"/>
-            <a:ext cx="4726550" cy="584775"/>
-          </a:xfrm>
-          <a:prstGeom prst="rect">
-            <a:avLst/>
-          </a:prstGeom>
-          <a:noFill/>
-        </p:spPr>
-        <p:txBody>
-          <a:bodyPr wrap="none" rtlCol="0">
+        <p:txBody>
+          <a:bodyPr wrap="square">
             <a:spAutoFit/>
           </a:bodyPr>
           <a:lstStyle/>
           <a:p>
-            <a:r>
-              <a:rPr lang="en-IN" sz="3200" dirty="0" smtClean="0"/>
-              <a:t>WELCOME TO OUR FAMILY</a:t>
-            </a:r>
-            <a:endParaRPr lang="en-IN" sz="3200" dirty="0"/>
-          </a:p>
-        </p:txBody>
-      </p:sp>
-      <p:sp>
-        <p:nvSpPr>
-          <p:cNvPr id="7" name="Right Arrow 6">
-            <a:hlinkClick r:id="" action="ppaction://hlinkshowjump?jump=nextslide"/>
-          </p:cNvPr>
+            <a:pPr lvl="0"/>
+            <a:r>
+              <a:rPr lang="en-IN" sz="1600" dirty="0" smtClean="0"/>
+              <a:t>Svar-Vandana  offers Hobby Classes as well as Diploma, Bachelor</a:t>
+            </a:r>
+            <a:r>
+              <a:rPr lang="en-GB" sz="1600" dirty="0" smtClean="0"/>
+              <a:t> and </a:t>
+            </a:r>
+            <a:r>
+              <a:rPr lang="en-IN" sz="1600" dirty="0" smtClean="0"/>
+              <a:t>Master Degree Level programmes in the following subjects:</a:t>
+            </a:r>
+            <a:endParaRPr lang="en-US" sz="1600" dirty="0" smtClean="0"/>
+          </a:p>
+          <a:p>
+            <a:pPr lvl="0"/>
+            <a:r>
+              <a:rPr lang="en-IN" sz="2000" u="sng" dirty="0" smtClean="0"/>
+              <a:t>Vocal</a:t>
+            </a:r>
+            <a:endParaRPr lang="en-US" sz="2000" dirty="0" smtClean="0"/>
+          </a:p>
+          <a:p>
+            <a:r>
+              <a:rPr lang="en-GB" sz="1600" b="1" dirty="0" smtClean="0"/>
+              <a:t>Hindustani</a:t>
+            </a:r>
+            <a:r>
+              <a:rPr lang="en-IN" sz="1600" b="1" dirty="0" smtClean="0"/>
+              <a:t> Classical Vocal </a:t>
+            </a:r>
+            <a:r>
+              <a:rPr lang="en-GB" sz="1600" b="1" dirty="0" smtClean="0"/>
+              <a:t>Music </a:t>
+            </a:r>
+            <a:r>
+              <a:rPr lang="en-GB" sz="1600" dirty="0" smtClean="0"/>
+              <a:t>: </a:t>
+            </a:r>
+            <a:r>
+              <a:rPr lang="en-GB" sz="1600" dirty="0" err="1" smtClean="0"/>
+              <a:t>Khayal</a:t>
+            </a:r>
+            <a:r>
+              <a:rPr lang="en-GB" sz="1600" dirty="0" smtClean="0"/>
+              <a:t>, Dhrupad.</a:t>
+            </a:r>
+            <a:r>
+              <a:rPr lang="en-IN" sz="1600" b="1" dirty="0" smtClean="0"/>
+              <a:t>Semi Classical Vocal </a:t>
+            </a:r>
+            <a:r>
+              <a:rPr lang="en-GB" sz="1600" dirty="0" smtClean="0"/>
+              <a:t>(</a:t>
+            </a:r>
+            <a:r>
+              <a:rPr lang="en-GB" sz="1600" dirty="0" err="1" smtClean="0"/>
+              <a:t>Thumri,dadra,Tappa,Chaiti</a:t>
+            </a:r>
+            <a:r>
+              <a:rPr lang="en-GB" sz="1600" dirty="0" smtClean="0"/>
+              <a:t>) -</a:t>
+            </a:r>
+            <a:r>
+              <a:rPr lang="en-GB" sz="1600" b="1" dirty="0" err="1" smtClean="0"/>
+              <a:t>Sugam</a:t>
+            </a:r>
+            <a:r>
+              <a:rPr lang="en-GB" sz="1600" b="1" dirty="0" smtClean="0"/>
+              <a:t> </a:t>
+            </a:r>
+            <a:r>
+              <a:rPr lang="en-GB" sz="1600" b="1" dirty="0" err="1" smtClean="0"/>
+              <a:t>Sangeet</a:t>
+            </a:r>
+            <a:r>
+              <a:rPr lang="en-GB" sz="1600" dirty="0" smtClean="0"/>
+              <a:t>: </a:t>
+            </a:r>
+            <a:r>
+              <a:rPr lang="en-GB" sz="1600" dirty="0" err="1" smtClean="0"/>
+              <a:t>Geet,Ghazal,Bhajan</a:t>
+            </a:r>
+            <a:endParaRPr lang="en-GB" sz="3200" dirty="0" smtClean="0"/>
+          </a:p>
+          <a:p>
+            <a:r>
+              <a:rPr lang="en-GB" sz="2000" u="sng" dirty="0" smtClean="0"/>
+              <a:t>Instrumental:</a:t>
+            </a:r>
+            <a:endParaRPr lang="en-US" sz="3200" dirty="0"/>
+          </a:p>
+        </p:txBody>
+      </p:sp>
+      <p:sp>
+        <p:nvSpPr>
+          <p:cNvPr id="8" name="Rectangle 7"/>
           <p:cNvSpPr/>
           <p:nvPr/>
         </p:nvSpPr>
         <p:spPr>
           <a:xfrm>
-            <a:off x="7315200" y="6373368"/>
-            <a:ext cx="521208" cy="484632"/>
-          </a:xfrm>
-          <a:prstGeom prst="rightArrow">
-            <a:avLst/>
-          </a:prstGeom>
-        </p:spPr>
-        <p:style>
-          <a:lnRef idx="2">
-            <a:schemeClr val="accent1">
-              <a:shade val="50000"/>
-            </a:schemeClr>
-          </a:lnRef>
-          <a:fillRef idx="1">
-            <a:schemeClr val="accent1"/>
-          </a:fillRef>
-          <a:effectRef idx="0">
-            <a:schemeClr val="accent1"/>
-          </a:effectRef>
-          <a:fontRef idx="minor">
-            <a:schemeClr val="lt1"/>
-          </a:fontRef>
-        </p:style>
-        <p:txBody>
-          <a:bodyPr rtlCol="0" anchor="ctr"/>
-          <a:lstStyle/>
-          <a:p>
-            <a:pPr algn="ctr"/>
-            <a:endParaRPr lang="en-IN"/>
-          </a:p>
-        </p:txBody>
-      </p:sp>
-      <p:sp>
-        <p:nvSpPr>
-          <p:cNvPr id="8" name="Left Arrow 7">
-            <a:hlinkClick r:id="" action="ppaction://hlinkshowjump?jump=previousslide"/>
-          </p:cNvPr>
-          <p:cNvSpPr/>
-          <p:nvPr/>
-        </p:nvSpPr>
-        <p:spPr>
-          <a:xfrm>
-            <a:off x="7924800" y="6373368"/>
-            <a:ext cx="533400" cy="484632"/>
-          </a:xfrm>
-          <a:prstGeom prst="leftArrow">
-            <a:avLst/>
-          </a:prstGeom>
-        </p:spPr>
-        <p:style>
-          <a:lnRef idx="2">
-            <a:schemeClr val="accent1">
-              <a:shade val="50000"/>
-            </a:schemeClr>
-          </a:lnRef>
-          <a:fillRef idx="1">
-            <a:schemeClr val="accent1"/>
-          </a:fillRef>
-          <a:effectRef idx="0">
-            <a:schemeClr val="accent1"/>
-          </a:effectRef>
-          <a:fontRef idx="minor">
-            <a:schemeClr val="lt1"/>
-          </a:fontRef>
-        </p:style>
-        <p:txBody>
-          <a:bodyPr rtlCol="0" anchor="ctr"/>
-          <a:lstStyle/>
-          <a:p>
-            <a:pPr algn="ctr"/>
-            <a:endParaRPr lang="en-IN"/>
-          </a:p>
-        </p:txBody>
-      </p:sp>
-      <p:sp>
-        <p:nvSpPr>
-          <p:cNvPr id="10" name="Action Button: Home 9">
-            <a:hlinkClick r:id="rId5" action="ppaction://hlinksldjump" highlightClick="1"/>
-          </p:cNvPr>
-          <p:cNvSpPr/>
-          <p:nvPr/>
-        </p:nvSpPr>
-        <p:spPr>
-          <a:xfrm>
-            <a:off x="8610600" y="6248400"/>
-            <a:ext cx="533400" cy="609600"/>
-          </a:xfrm>
-          <a:prstGeom prst="actionButtonHome">
-            <a:avLst/>
-          </a:prstGeom>
-        </p:spPr>
-        <p:style>
-          <a:lnRef idx="2">
-            <a:schemeClr val="accent1">
-              <a:shade val="50000"/>
-            </a:schemeClr>
-          </a:lnRef>
-          <a:fillRef idx="1">
-            <a:schemeClr val="accent1"/>
-          </a:fillRef>
-          <a:effectRef idx="0">
-            <a:schemeClr val="accent1"/>
-          </a:effectRef>
-          <a:fontRef idx="minor">
-            <a:schemeClr val="lt1"/>
-          </a:fontRef>
-        </p:style>
-        <p:txBody>
-          <a:bodyPr rtlCol="0" anchor="ctr"/>
-          <a:lstStyle/>
-          <a:p>
-            <a:pPr algn="ctr"/>
-            <a:endParaRPr lang="en-IN"/>
-          </a:p>
-        </p:txBody>
-      </p:sp>
-      <p:sp>
-        <p:nvSpPr>
-          <p:cNvPr id="11" name="TextBox 10"/>
-          <p:cNvSpPr txBox="1"/>
-          <p:nvPr/>
-        </p:nvSpPr>
-        <p:spPr>
-          <a:xfrm>
-            <a:off x="251521" y="1484784"/>
-            <a:ext cx="8892480" cy="646331"/>
+            <a:off x="228600" y="304800"/>
+            <a:ext cx="3990131" cy="923330"/>
           </a:xfrm>
           <a:prstGeom prst="rect">
             <a:avLst/>
@@ -7390,68 +7328,266 @@
           <a:noFill/>
         </p:spPr>
         <p:txBody>
-          <a:bodyPr wrap="square" rtlCol="0">
+          <a:bodyPr wrap="none" lIns="91440" tIns="45720" rIns="91440" bIns="45720">
             <a:spAutoFit/>
           </a:bodyPr>
           <a:lstStyle/>
           <a:p>
-            <a:endParaRPr lang="en-IN" b="1" dirty="0" smtClean="0">
-              <a:solidFill>
-                <a:schemeClr val="bg1"/>
-              </a:solidFill>
+            <a:pPr algn="ctr"/>
+            <a:r>
+              <a:rPr lang="en-US" sz="5400" b="1" cap="none" spc="0" dirty="0" smtClean="0">
+                <a:ln w="12700">
+                  <a:solidFill>
+                    <a:schemeClr val="tx2">
+                      <a:satMod val="155000"/>
+                    </a:schemeClr>
+                  </a:solidFill>
+                  <a:prstDash val="solid"/>
+                </a:ln>
+                <a:effectLst>
+                  <a:outerShdw blurRad="41275" dist="20320" dir="1800000" algn="tl" rotWithShape="0">
+                    <a:srgbClr val="000000">
+                      <a:alpha val="40000"/>
+                    </a:srgbClr>
+                  </a:outerShdw>
+                </a:effectLst>
+              </a:rPr>
+              <a:t>Area Of Work</a:t>
+            </a:r>
+            <a:endParaRPr lang="en-US" sz="5400" b="1" cap="none" spc="0" dirty="0">
+              <a:ln w="12700">
+                <a:solidFill>
+                  <a:schemeClr val="tx2">
+                    <a:satMod val="155000"/>
+                  </a:schemeClr>
+                </a:solidFill>
+                <a:prstDash val="solid"/>
+              </a:ln>
+              <a:effectLst>
+                <a:outerShdw blurRad="41275" dist="20320" dir="1800000" algn="tl" rotWithShape="0">
+                  <a:srgbClr val="000000">
+                    <a:alpha val="40000"/>
+                  </a:srgbClr>
+                </a:outerShdw>
+              </a:effectLst>
             </a:endParaRPr>
           </a:p>
-          <a:p>
-            <a:pPr>
-              <a:buFont typeface="Arial" charset="0"/>
-              <a:buChar char="•"/>
-            </a:pPr>
-            <a:endParaRPr lang="en-IN" dirty="0">
-              <a:solidFill>
-                <a:schemeClr val="bg1"/>
-              </a:solidFill>
-            </a:endParaRPr>
-          </a:p>
-        </p:txBody>
-      </p:sp>
-      <p:sp>
-        <p:nvSpPr>
-          <p:cNvPr id="12" name="TextBox 11"/>
-          <p:cNvSpPr txBox="1"/>
+        </p:txBody>
+      </p:sp>
+      <p:sp>
+        <p:nvSpPr>
+          <p:cNvPr id="12" name="Rectangle 11"/>
+          <p:cNvSpPr/>
           <p:nvPr/>
         </p:nvSpPr>
         <p:spPr>
           <a:xfrm>
-            <a:off x="0" y="1676400"/>
-            <a:ext cx="9144000" cy="523220"/>
+            <a:off x="35496" y="3356993"/>
+            <a:ext cx="8496944" cy="3046988"/>
           </a:xfrm>
           <a:prstGeom prst="rect">
             <a:avLst/>
           </a:prstGeom>
-          <a:noFill/>
-        </p:spPr>
-        <p:txBody>
-          <a:bodyPr wrap="square" rtlCol="0">
+        </p:spPr>
+        <p:txBody>
+          <a:bodyPr wrap="square">
             <a:spAutoFit/>
           </a:bodyPr>
           <a:lstStyle/>
           <a:p>
-            <a:pPr algn="ctr"/>
-            <a:r>
-              <a:rPr lang="en-IN" sz="2800" dirty="0" smtClean="0">
-                <a:solidFill>
-                  <a:schemeClr val="bg1"/>
-                </a:solidFill>
-                <a:latin typeface="Algerian" pitchFamily="82" charset="0"/>
-              </a:rPr>
-              <a:t>LET US BEGIN YOUR memorable musical journey</a:t>
-            </a:r>
-            <a:endParaRPr lang="en-IN" sz="2800" dirty="0">
-              <a:solidFill>
-                <a:schemeClr val="bg1"/>
-              </a:solidFill>
-              <a:latin typeface="Algerian" pitchFamily="82" charset="0"/>
-            </a:endParaRPr>
+            <a:r>
+              <a:rPr lang="en-IN" b="1" dirty="0" smtClean="0"/>
+              <a:t>1-String </a:t>
+            </a:r>
+            <a:r>
+              <a:rPr lang="en-GB" b="1" dirty="0" smtClean="0"/>
+              <a:t>Instruments</a:t>
+            </a:r>
+            <a:r>
+              <a:rPr lang="en-IN" dirty="0" smtClean="0"/>
+              <a:t>: </a:t>
+            </a:r>
+            <a:r>
+              <a:rPr lang="en-GB" dirty="0" err="1" smtClean="0"/>
+              <a:t>Santoor</a:t>
+            </a:r>
+            <a:r>
+              <a:rPr lang="en-GB" dirty="0" smtClean="0"/>
+              <a:t> ,</a:t>
+            </a:r>
+            <a:r>
+              <a:rPr lang="en-IN" dirty="0" smtClean="0"/>
+              <a:t> Sitar, Guitar, Violin, </a:t>
+            </a:r>
+            <a:endParaRPr lang="en-US" dirty="0" smtClean="0"/>
+          </a:p>
+          <a:p>
+            <a:r>
+              <a:rPr lang="en-GB" b="1" dirty="0" smtClean="0"/>
+              <a:t>2-Wind Instruments</a:t>
+            </a:r>
+            <a:r>
+              <a:rPr lang="en-IN" dirty="0" smtClean="0"/>
+              <a:t>: Flute, Harmonium</a:t>
+            </a:r>
+            <a:endParaRPr lang="en-US" dirty="0" smtClean="0"/>
+          </a:p>
+          <a:p>
+            <a:r>
+              <a:rPr lang="en-GB" b="1" dirty="0" smtClean="0"/>
+              <a:t>3-Western Instruments</a:t>
+            </a:r>
+            <a:r>
+              <a:rPr lang="en-IN" dirty="0" smtClean="0"/>
+              <a:t>: Piano, Keyboard,</a:t>
+            </a:r>
+            <a:r>
+              <a:rPr lang="en-GB" dirty="0" smtClean="0"/>
+              <a:t> Organ, Guitar* (Bass, Spanish, Electric)</a:t>
+            </a:r>
+            <a:endParaRPr lang="en-US" dirty="0" smtClean="0"/>
+          </a:p>
+          <a:p>
+            <a:r>
+              <a:rPr lang="en-GB" b="1" dirty="0" smtClean="0"/>
+              <a:t>4-Percussion Instruments</a:t>
+            </a:r>
+            <a:r>
+              <a:rPr lang="en-IN" dirty="0" smtClean="0"/>
+              <a:t>:  </a:t>
+            </a:r>
+            <a:r>
+              <a:rPr lang="en-IN" dirty="0" err="1" smtClean="0"/>
+              <a:t>Tabla,Pakhawaj</a:t>
+            </a:r>
+            <a:r>
+              <a:rPr lang="en-IN" dirty="0" smtClean="0"/>
+              <a:t> , </a:t>
+            </a:r>
+            <a:r>
+              <a:rPr lang="en-GB" dirty="0" err="1" smtClean="0"/>
+              <a:t>Dholak</a:t>
+            </a:r>
+            <a:r>
+              <a:rPr lang="en-GB" dirty="0" smtClean="0"/>
+              <a:t>,</a:t>
+            </a:r>
+            <a:r>
+              <a:rPr lang="en-IN" dirty="0" smtClean="0"/>
+              <a:t> Congo, Bongo, Jazz Drum</a:t>
+            </a:r>
+          </a:p>
+          <a:p>
+            <a:r>
+              <a:rPr lang="en-IN" sz="2000" u="sng" dirty="0" smtClean="0"/>
+              <a:t>Dance:</a:t>
+            </a:r>
+          </a:p>
+          <a:p>
+            <a:r>
+              <a:rPr lang="en-IN" sz="1600" b="1" dirty="0" smtClean="0"/>
+              <a:t>1-Indian Classical Dance</a:t>
+            </a:r>
+            <a:r>
+              <a:rPr lang="en-IN" sz="1600" dirty="0" smtClean="0"/>
+              <a:t> – </a:t>
+            </a:r>
+            <a:r>
+              <a:rPr lang="en-IN" sz="1600" dirty="0" err="1" smtClean="0"/>
+              <a:t>Kathak</a:t>
+            </a:r>
+            <a:r>
+              <a:rPr lang="en-IN" sz="1600" dirty="0" smtClean="0"/>
+              <a:t>. </a:t>
+            </a:r>
+            <a:r>
+              <a:rPr lang="en-IN" sz="1600" dirty="0" err="1" smtClean="0"/>
+              <a:t>Bharatnatyam</a:t>
+            </a:r>
+            <a:r>
+              <a:rPr lang="en-IN" sz="1600" dirty="0" smtClean="0"/>
+              <a:t>, </a:t>
+            </a:r>
+            <a:r>
+              <a:rPr lang="en-IN" sz="1600" dirty="0" err="1" smtClean="0"/>
+              <a:t>Oddisi</a:t>
+            </a:r>
+            <a:endParaRPr lang="en-US" sz="1600" dirty="0" smtClean="0"/>
+          </a:p>
+          <a:p>
+            <a:r>
+              <a:rPr lang="en-IN" sz="1600" b="1" dirty="0" smtClean="0"/>
+              <a:t>2-Folk Dance</a:t>
+            </a:r>
+            <a:r>
+              <a:rPr lang="en-IN" sz="1600" dirty="0" smtClean="0"/>
+              <a:t> – </a:t>
+            </a:r>
+            <a:r>
+              <a:rPr lang="en-GB" sz="1600" dirty="0" err="1" smtClean="0"/>
+              <a:t>Bhangra</a:t>
+            </a:r>
+            <a:r>
+              <a:rPr lang="en-GB" sz="1600" dirty="0" smtClean="0"/>
+              <a:t> </a:t>
+            </a:r>
+            <a:r>
+              <a:rPr lang="en-IN" sz="1600" dirty="0" smtClean="0"/>
+              <a:t>,</a:t>
+            </a:r>
+            <a:r>
+              <a:rPr lang="en-GB" sz="1600" dirty="0" err="1" smtClean="0"/>
+              <a:t>Dandiya</a:t>
+            </a:r>
+            <a:r>
+              <a:rPr lang="en-GB" sz="1600" dirty="0" smtClean="0"/>
+              <a:t>  and all other Indian Folk dances.</a:t>
+            </a:r>
+            <a:endParaRPr lang="en-US" sz="1600" dirty="0" smtClean="0"/>
+          </a:p>
+          <a:p>
+            <a:r>
+              <a:rPr lang="en-GB" sz="1600" b="1" dirty="0" smtClean="0"/>
+              <a:t>3-Bolywood–</a:t>
+            </a:r>
+            <a:r>
+              <a:rPr lang="en-GB" sz="1600" dirty="0" smtClean="0"/>
+              <a:t> Contemporary and all others.</a:t>
+            </a:r>
+            <a:endParaRPr lang="en-US" sz="1600" dirty="0" smtClean="0"/>
+          </a:p>
+          <a:p>
+            <a:r>
+              <a:rPr lang="en-IN" sz="1600" b="1" dirty="0" smtClean="0"/>
+              <a:t>4-Western </a:t>
+            </a:r>
+            <a:r>
+              <a:rPr lang="en-GB" sz="1600" b="1" dirty="0" smtClean="0"/>
+              <a:t>Dance Forms</a:t>
+            </a:r>
+            <a:r>
+              <a:rPr lang="en-IN" sz="1600" dirty="0" smtClean="0"/>
+              <a:t>: </a:t>
+            </a:r>
+            <a:r>
+              <a:rPr lang="en-IN" sz="1600" dirty="0" err="1" smtClean="0"/>
+              <a:t>Zumba</a:t>
+            </a:r>
+            <a:r>
+              <a:rPr lang="en-IN" sz="1600" dirty="0" smtClean="0"/>
+              <a:t>, Aerobics, Salsa, Jazz, Hip-hop, Cha-Cha-Cha, Belle, Ballroom, Rock n Roll, Rap </a:t>
+            </a:r>
+            <a:r>
+              <a:rPr lang="en-GB" sz="1600" dirty="0" smtClean="0"/>
+              <a:t>&amp;</a:t>
+            </a:r>
+            <a:r>
+              <a:rPr lang="en-IN" sz="1600" dirty="0" smtClean="0"/>
+              <a:t>Freestyle Dance</a:t>
+            </a:r>
+          </a:p>
+          <a:p>
+            <a:endParaRPr lang="en-US" sz="2000" dirty="0"/>
           </a:p>
         </p:txBody>
       </p:sp>
@@ -7499,18 +7635,9 @@
         </p:nvSpPr>
         <p:spPr/>
         <p:txBody>
-          <a:bodyPr>
-            <a:normAutofit fontScale="90000"/>
-          </a:bodyPr>
+          <a:bodyPr/>
           <a:lstStyle/>
           <a:p>
-            <a:r>
-              <a:rPr lang="en-US" dirty="0"/>
-              <a:t/>
-            </a:r>
-            <a:br>
-              <a:rPr lang="en-US" dirty="0"/>
-            </a:br>
             <a:endParaRPr lang="en-US" dirty="0"/>
           </a:p>
         </p:txBody>
@@ -7534,7 +7661,7 @@
         <p:spPr>
           <a:xfrm>
             <a:off x="0" y="0"/>
-            <a:ext cx="9144000" cy="6857999"/>
+            <a:ext cx="9144000" cy="6858000"/>
           </a:xfrm>
         </p:spPr>
       </p:pic>
@@ -7554,8 +7681,8 @@
         </p:blipFill>
         <p:spPr>
           <a:xfrm>
-            <a:off x="6620237" y="1"/>
-            <a:ext cx="2523764" cy="1600199"/>
+            <a:off x="6392064" y="0"/>
+            <a:ext cx="2751936" cy="1600200"/>
           </a:xfrm>
           <a:prstGeom prst="rect">
             <a:avLst/>
@@ -7570,8 +7697,8 @@
         </p:nvSpPr>
         <p:spPr>
           <a:xfrm>
-            <a:off x="0" y="1700808"/>
-            <a:ext cx="9144000" cy="1692771"/>
+            <a:off x="0" y="2743200"/>
+            <a:ext cx="9144000" cy="369332"/>
           </a:xfrm>
           <a:prstGeom prst="rect">
             <a:avLst/>
@@ -7583,174 +7710,24 @@
           </a:bodyPr>
           <a:lstStyle/>
           <a:p>
-            <a:pPr lvl="0"/>
-            <a:r>
-              <a:rPr lang="en-IN" sz="1600" dirty="0" smtClean="0"/>
-              <a:t>Svar-Vandana  offers Hobby Classes as well as Diploma, Bachelor</a:t>
-            </a:r>
-            <a:r>
-              <a:rPr lang="en-GB" sz="1600" dirty="0" smtClean="0"/>
-              <a:t> and </a:t>
-            </a:r>
-            <a:r>
-              <a:rPr lang="en-IN" sz="1600" dirty="0" smtClean="0"/>
-              <a:t>Master Degree Level programmes in the following subjects:</a:t>
-            </a:r>
-            <a:endParaRPr lang="en-US" sz="1600" dirty="0" smtClean="0"/>
-          </a:p>
-          <a:p>
-            <a:pPr lvl="0"/>
-            <a:r>
-              <a:rPr lang="en-IN" sz="2000" u="sng" dirty="0" smtClean="0"/>
-              <a:t>Vocal</a:t>
-            </a:r>
-            <a:endParaRPr lang="en-US" sz="2000" dirty="0" smtClean="0"/>
-          </a:p>
-          <a:p>
-            <a:r>
-              <a:rPr lang="en-GB" sz="1600" b="1" dirty="0" smtClean="0"/>
-              <a:t>Hindustani</a:t>
-            </a:r>
-            <a:r>
-              <a:rPr lang="en-IN" sz="1600" b="1" dirty="0" smtClean="0"/>
-              <a:t> Classical Vocal </a:t>
-            </a:r>
-            <a:r>
-              <a:rPr lang="en-GB" sz="1600" b="1" dirty="0" smtClean="0"/>
-              <a:t>Music </a:t>
-            </a:r>
-            <a:r>
-              <a:rPr lang="en-GB" sz="1600" dirty="0" smtClean="0"/>
-              <a:t>: </a:t>
-            </a:r>
-            <a:r>
-              <a:rPr lang="en-GB" sz="1600" dirty="0" err="1" smtClean="0"/>
-              <a:t>Khayal</a:t>
-            </a:r>
-            <a:r>
-              <a:rPr lang="en-GB" sz="1600" dirty="0" smtClean="0"/>
-              <a:t>, Dhrupad.</a:t>
-            </a:r>
-            <a:r>
-              <a:rPr lang="en-IN" sz="1600" b="1" dirty="0" smtClean="0"/>
-              <a:t>Semi Classical Vocal </a:t>
-            </a:r>
-            <a:r>
-              <a:rPr lang="en-GB" sz="1600" dirty="0" smtClean="0"/>
-              <a:t>(</a:t>
-            </a:r>
-            <a:r>
-              <a:rPr lang="en-GB" sz="1600" dirty="0" err="1" smtClean="0"/>
-              <a:t>Thumri,dadra,Tappa,Chaiti</a:t>
-            </a:r>
-            <a:r>
-              <a:rPr lang="en-GB" sz="1600" dirty="0" smtClean="0"/>
-              <a:t>) -</a:t>
-            </a:r>
-            <a:r>
-              <a:rPr lang="en-GB" sz="1600" b="1" dirty="0" err="1" smtClean="0"/>
-              <a:t>Sugam</a:t>
-            </a:r>
-            <a:r>
-              <a:rPr lang="en-GB" sz="1600" b="1" dirty="0" smtClean="0"/>
-              <a:t> </a:t>
-            </a:r>
-            <a:r>
-              <a:rPr lang="en-GB" sz="1600" b="1" dirty="0" err="1" smtClean="0"/>
-              <a:t>Sangeet</a:t>
-            </a:r>
-            <a:r>
-              <a:rPr lang="en-GB" sz="1600" dirty="0" smtClean="0"/>
-              <a:t>: </a:t>
-            </a:r>
-            <a:r>
-              <a:rPr lang="en-GB" sz="1600" dirty="0" err="1" smtClean="0"/>
-              <a:t>Geet,Ghazal,Bhajan</a:t>
-            </a:r>
-            <a:endParaRPr lang="en-GB" sz="3200" dirty="0" smtClean="0"/>
-          </a:p>
-          <a:p>
-            <a:r>
-              <a:rPr lang="en-GB" sz="2000" u="sng" dirty="0" smtClean="0"/>
-              <a:t>Instrumental:</a:t>
-            </a:r>
-            <a:endParaRPr lang="en-US" sz="3200" dirty="0"/>
-          </a:p>
-        </p:txBody>
-      </p:sp>
-      <p:sp>
-        <p:nvSpPr>
-          <p:cNvPr id="8" name="Rectangle 7"/>
+            <a:r>
+              <a:rPr lang="en-IN" dirty="0" smtClean="0"/>
+              <a:t>.</a:t>
+            </a:r>
+            <a:endParaRPr lang="en-US" dirty="0"/>
+          </a:p>
+        </p:txBody>
+      </p:sp>
+      <p:sp>
+        <p:nvSpPr>
+          <p:cNvPr id="10" name="Rectangle 9"/>
           <p:cNvSpPr/>
           <p:nvPr/>
         </p:nvSpPr>
         <p:spPr>
           <a:xfrm>
-            <a:off x="228600" y="304800"/>
-            <a:ext cx="3990131" cy="923330"/>
-          </a:xfrm>
-          <a:prstGeom prst="rect">
-            <a:avLst/>
-          </a:prstGeom>
-          <a:noFill/>
-        </p:spPr>
-        <p:txBody>
-          <a:bodyPr wrap="none" lIns="91440" tIns="45720" rIns="91440" bIns="45720">
-            <a:spAutoFit/>
-          </a:bodyPr>
-          <a:lstStyle/>
-          <a:p>
-            <a:pPr algn="ctr"/>
-            <a:r>
-              <a:rPr lang="en-US" sz="5400" b="1" cap="none" spc="0" dirty="0" smtClean="0">
-                <a:ln w="12700">
-                  <a:solidFill>
-                    <a:schemeClr val="tx2">
-                      <a:satMod val="155000"/>
-                    </a:schemeClr>
-                  </a:solidFill>
-                  <a:prstDash val="solid"/>
-                </a:ln>
-                <a:effectLst>
-                  <a:outerShdw blurRad="41275" dist="20320" dir="1800000" algn="tl" rotWithShape="0">
-                    <a:srgbClr val="000000">
-                      <a:alpha val="40000"/>
-                    </a:srgbClr>
-                  </a:outerShdw>
-                </a:effectLst>
-              </a:rPr>
-              <a:t>Area Of Work</a:t>
-            </a:r>
-            <a:endParaRPr lang="en-US" sz="5400" b="1" cap="none" spc="0" dirty="0">
-              <a:ln w="12700">
-                <a:solidFill>
-                  <a:schemeClr val="tx2">
-                    <a:satMod val="155000"/>
-                  </a:schemeClr>
-                </a:solidFill>
-                <a:prstDash val="solid"/>
-              </a:ln>
-              <a:effectLst>
-                <a:outerShdw blurRad="41275" dist="20320" dir="1800000" algn="tl" rotWithShape="0">
-                  <a:srgbClr val="000000">
-                    <a:alpha val="40000"/>
-                  </a:srgbClr>
-                </a:outerShdw>
-              </a:effectLst>
-            </a:endParaRPr>
-          </a:p>
-        </p:txBody>
-      </p:sp>
-      <p:sp>
-        <p:nvSpPr>
-          <p:cNvPr id="12" name="Rectangle 11"/>
-          <p:cNvSpPr/>
-          <p:nvPr/>
-        </p:nvSpPr>
-        <p:spPr>
-          <a:xfrm>
-            <a:off x="35496" y="3356993"/>
-            <a:ext cx="8496944" cy="3046988"/>
+            <a:off x="611560" y="1844824"/>
+            <a:ext cx="8208912" cy="2492990"/>
           </a:xfrm>
           <a:prstGeom prst="rect">
             <a:avLst/>
@@ -7763,198 +7740,92 @@
           <a:lstStyle/>
           <a:p>
             <a:r>
+              <a:rPr lang="en-IN" sz="2400" u="sng" dirty="0" smtClean="0"/>
+              <a:t>Affiliations:</a:t>
+            </a:r>
+          </a:p>
+          <a:p>
+            <a:endParaRPr lang="en-IN" sz="2400" u="sng" dirty="0" smtClean="0"/>
+          </a:p>
+          <a:p>
+            <a:r>
+              <a:rPr lang="en-IN" dirty="0" smtClean="0"/>
+              <a:t>We are affiliated with major UGC accredited Music Societies of India </a:t>
+            </a:r>
+            <a:r>
               <a:rPr lang="en-IN" b="1" dirty="0" smtClean="0"/>
-              <a:t>1-String </a:t>
-            </a:r>
-            <a:r>
-              <a:rPr lang="en-GB" b="1" dirty="0" smtClean="0"/>
-              <a:t>Instruments</a:t>
+              <a:t>(</a:t>
+            </a:r>
+            <a:r>
+              <a:rPr lang="en-IN" b="1" dirty="0" err="1" smtClean="0"/>
+              <a:t>Prayag</a:t>
+            </a:r>
+            <a:r>
+              <a:rPr lang="en-IN" b="1" dirty="0" smtClean="0"/>
+              <a:t> </a:t>
+            </a:r>
+            <a:r>
+              <a:rPr lang="en-IN" b="1" dirty="0" err="1" smtClean="0"/>
+              <a:t>Sangeet</a:t>
+            </a:r>
+            <a:r>
+              <a:rPr lang="en-IN" b="1" dirty="0" smtClean="0"/>
+              <a:t> </a:t>
+            </a:r>
+            <a:r>
+              <a:rPr lang="en-IN" b="1" dirty="0" err="1" smtClean="0"/>
+              <a:t>Samiti</a:t>
+            </a:r>
+            <a:r>
+              <a:rPr lang="en-IN" b="1" dirty="0" smtClean="0"/>
+              <a:t>-Allahabad, </a:t>
+            </a:r>
+            <a:r>
+              <a:rPr lang="en-IN" b="1" dirty="0" err="1" smtClean="0"/>
+              <a:t>Prachin</a:t>
+            </a:r>
+            <a:r>
+              <a:rPr lang="en-IN" b="1" dirty="0" smtClean="0"/>
+              <a:t> Kala Kendra -Chandigarh</a:t>
             </a:r>
             <a:r>
               <a:rPr lang="en-IN" dirty="0" smtClean="0"/>
-              <a:t>: </a:t>
-            </a:r>
-            <a:r>
-              <a:rPr lang="en-GB" dirty="0" err="1" smtClean="0"/>
-              <a:t>Santoor</a:t>
-            </a:r>
-            <a:r>
-              <a:rPr lang="en-GB" dirty="0" smtClean="0"/>
-              <a:t> ,</a:t>
+              <a:t>) for Hindustani Vocal, </a:t>
+            </a:r>
+            <a:r>
+              <a:rPr lang="en-IN" dirty="0" err="1" smtClean="0"/>
+              <a:t>Tabla</a:t>
             </a:r>
             <a:r>
               <a:rPr lang="en-IN" dirty="0" smtClean="0"/>
-              <a:t> Sitar, Guitar, Violin, </a:t>
+              <a:t> and </a:t>
+            </a:r>
+            <a:r>
+              <a:rPr lang="en-IN" dirty="0" err="1" smtClean="0"/>
+              <a:t>Kathak</a:t>
+            </a:r>
+            <a:r>
+              <a:rPr lang="en-IN" dirty="0" smtClean="0"/>
+              <a:t>.</a:t>
+            </a:r>
+          </a:p>
+          <a:p>
+            <a:endParaRPr lang="en-IN" dirty="0" smtClean="0"/>
+          </a:p>
+          <a:p>
+            <a:r>
+              <a:rPr lang="en-IN" dirty="0" smtClean="0"/>
+              <a:t>We are also affiliated </a:t>
+            </a:r>
+            <a:r>
+              <a:rPr lang="en-IN" b="1" dirty="0" smtClean="0"/>
+              <a:t>with Trinity College- London,</a:t>
+            </a:r>
+            <a:r>
+              <a:rPr lang="en-IN" dirty="0" smtClean="0"/>
+              <a:t> whose certifications are world renowned, for Guitar, Keyboard, Piano and Drums.</a:t>
             </a:r>
             <a:endParaRPr lang="en-US" dirty="0" smtClean="0"/>
-          </a:p>
-          <a:p>
-            <a:r>
-              <a:rPr lang="en-GB" b="1" dirty="0" smtClean="0"/>
-              <a:t>2-Wind Instruments</a:t>
-            </a:r>
-            <a:r>
-              <a:rPr lang="en-IN" dirty="0" smtClean="0"/>
-              <a:t>: Flute, Harmonium</a:t>
-            </a:r>
-            <a:endParaRPr lang="en-US" dirty="0" smtClean="0"/>
-          </a:p>
-          <a:p>
-            <a:r>
-              <a:rPr lang="en-GB" b="1" dirty="0" smtClean="0"/>
-              <a:t>3-Western Instruments</a:t>
-            </a:r>
-            <a:r>
-              <a:rPr lang="en-IN" dirty="0" smtClean="0"/>
-              <a:t>: Piano, Keyboard,</a:t>
-            </a:r>
-            <a:r>
-              <a:rPr lang="en-GB" dirty="0" smtClean="0"/>
-              <a:t> Organ, Guitar* (Bass, Spanish, Electric)</a:t>
-            </a:r>
-            <a:endParaRPr lang="en-US" dirty="0" smtClean="0"/>
-          </a:p>
-          <a:p>
-            <a:r>
-              <a:rPr lang="en-GB" b="1" dirty="0" smtClean="0"/>
-              <a:t>4-Percussion Instruments</a:t>
-            </a:r>
-            <a:r>
-              <a:rPr lang="en-IN" dirty="0" smtClean="0"/>
-              <a:t>:  </a:t>
-            </a:r>
-            <a:r>
-              <a:rPr lang="en-IN" dirty="0" err="1" smtClean="0"/>
-              <a:t>Tabla,Pakhawaj</a:t>
-            </a:r>
-            <a:r>
-              <a:rPr lang="en-IN" dirty="0" smtClean="0"/>
-              <a:t> , </a:t>
-            </a:r>
-            <a:r>
-              <a:rPr lang="en-GB" dirty="0" err="1" smtClean="0"/>
-              <a:t>Dholak</a:t>
-            </a:r>
-            <a:r>
-              <a:rPr lang="en-GB" dirty="0" smtClean="0"/>
-              <a:t>,</a:t>
-            </a:r>
-            <a:r>
-              <a:rPr lang="en-IN" dirty="0" smtClean="0"/>
-              <a:t> Congo, Bongo, Jazz Drum</a:t>
-            </a:r>
-          </a:p>
-          <a:p>
-            <a:r>
-              <a:rPr lang="en-IN" sz="2000" u="sng" dirty="0" smtClean="0"/>
-              <a:t>Dance:</a:t>
-            </a:r>
-          </a:p>
-          <a:p>
-            <a:r>
-              <a:rPr lang="en-IN" sz="1600" b="1" dirty="0" smtClean="0"/>
-              <a:t>1-Indian Classical Dance</a:t>
-            </a:r>
-            <a:r>
-              <a:rPr lang="en-IN" sz="1600" dirty="0" smtClean="0"/>
-              <a:t> – </a:t>
-            </a:r>
-            <a:r>
-              <a:rPr lang="en-IN" sz="1600" dirty="0" err="1" smtClean="0"/>
-              <a:t>Kathak</a:t>
-            </a:r>
-            <a:r>
-              <a:rPr lang="en-IN" sz="1600" dirty="0" smtClean="0"/>
-              <a:t>. </a:t>
-            </a:r>
-            <a:r>
-              <a:rPr lang="en-IN" sz="1600" dirty="0" err="1" smtClean="0"/>
-              <a:t>Bharatnatyam</a:t>
-            </a:r>
-            <a:r>
-              <a:rPr lang="en-IN" sz="1600" dirty="0" smtClean="0"/>
-              <a:t>, </a:t>
-            </a:r>
-            <a:r>
-              <a:rPr lang="en-IN" sz="1600" dirty="0" err="1" smtClean="0"/>
-              <a:t>Oddisi</a:t>
-            </a:r>
-            <a:endParaRPr lang="en-US" sz="1600" dirty="0" smtClean="0"/>
-          </a:p>
-          <a:p>
-            <a:r>
-              <a:rPr lang="en-IN" sz="1600" b="1" dirty="0" smtClean="0"/>
-              <a:t>2-Folk Dance</a:t>
-            </a:r>
-            <a:r>
-              <a:rPr lang="en-IN" sz="1600" dirty="0" smtClean="0"/>
-              <a:t> – </a:t>
-            </a:r>
-            <a:r>
-              <a:rPr lang="en-GB" sz="1600" dirty="0" err="1" smtClean="0"/>
-              <a:t>Bhangra</a:t>
-            </a:r>
-            <a:r>
-              <a:rPr lang="en-GB" sz="1600" dirty="0" smtClean="0"/>
-              <a:t> </a:t>
-            </a:r>
-            <a:r>
-              <a:rPr lang="en-IN" sz="1600" dirty="0" smtClean="0"/>
-              <a:t>,</a:t>
-            </a:r>
-            <a:r>
-              <a:rPr lang="en-GB" sz="1600" dirty="0" err="1" smtClean="0"/>
-              <a:t>Dandiya</a:t>
-            </a:r>
-            <a:r>
-              <a:rPr lang="en-GB" sz="1600" dirty="0" smtClean="0"/>
-              <a:t>  and all other Indian Folk dances.</a:t>
-            </a:r>
-            <a:endParaRPr lang="en-US" sz="1600" dirty="0" smtClean="0"/>
-          </a:p>
-          <a:p>
-            <a:r>
-              <a:rPr lang="en-GB" sz="1600" b="1" dirty="0" smtClean="0"/>
-              <a:t>3-Bolywood–</a:t>
-            </a:r>
-            <a:r>
-              <a:rPr lang="en-GB" sz="1600" dirty="0" smtClean="0"/>
-              <a:t> Contemporary and all others.</a:t>
-            </a:r>
-            <a:endParaRPr lang="en-US" sz="1600" dirty="0" smtClean="0"/>
-          </a:p>
-          <a:p>
-            <a:r>
-              <a:rPr lang="en-IN" sz="1600" b="1" dirty="0" smtClean="0"/>
-              <a:t>4-Western </a:t>
-            </a:r>
-            <a:r>
-              <a:rPr lang="en-GB" sz="1600" b="1" dirty="0" smtClean="0"/>
-              <a:t>Dance Forms</a:t>
-            </a:r>
-            <a:r>
-              <a:rPr lang="en-IN" sz="1600" dirty="0" smtClean="0"/>
-              <a:t>: </a:t>
-            </a:r>
-            <a:r>
-              <a:rPr lang="en-IN" sz="1600" dirty="0" err="1" smtClean="0"/>
-              <a:t>Zumba</a:t>
-            </a:r>
-            <a:r>
-              <a:rPr lang="en-IN" sz="1600" dirty="0" smtClean="0"/>
-              <a:t>, Aerobics, Salsa, Jazz, Hip-hop, Cha-Cha-Cha, Belle, Ballroom, Rock n Roll, Rap </a:t>
-            </a:r>
-            <a:r>
-              <a:rPr lang="en-GB" sz="1600" dirty="0" smtClean="0"/>
-              <a:t>&amp;</a:t>
-            </a:r>
-            <a:r>
-              <a:rPr lang="en-IN" sz="1600" dirty="0" smtClean="0"/>
-              <a:t>Freestyle Dance</a:t>
-            </a:r>
-          </a:p>
-          <a:p>
-            <a:endParaRPr lang="en-US" sz="2000" dirty="0"/>
           </a:p>
         </p:txBody>
       </p:sp>
@@ -8048,8 +7919,8 @@
         </p:blipFill>
         <p:spPr>
           <a:xfrm>
-            <a:off x="6392064" y="0"/>
-            <a:ext cx="2751936" cy="1600200"/>
+            <a:off x="6815774" y="0"/>
+            <a:ext cx="2328226" cy="1353820"/>
           </a:xfrm>
           <a:prstGeom prst="rect">
             <a:avLst/>
@@ -8064,8 +7935,8 @@
         </p:nvSpPr>
         <p:spPr>
           <a:xfrm>
-            <a:off x="0" y="2743200"/>
-            <a:ext cx="9144000" cy="369332"/>
+            <a:off x="0" y="1828800"/>
+            <a:ext cx="9144000" cy="2185214"/>
           </a:xfrm>
           <a:prstGeom prst="rect">
             <a:avLst/>
@@ -8077,24 +7948,139 @@
           </a:bodyPr>
           <a:lstStyle/>
           <a:p>
-            <a:r>
-              <a:rPr lang="en-IN" dirty="0" smtClean="0"/>
-              <a:t>.</a:t>
-            </a:r>
-            <a:endParaRPr lang="en-US" dirty="0"/>
-          </a:p>
-        </p:txBody>
-      </p:sp>
-      <p:sp>
-        <p:nvSpPr>
-          <p:cNvPr id="10" name="Rectangle 9"/>
+            <a:pPr lvl="0"/>
+            <a:r>
+              <a:rPr lang="en-GB" sz="2000" dirty="0" smtClean="0"/>
+              <a:t>1</a:t>
+            </a:r>
+            <a:r>
+              <a:rPr lang="en-GB" sz="2800" dirty="0" smtClean="0"/>
+              <a:t>- </a:t>
+            </a:r>
+            <a:r>
+              <a:rPr lang="en-GB" sz="2000" dirty="0" smtClean="0"/>
+              <a:t>Training and grooming interested candidates for Reality Shows.</a:t>
+            </a:r>
+            <a:endParaRPr lang="en-US" sz="2000" dirty="0" smtClean="0"/>
+          </a:p>
+          <a:p>
+            <a:pPr lvl="0"/>
+            <a:r>
+              <a:rPr lang="en-GB" sz="2000" dirty="0" smtClean="0"/>
+              <a:t>2- Music Therapy sessions to select SEN students.</a:t>
+            </a:r>
+            <a:endParaRPr lang="en-US" sz="2000" dirty="0" smtClean="0"/>
+          </a:p>
+          <a:p>
+            <a:pPr lvl="0"/>
+            <a:r>
+              <a:rPr lang="en-GB" sz="2000" dirty="0" smtClean="0"/>
+              <a:t>3-Annual tie-ups with Schools to provide support in all Music &amp; Dance activities in workshops at the School.</a:t>
+            </a:r>
+          </a:p>
+          <a:p>
+            <a:pPr lvl="0"/>
+            <a:endParaRPr lang="en-GB" sz="2000" dirty="0" smtClean="0"/>
+          </a:p>
+          <a:p>
+            <a:pPr lvl="0"/>
+            <a:endParaRPr lang="en-US" sz="2800" dirty="0"/>
+          </a:p>
+        </p:txBody>
+      </p:sp>
+      <p:sp>
+        <p:nvSpPr>
+          <p:cNvPr id="8" name="Rectangle 7"/>
           <p:cNvSpPr/>
           <p:nvPr/>
         </p:nvSpPr>
         <p:spPr>
           <a:xfrm>
-            <a:off x="611560" y="1844824"/>
-            <a:ext cx="8208912" cy="2492990"/>
+            <a:off x="274318" y="457200"/>
+            <a:ext cx="4862741" cy="781752"/>
+          </a:xfrm>
+          <a:prstGeom prst="rect">
+            <a:avLst/>
+          </a:prstGeom>
+          <a:noFill/>
+        </p:spPr>
+        <p:txBody>
+          <a:bodyPr wrap="none" lIns="91440" tIns="45720" rIns="91440" bIns="45720">
+            <a:spAutoFit/>
+          </a:bodyPr>
+          <a:lstStyle/>
+          <a:p>
+            <a:pPr algn="ctr"/>
+            <a:r>
+              <a:rPr lang="en-US" sz="4480" b="1" dirty="0" smtClean="0">
+                <a:ln w="12700">
+                  <a:solidFill>
+                    <a:schemeClr val="tx2">
+                      <a:satMod val="155000"/>
+                    </a:schemeClr>
+                  </a:solidFill>
+                  <a:prstDash val="solid"/>
+                </a:ln>
+                <a:effectLst>
+                  <a:outerShdw blurRad="41275" dist="20320" dir="1800000" algn="tl" rotWithShape="0">
+                    <a:srgbClr val="000000">
+                      <a:alpha val="40000"/>
+                    </a:srgbClr>
+                  </a:outerShdw>
+                </a:effectLst>
+              </a:rPr>
+              <a:t>Additional</a:t>
+            </a:r>
+            <a:r>
+              <a:rPr lang="en-US" sz="4480" b="1" cap="none" spc="0" dirty="0" smtClean="0">
+                <a:ln w="12700">
+                  <a:solidFill>
+                    <a:schemeClr val="tx2">
+                      <a:satMod val="155000"/>
+                    </a:schemeClr>
+                  </a:solidFill>
+                  <a:prstDash val="solid"/>
+                </a:ln>
+                <a:effectLst>
+                  <a:outerShdw blurRad="41275" dist="20320" dir="1800000" algn="tl" rotWithShape="0">
+                    <a:srgbClr val="000000">
+                      <a:alpha val="40000"/>
+                    </a:srgbClr>
+                  </a:outerShdw>
+                </a:effectLst>
+              </a:rPr>
+              <a:t> Features</a:t>
+            </a:r>
+            <a:endParaRPr lang="en-US" sz="4480" b="1" cap="none" spc="0" dirty="0">
+              <a:ln w="12700">
+                <a:solidFill>
+                  <a:schemeClr val="tx2">
+                    <a:satMod val="155000"/>
+                  </a:schemeClr>
+                </a:solidFill>
+                <a:prstDash val="solid"/>
+              </a:ln>
+              <a:effectLst>
+                <a:outerShdw blurRad="41275" dist="20320" dir="1800000" algn="tl" rotWithShape="0">
+                  <a:srgbClr val="000000">
+                    <a:alpha val="40000"/>
+                  </a:srgbClr>
+                </a:outerShdw>
+              </a:effectLst>
+            </a:endParaRPr>
+          </a:p>
+        </p:txBody>
+      </p:sp>
+      <p:sp>
+        <p:nvSpPr>
+          <p:cNvPr id="9" name="Rectangle 8"/>
+          <p:cNvSpPr/>
+          <p:nvPr/>
+        </p:nvSpPr>
+        <p:spPr>
+          <a:xfrm>
+            <a:off x="0" y="3200400"/>
+            <a:ext cx="8686800" cy="1938992"/>
           </a:xfrm>
           <a:prstGeom prst="rect">
             <a:avLst/>
@@ -8106,93 +8092,44 @@
           </a:bodyPr>
           <a:lstStyle/>
           <a:p>
-            <a:r>
-              <a:rPr lang="en-IN" sz="2400" u="sng" dirty="0" smtClean="0"/>
-              <a:t>Affiliations:</a:t>
-            </a:r>
-          </a:p>
-          <a:p>
-            <a:endParaRPr lang="en-IN" sz="2400" u="sng" dirty="0" smtClean="0"/>
-          </a:p>
-          <a:p>
-            <a:r>
-              <a:rPr lang="en-IN" dirty="0" smtClean="0"/>
-              <a:t>We are affiliated with major UGC accredited Music Societies of India </a:t>
-            </a:r>
-            <a:r>
-              <a:rPr lang="en-IN" b="1" dirty="0" smtClean="0"/>
-              <a:t>(</a:t>
-            </a:r>
-            <a:r>
-              <a:rPr lang="en-IN" b="1" dirty="0" err="1" smtClean="0"/>
-              <a:t>Prayag</a:t>
-            </a:r>
-            <a:r>
-              <a:rPr lang="en-IN" b="1" dirty="0" smtClean="0"/>
-              <a:t> </a:t>
-            </a:r>
-            <a:r>
-              <a:rPr lang="en-IN" b="1" dirty="0" err="1" smtClean="0"/>
-              <a:t>Sangeet</a:t>
-            </a:r>
-            <a:r>
-              <a:rPr lang="en-IN" b="1" dirty="0" smtClean="0"/>
-              <a:t> </a:t>
-            </a:r>
-            <a:r>
-              <a:rPr lang="en-IN" b="1" dirty="0" err="1" smtClean="0"/>
-              <a:t>Samiti</a:t>
-            </a:r>
-            <a:r>
-              <a:rPr lang="en-IN" b="1" dirty="0" smtClean="0"/>
-              <a:t>-Allahabad, </a:t>
-            </a:r>
-            <a:r>
-              <a:rPr lang="en-IN" b="1" dirty="0" err="1" smtClean="0"/>
-              <a:t>Prachin</a:t>
-            </a:r>
-            <a:r>
-              <a:rPr lang="en-IN" b="1" dirty="0" smtClean="0"/>
-              <a:t> Kala Kendra -Chandigarh</a:t>
-            </a:r>
-            <a:r>
-              <a:rPr lang="en-IN" dirty="0" smtClean="0"/>
-              <a:t>) for Hindustani Vocal, </a:t>
-            </a:r>
-            <a:r>
-              <a:rPr lang="en-IN" dirty="0" err="1" smtClean="0"/>
-              <a:t>Tabla</a:t>
-            </a:r>
-            <a:r>
-              <a:rPr lang="en-IN" dirty="0" smtClean="0"/>
-              <a:t> and </a:t>
-            </a:r>
-            <a:r>
-              <a:rPr lang="en-IN" dirty="0" err="1" smtClean="0"/>
-              <a:t>Kathak</a:t>
-            </a:r>
-            <a:r>
-              <a:rPr lang="en-IN" dirty="0" smtClean="0"/>
-              <a:t>.</a:t>
-            </a:r>
-          </a:p>
-          <a:p>
-            <a:endParaRPr lang="en-IN" dirty="0" smtClean="0"/>
-          </a:p>
-          <a:p>
-            <a:r>
-              <a:rPr lang="en-IN" dirty="0" smtClean="0"/>
-              <a:t>We are also affiliated </a:t>
-            </a:r>
-            <a:r>
-              <a:rPr lang="en-IN" b="1" dirty="0" smtClean="0"/>
-              <a:t>with Trinity College- London,</a:t>
-            </a:r>
-            <a:r>
-              <a:rPr lang="en-IN" dirty="0" smtClean="0"/>
-              <a:t> whose certifications are world renowned, for Guitar, Keyboard, Piano and Drums.</a:t>
-            </a:r>
-            <a:endParaRPr lang="en-US" dirty="0" smtClean="0"/>
+            <a:pPr lvl="0"/>
+            <a:r>
+              <a:rPr lang="en-GB" sz="2000" dirty="0" smtClean="0"/>
+              <a:t>4.Tie-ups with Malls to conduct weekend live music &amp; dance shows by students.</a:t>
+            </a:r>
+            <a:endParaRPr lang="en-US" sz="2000" dirty="0" smtClean="0"/>
+          </a:p>
+          <a:p>
+            <a:pPr lvl="0"/>
+            <a:r>
+              <a:rPr lang="en-GB" sz="2000" dirty="0" smtClean="0"/>
+              <a:t>5-Ties-ups with Corporate for special customised packages for their executives.</a:t>
+            </a:r>
+            <a:endParaRPr lang="en-US" sz="2000" dirty="0" smtClean="0"/>
+          </a:p>
+          <a:p>
+            <a:pPr lvl="0"/>
+            <a:r>
+              <a:rPr lang="en-GB" sz="2000" dirty="0" smtClean="0"/>
+              <a:t>6-Customised packages for homemakers for </a:t>
+            </a:r>
+            <a:r>
+              <a:rPr lang="en-GB" sz="2000" dirty="0" err="1" smtClean="0"/>
+              <a:t>Zumba</a:t>
+            </a:r>
+            <a:r>
+              <a:rPr lang="en-GB" sz="2000" dirty="0" smtClean="0"/>
+              <a:t>, Aerobics, Meditation etc.</a:t>
+            </a:r>
+            <a:endParaRPr lang="en-US" sz="2000" dirty="0" smtClean="0"/>
+          </a:p>
+          <a:p>
+            <a:pPr lvl="0"/>
+            <a:r>
+              <a:rPr lang="en-GB" sz="2000" dirty="0" smtClean="0"/>
+              <a:t>7-Preparing students for B.A,M.A  Music entrance, Govt. Scholarships from Ministry of Culture (CCRT), scholarship to young artists in Radio and TV.</a:t>
+            </a:r>
+            <a:endParaRPr lang="en-US" sz="2000" dirty="0"/>
           </a:p>
         </p:txBody>
       </p:sp>
@@ -8228,34 +8165,13 @@
           <a:chExt cx="0" cy="0"/>
         </a:xfrm>
       </p:grpSpPr>
-      <p:sp>
-        <p:nvSpPr>
-          <p:cNvPr id="2" name="Title 1"/>
-          <p:cNvSpPr>
-            <a:spLocks noGrp="1"/>
-          </p:cNvSpPr>
-          <p:nvPr>
-            <p:ph type="title"/>
-          </p:nvPr>
-        </p:nvSpPr>
-        <p:spPr/>
-        <p:txBody>
-          <a:bodyPr/>
-          <a:lstStyle/>
-          <a:p>
-            <a:endParaRPr lang="en-US" dirty="0"/>
-          </a:p>
-        </p:txBody>
-      </p:sp>
       <p:pic>
         <p:nvPicPr>
-          <p:cNvPr id="5" name="Content Placeholder 4" descr="bg_img1.jpg"/>
+          <p:cNvPr id="4" name="Picture 3" descr="logo.png"/>
           <p:cNvPicPr>
-            <a:picLocks noGrp="1" noChangeAspect="1"/>
+            <a:picLocks noChangeAspect="1"/>
           </p:cNvPicPr>
-          <p:nvPr>
-            <p:ph idx="1"/>
-          </p:nvPr>
+          <p:nvPr/>
         </p:nvPicPr>
         <p:blipFill>
           <a:blip r:embed="rId2" cstate="print"/>
@@ -8265,14 +8181,17 @@
         </p:blipFill>
         <p:spPr>
           <a:xfrm>
-            <a:off x="0" y="0"/>
-            <a:ext cx="9144000" cy="6858000"/>
-          </a:xfrm>
+            <a:off x="2057400" y="1600200"/>
+            <a:ext cx="5241784" cy="3048000"/>
+          </a:xfrm>
+          <a:prstGeom prst="rect">
+            <a:avLst/>
+          </a:prstGeom>
         </p:spPr>
       </p:pic>
       <p:pic>
         <p:nvPicPr>
-          <p:cNvPr id="6" name="Picture 5" descr="logo.png"/>
+          <p:cNvPr id="3" name="Picture 2" descr="bg_img1.jpg"/>
           <p:cNvPicPr>
             <a:picLocks noChangeAspect="1"/>
           </p:cNvPicPr>
@@ -8286,230 +8205,104 @@
         </p:blipFill>
         <p:spPr>
           <a:xfrm>
-            <a:off x="6815774" y="0"/>
-            <a:ext cx="2328226" cy="1353820"/>
+            <a:off x="0" y="0"/>
+            <a:ext cx="9144000" cy="6858000"/>
           </a:xfrm>
           <a:prstGeom prst="rect">
             <a:avLst/>
           </a:prstGeom>
         </p:spPr>
       </p:pic>
-      <p:sp>
-        <p:nvSpPr>
-          <p:cNvPr id="7" name="Rectangle 6"/>
-          <p:cNvSpPr/>
+      <p:pic>
+        <p:nvPicPr>
+          <p:cNvPr id="5" name="Picture 4" descr="logo.png"/>
+          <p:cNvPicPr>
+            <a:picLocks noChangeAspect="1"/>
+          </p:cNvPicPr>
           <p:nvPr/>
-        </p:nvSpPr>
-        <p:spPr>
-          <a:xfrm>
-            <a:off x="0" y="1828800"/>
-            <a:ext cx="9144000" cy="2185214"/>
+        </p:nvPicPr>
+        <p:blipFill>
+          <a:blip r:embed="rId2" cstate="print"/>
+          <a:stretch>
+            <a:fillRect/>
+          </a:stretch>
+        </p:blipFill>
+        <p:spPr>
+          <a:xfrm>
+            <a:off x="6916242" y="0"/>
+            <a:ext cx="2227758" cy="1295400"/>
           </a:xfrm>
           <a:prstGeom prst="rect">
             <a:avLst/>
           </a:prstGeom>
         </p:spPr>
-        <p:txBody>
-          <a:bodyPr wrap="square">
+      </p:pic>
+      <p:pic>
+        <p:nvPicPr>
+          <p:cNvPr id="6" name="Picture 5" descr="292267_436229979735066_917914719_n.jpg"/>
+          <p:cNvPicPr>
+            <a:picLocks noChangeAspect="1"/>
+          </p:cNvPicPr>
+          <p:nvPr/>
+        </p:nvPicPr>
+        <p:blipFill>
+          <a:blip r:embed="rId4" cstate="print"/>
+          <a:stretch>
+            <a:fillRect/>
+          </a:stretch>
+        </p:blipFill>
+        <p:spPr>
+          <a:xfrm>
+            <a:off x="0" y="1396921"/>
+            <a:ext cx="9144000" cy="5461079"/>
+          </a:xfrm>
+          <a:prstGeom prst="rect">
+            <a:avLst/>
+          </a:prstGeom>
+        </p:spPr>
+      </p:pic>
+      <p:sp>
+        <p:nvSpPr>
+          <p:cNvPr id="7" name="TextBox 6"/>
+          <p:cNvSpPr txBox="1"/>
+          <p:nvPr/>
+        </p:nvSpPr>
+        <p:spPr>
+          <a:xfrm>
+            <a:off x="381000" y="381000"/>
+            <a:ext cx="6400800" cy="584775"/>
+          </a:xfrm>
+          <a:prstGeom prst="rect">
+            <a:avLst/>
+          </a:prstGeom>
+          <a:noFill/>
+        </p:spPr>
+        <p:txBody>
+          <a:bodyPr wrap="square" rtlCol="0">
             <a:spAutoFit/>
           </a:bodyPr>
           <a:lstStyle/>
           <a:p>
-            <a:pPr lvl="0"/>
-            <a:r>
-              <a:rPr lang="en-GB" sz="2000" dirty="0" smtClean="0"/>
-              <a:t>1</a:t>
-            </a:r>
-            <a:r>
-              <a:rPr lang="en-GB" sz="2800" dirty="0" smtClean="0"/>
-              <a:t>- </a:t>
-            </a:r>
-            <a:r>
-              <a:rPr lang="en-GB" sz="2000" dirty="0" smtClean="0"/>
-              <a:t>Training and grooming interested candidates for Reality Shows.</a:t>
-            </a:r>
-            <a:endParaRPr lang="en-US" sz="2000" dirty="0" smtClean="0"/>
-          </a:p>
-          <a:p>
-            <a:pPr lvl="0"/>
-            <a:r>
-              <a:rPr lang="en-GB" sz="2000" dirty="0" smtClean="0"/>
-              <a:t>2- Music Therapy sessions to select SEN students.</a:t>
-            </a:r>
-            <a:endParaRPr lang="en-US" sz="2000" dirty="0" smtClean="0"/>
-          </a:p>
-          <a:p>
-            <a:pPr lvl="0"/>
-            <a:r>
-              <a:rPr lang="en-GB" sz="2000" dirty="0" smtClean="0"/>
-              <a:t>3-Annual tie-ups with Schools to provide support in all Music &amp; Dance activities in workshops at the School.</a:t>
-            </a:r>
-          </a:p>
-          <a:p>
-            <a:pPr lvl="0"/>
-            <a:endParaRPr lang="en-GB" sz="2000" dirty="0" smtClean="0"/>
-          </a:p>
-          <a:p>
-            <a:pPr lvl="0"/>
-            <a:endParaRPr lang="en-US" sz="2800" dirty="0"/>
-          </a:p>
-        </p:txBody>
-      </p:sp>
-      <p:sp>
-        <p:nvSpPr>
-          <p:cNvPr id="8" name="Rectangle 7"/>
+            <a:r>
+              <a:rPr lang="en-IN" sz="3200" dirty="0" smtClean="0"/>
+              <a:t>Organising Workshops In Malls</a:t>
+            </a:r>
+            <a:endParaRPr lang="en-IN" sz="3200" dirty="0"/>
+          </a:p>
+        </p:txBody>
+      </p:sp>
+      <p:sp>
+        <p:nvSpPr>
+          <p:cNvPr id="8" name="Right Arrow 7">
+            <a:hlinkClick r:id="" action="ppaction://hlinkshowjump?jump=nextslide"/>
+          </p:cNvPr>
           <p:cNvSpPr/>
           <p:nvPr/>
         </p:nvSpPr>
         <p:spPr>
           <a:xfrm>
-            <a:off x="274318" y="457200"/>
-            <a:ext cx="4862741" cy="781752"/>
-          </a:xfrm>
-          <a:prstGeom prst="rect">
-            <a:avLst/>
-          </a:prstGeom>
-          <a:noFill/>
-        </p:spPr>
-        <p:txBody>
-          <a:bodyPr wrap="none" lIns="91440" tIns="45720" rIns="91440" bIns="45720">
-            <a:spAutoFit/>
-          </a:bodyPr>
-          <a:lstStyle/>
-          <a:p>
-            <a:pPr algn="ctr"/>
-            <a:r>
-              <a:rPr lang="en-US" sz="4480" b="1" dirty="0" smtClean="0">
-                <a:ln w="12700">
-                  <a:solidFill>
-                    <a:schemeClr val="tx2">
-                      <a:satMod val="155000"/>
-                    </a:schemeClr>
-                  </a:solidFill>
-                  <a:prstDash val="solid"/>
-                </a:ln>
-                <a:effectLst>
-                  <a:outerShdw blurRad="41275" dist="20320" dir="1800000" algn="tl" rotWithShape="0">
-                    <a:srgbClr val="000000">
-                      <a:alpha val="40000"/>
-                    </a:srgbClr>
-                  </a:outerShdw>
-                </a:effectLst>
-              </a:rPr>
-              <a:t>Additional</a:t>
-            </a:r>
-            <a:r>
-              <a:rPr lang="en-US" sz="4480" b="1" cap="none" spc="0" dirty="0" smtClean="0">
-                <a:ln w="12700">
-                  <a:solidFill>
-                    <a:schemeClr val="tx2">
-                      <a:satMod val="155000"/>
-                    </a:schemeClr>
-                  </a:solidFill>
-                  <a:prstDash val="solid"/>
-                </a:ln>
-                <a:effectLst>
-                  <a:outerShdw blurRad="41275" dist="20320" dir="1800000" algn="tl" rotWithShape="0">
-                    <a:srgbClr val="000000">
-                      <a:alpha val="40000"/>
-                    </a:srgbClr>
-                  </a:outerShdw>
-                </a:effectLst>
-              </a:rPr>
-              <a:t> Features</a:t>
-            </a:r>
-            <a:endParaRPr lang="en-US" sz="4480" b="1" cap="none" spc="0" dirty="0">
-              <a:ln w="12700">
-                <a:solidFill>
-                  <a:schemeClr val="tx2">
-                    <a:satMod val="155000"/>
-                  </a:schemeClr>
-                </a:solidFill>
-                <a:prstDash val="solid"/>
-              </a:ln>
-              <a:effectLst>
-                <a:outerShdw blurRad="41275" dist="20320" dir="1800000" algn="tl" rotWithShape="0">
-                  <a:srgbClr val="000000">
-                    <a:alpha val="40000"/>
-                  </a:srgbClr>
-                </a:outerShdw>
-              </a:effectLst>
-            </a:endParaRPr>
-          </a:p>
-        </p:txBody>
-      </p:sp>
-      <p:sp>
-        <p:nvSpPr>
-          <p:cNvPr id="9" name="Rectangle 8"/>
-          <p:cNvSpPr/>
-          <p:nvPr/>
-        </p:nvSpPr>
-        <p:spPr>
-          <a:xfrm>
-            <a:off x="0" y="3200400"/>
-            <a:ext cx="8686800" cy="1938992"/>
-          </a:xfrm>
-          <a:prstGeom prst="rect">
-            <a:avLst/>
-          </a:prstGeom>
-        </p:spPr>
-        <p:txBody>
-          <a:bodyPr wrap="square">
-            <a:spAutoFit/>
-          </a:bodyPr>
-          <a:lstStyle/>
-          <a:p>
-            <a:pPr lvl="0"/>
-            <a:r>
-              <a:rPr lang="en-GB" sz="2000" dirty="0" smtClean="0"/>
-              <a:t>4.Tie-ups with Malls to conduct weekend live music &amp; dance shows by students.</a:t>
-            </a:r>
-            <a:endParaRPr lang="en-US" sz="2000" dirty="0" smtClean="0"/>
-          </a:p>
-          <a:p>
-            <a:pPr lvl="0"/>
-            <a:r>
-              <a:rPr lang="en-GB" sz="2000" dirty="0" smtClean="0"/>
-              <a:t>5-Ties-ups with Corporate for special customised packages for their executives.</a:t>
-            </a:r>
-            <a:endParaRPr lang="en-US" sz="2000" dirty="0" smtClean="0"/>
-          </a:p>
-          <a:p>
-            <a:pPr lvl="0"/>
-            <a:r>
-              <a:rPr lang="en-GB" sz="2000" dirty="0" smtClean="0"/>
-              <a:t>6-Customised packages for homemakers for </a:t>
-            </a:r>
-            <a:r>
-              <a:rPr lang="en-GB" sz="2000" dirty="0" err="1" smtClean="0"/>
-              <a:t>Zumba</a:t>
-            </a:r>
-            <a:r>
-              <a:rPr lang="en-GB" sz="2000" dirty="0" smtClean="0"/>
-              <a:t>, Aerobics, Meditation etc.</a:t>
-            </a:r>
-            <a:endParaRPr lang="en-US" sz="2000" dirty="0" smtClean="0"/>
-          </a:p>
-          <a:p>
-            <a:pPr lvl="0"/>
-            <a:r>
-              <a:rPr lang="en-GB" sz="2000" dirty="0" smtClean="0"/>
-              <a:t>7-Preparing students for B.A,M.A Music entrance, Govt. Scholarships from Ministry of Culture (CCRT), scholarship to young artists in Radio and TV.</a:t>
-            </a:r>
-            <a:endParaRPr lang="en-US" sz="2000" dirty="0"/>
-          </a:p>
-        </p:txBody>
-      </p:sp>
-      <p:sp>
-        <p:nvSpPr>
-          <p:cNvPr id="10" name="Right Arrow 9"/>
-          <p:cNvSpPr/>
-          <p:nvPr/>
-        </p:nvSpPr>
-        <p:spPr>
-          <a:xfrm>
-            <a:off x="7315200" y="6373368"/>
-            <a:ext cx="521208" cy="484632"/>
+            <a:off x="8001000" y="6373368"/>
+            <a:ext cx="445008" cy="484632"/>
           </a:xfrm>
           <a:prstGeom prst="rightArrow">
             <a:avLst/>
@@ -8542,48 +8335,8 @@
       </p:sp>
       <p:sp>
         <p:nvSpPr>
-          <p:cNvPr id="11" name="Left Arrow 10"/>
-          <p:cNvSpPr/>
-          <p:nvPr/>
-        </p:nvSpPr>
-        <p:spPr>
-          <a:xfrm>
-            <a:off x="7848600" y="6373368"/>
-            <a:ext cx="609600" cy="484632"/>
-          </a:xfrm>
-          <a:prstGeom prst="leftArrow">
-            <a:avLst/>
-          </a:prstGeom>
-        </p:spPr>
-        <p:style>
-          <a:lnRef idx="2">
-            <a:schemeClr val="accent1">
-              <a:shade val="50000"/>
-            </a:schemeClr>
-          </a:lnRef>
-          <a:fillRef idx="1">
-            <a:schemeClr val="accent1"/>
-          </a:fillRef>
-          <a:effectRef idx="0">
-            <a:schemeClr val="accent1"/>
-          </a:effectRef>
-          <a:fontRef idx="minor">
-            <a:schemeClr val="lt1"/>
-          </a:fontRef>
-        </p:style>
-        <p:txBody>
-          <a:bodyPr rtlCol="0" anchor="ctr"/>
-          <a:lstStyle/>
-          <a:p>
-            <a:pPr algn="ctr"/>
-            <a:endParaRPr lang="en-IN"/>
-          </a:p>
-        </p:txBody>
-      </p:sp>
-      <p:sp>
-        <p:nvSpPr>
-          <p:cNvPr id="12" name="Action Button: Home 11">
-            <a:hlinkClick r:id="rId4" action="ppaction://hlinksldjump" highlightClick="1"/>
+          <p:cNvPr id="9" name="Action Button: Home 8">
+            <a:hlinkClick r:id="rId5" action="ppaction://hlinksldjump" highlightClick="1"/>
           </p:cNvPr>
           <p:cNvSpPr/>
           <p:nvPr/>
@@ -8718,8 +8471,8 @@
         </p:blipFill>
         <p:spPr>
           <a:xfrm>
-            <a:off x="6916242" y="0"/>
-            <a:ext cx="2227758" cy="1295400"/>
+            <a:off x="7047287" y="0"/>
+            <a:ext cx="2096713" cy="1219200"/>
           </a:xfrm>
           <a:prstGeom prst="rect">
             <a:avLst/>
@@ -8728,7 +8481,7 @@
       </p:pic>
       <p:pic>
         <p:nvPicPr>
-          <p:cNvPr id="6" name="Picture 5" descr="292267_436229979735066_917914719_n.jpg"/>
+          <p:cNvPr id="6" name="Picture 5" descr="542872_436230216401709_708115415_n.jpg"/>
           <p:cNvPicPr>
             <a:picLocks noChangeAspect="1"/>
           </p:cNvPicPr>
@@ -8742,8 +8495,8 @@
         </p:blipFill>
         <p:spPr>
           <a:xfrm>
-            <a:off x="0" y="1396921"/>
-            <a:ext cx="9144000" cy="5461079"/>
+            <a:off x="0" y="1219200"/>
+            <a:ext cx="9144000" cy="5638800"/>
           </a:xfrm>
           <a:prstGeom prst="rect">
             <a:avLst/>
@@ -8758,8 +8511,8 @@
         </p:nvSpPr>
         <p:spPr>
           <a:xfrm>
-            <a:off x="381000" y="381000"/>
-            <a:ext cx="6400800" cy="584775"/>
+            <a:off x="228600" y="381000"/>
+            <a:ext cx="4640053" cy="584775"/>
           </a:xfrm>
           <a:prstGeom prst="rect">
             <a:avLst/>
@@ -8767,14 +8520,14 @@
           <a:noFill/>
         </p:spPr>
         <p:txBody>
-          <a:bodyPr wrap="square" rtlCol="0">
+          <a:bodyPr wrap="none" rtlCol="0">
             <a:spAutoFit/>
           </a:bodyPr>
           <a:lstStyle/>
           <a:p>
             <a:r>
               <a:rPr lang="en-IN" sz="3200" dirty="0" smtClean="0"/>
-              <a:t>Organising Workshops In Malls</a:t>
+              <a:t>Western Dance Workshop</a:t>
             </a:r>
             <a:endParaRPr lang="en-IN" sz="3200" dirty="0"/>
           </a:p>
@@ -8782,18 +8535,18 @@
       </p:sp>
       <p:sp>
         <p:nvSpPr>
-          <p:cNvPr id="8" name="Right Arrow 7">
-            <a:hlinkClick r:id="" action="ppaction://hlinkshowjump?jump=nextslide"/>
+          <p:cNvPr id="8" name="Action Button: Home 7">
+            <a:hlinkClick r:id="rId5" action="ppaction://hlinksldjump" highlightClick="1"/>
           </p:cNvPr>
           <p:cNvSpPr/>
           <p:nvPr/>
         </p:nvSpPr>
         <p:spPr>
           <a:xfrm>
-            <a:off x="8001000" y="6373368"/>
-            <a:ext cx="445008" cy="484632"/>
-          </a:xfrm>
-          <a:prstGeom prst="rightArrow">
+            <a:off x="8534400" y="6324600"/>
+            <a:ext cx="609600" cy="533400"/>
+          </a:xfrm>
+          <a:prstGeom prst="actionButtonHome">
             <a:avLst/>
           </a:prstGeom>
         </p:spPr>
@@ -8824,18 +8577,60 @@
       </p:sp>
       <p:sp>
         <p:nvSpPr>
-          <p:cNvPr id="9" name="Action Button: Home 8">
-            <a:hlinkClick r:id="rId5" action="ppaction://hlinksldjump" highlightClick="1"/>
+          <p:cNvPr id="9" name="Right Arrow 8">
+            <a:hlinkClick r:id="" action="ppaction://hlinkshowjump?jump=nextslide"/>
           </p:cNvPr>
           <p:cNvSpPr/>
           <p:nvPr/>
         </p:nvSpPr>
         <p:spPr>
           <a:xfrm>
-            <a:off x="8558784" y="6348984"/>
-            <a:ext cx="585216" cy="509016"/>
-          </a:xfrm>
-          <a:prstGeom prst="actionButtonHome">
+            <a:off x="7315200" y="6373368"/>
+            <a:ext cx="521208" cy="484632"/>
+          </a:xfrm>
+          <a:prstGeom prst="rightArrow">
+            <a:avLst/>
+          </a:prstGeom>
+        </p:spPr>
+        <p:style>
+          <a:lnRef idx="2">
+            <a:schemeClr val="accent1">
+              <a:shade val="50000"/>
+            </a:schemeClr>
+          </a:lnRef>
+          <a:fillRef idx="1">
+            <a:schemeClr val="accent1"/>
+          </a:fillRef>
+          <a:effectRef idx="0">
+            <a:schemeClr val="accent1"/>
+          </a:effectRef>
+          <a:fontRef idx="minor">
+            <a:schemeClr val="lt1"/>
+          </a:fontRef>
+        </p:style>
+        <p:txBody>
+          <a:bodyPr rtlCol="0" anchor="ctr"/>
+          <a:lstStyle/>
+          <a:p>
+            <a:pPr algn="ctr"/>
+            <a:endParaRPr lang="en-IN"/>
+          </a:p>
+        </p:txBody>
+      </p:sp>
+      <p:sp>
+        <p:nvSpPr>
+          <p:cNvPr id="10" name="Left Arrow 9">
+            <a:hlinkClick r:id="" action="ppaction://hlinkshowjump?jump=previousslide"/>
+          </p:cNvPr>
+          <p:cNvSpPr/>
+          <p:nvPr/>
+        </p:nvSpPr>
+        <p:spPr>
+          <a:xfrm>
+            <a:off x="7848600" y="6373368"/>
+            <a:ext cx="533400" cy="484632"/>
+          </a:xfrm>
+          <a:prstGeom prst="leftArrow">
             <a:avLst/>
           </a:prstGeom>
         </p:spPr>
@@ -8960,8 +8755,8 @@
         </p:blipFill>
         <p:spPr>
           <a:xfrm>
-            <a:off x="7047287" y="0"/>
-            <a:ext cx="2096713" cy="1219200"/>
+            <a:off x="6654153" y="0"/>
+            <a:ext cx="2489847" cy="1447800"/>
           </a:xfrm>
           <a:prstGeom prst="rect">
             <a:avLst/>
@@ -8970,7 +8765,7 @@
       </p:pic>
       <p:pic>
         <p:nvPicPr>
-          <p:cNvPr id="6" name="Picture 5" descr="542872_436230216401709_708115415_n.jpg"/>
+          <p:cNvPr id="6" name="Picture 5" descr="IMG_0745.JPG"/>
           <p:cNvPicPr>
             <a:picLocks noChangeAspect="1"/>
           </p:cNvPicPr>
@@ -8984,8 +8779,8 @@
         </p:blipFill>
         <p:spPr>
           <a:xfrm>
-            <a:off x="0" y="1219200"/>
-            <a:ext cx="9144000" cy="5638800"/>
+            <a:off x="0" y="1447800"/>
+            <a:ext cx="9144000" cy="5410200"/>
           </a:xfrm>
           <a:prstGeom prst="rect">
             <a:avLst/>
@@ -9000,8 +8795,8 @@
         </p:nvSpPr>
         <p:spPr>
           <a:xfrm>
-            <a:off x="228600" y="381000"/>
-            <a:ext cx="4640053" cy="584775"/>
+            <a:off x="228600" y="533400"/>
+            <a:ext cx="4891211" cy="584775"/>
           </a:xfrm>
           <a:prstGeom prst="rect">
             <a:avLst/>
@@ -9016,7 +8811,7 @@
           <a:p>
             <a:r>
               <a:rPr lang="en-IN" sz="3200" dirty="0" smtClean="0"/>
-              <a:t>Western Dance Workshop</a:t>
+              <a:t>Performance In Wave Malls</a:t>
             </a:r>
             <a:endParaRPr lang="en-IN" sz="3200" dirty="0"/>
           </a:p>
@@ -9024,18 +8819,18 @@
       </p:sp>
       <p:sp>
         <p:nvSpPr>
-          <p:cNvPr id="8" name="Action Button: Home 7">
-            <a:hlinkClick r:id="rId5" action="ppaction://hlinksldjump" highlightClick="1"/>
+          <p:cNvPr id="8" name="Right Arrow 7">
+            <a:hlinkClick r:id="" action="ppaction://hlinkshowjump?jump=nextslide"/>
           </p:cNvPr>
           <p:cNvSpPr/>
           <p:nvPr/>
         </p:nvSpPr>
         <p:spPr>
           <a:xfrm>
-            <a:off x="8534400" y="6324600"/>
-            <a:ext cx="609600" cy="533400"/>
-          </a:xfrm>
-          <a:prstGeom prst="actionButtonHome">
+            <a:off x="7391400" y="6373368"/>
+            <a:ext cx="597408" cy="484632"/>
+          </a:xfrm>
+          <a:prstGeom prst="rightArrow">
             <a:avLst/>
           </a:prstGeom>
         </p:spPr>
@@ -9066,18 +8861,18 @@
       </p:sp>
       <p:sp>
         <p:nvSpPr>
-          <p:cNvPr id="9" name="Right Arrow 8">
-            <a:hlinkClick r:id="" action="ppaction://hlinkshowjump?jump=nextslide"/>
+          <p:cNvPr id="9" name="Left Arrow 8">
+            <a:hlinkClick r:id="" action="ppaction://hlinkshowjump?jump=previousslide"/>
           </p:cNvPr>
           <p:cNvSpPr/>
           <p:nvPr/>
         </p:nvSpPr>
         <p:spPr>
           <a:xfrm>
-            <a:off x="7315200" y="6373368"/>
-            <a:ext cx="521208" cy="484632"/>
-          </a:xfrm>
-          <a:prstGeom prst="rightArrow">
+            <a:off x="8001000" y="6373368"/>
+            <a:ext cx="533400" cy="484632"/>
+          </a:xfrm>
+          <a:prstGeom prst="leftArrow">
             <a:avLst/>
           </a:prstGeom>
         </p:spPr>
@@ -9108,18 +8903,18 @@
       </p:sp>
       <p:sp>
         <p:nvSpPr>
-          <p:cNvPr id="10" name="Left Arrow 9">
-            <a:hlinkClick r:id="" action="ppaction://hlinkshowjump?jump=previousslide"/>
+          <p:cNvPr id="10" name="Action Button: Home 9">
+            <a:hlinkClick r:id="rId5" action="ppaction://hlinksldjump" highlightClick="1"/>
           </p:cNvPr>
           <p:cNvSpPr/>
           <p:nvPr/>
         </p:nvSpPr>
         <p:spPr>
           <a:xfrm>
-            <a:off x="7848600" y="6373368"/>
-            <a:ext cx="533400" cy="484632"/>
-          </a:xfrm>
-          <a:prstGeom prst="leftArrow">
+            <a:off x="8558784" y="6272784"/>
+            <a:ext cx="585216" cy="585216"/>
+          </a:xfrm>
+          <a:prstGeom prst="actionButtonHome">
             <a:avLst/>
           </a:prstGeom>
         </p:spPr>
@@ -9244,8 +9039,8 @@
         </p:blipFill>
         <p:spPr>
           <a:xfrm>
-            <a:off x="6654153" y="0"/>
-            <a:ext cx="2489847" cy="1447800"/>
+            <a:off x="6752194" y="0"/>
+            <a:ext cx="2391806" cy="1390791"/>
           </a:xfrm>
           <a:prstGeom prst="rect">
             <a:avLst/>
@@ -9254,7 +9049,7 @@
       </p:pic>
       <p:pic>
         <p:nvPicPr>
-          <p:cNvPr id="6" name="Picture 5" descr="IMG_0745.JPG"/>
+          <p:cNvPr id="6" name="Picture 5" descr="DSC_0087.jpg"/>
           <p:cNvPicPr>
             <a:picLocks noChangeAspect="1"/>
           </p:cNvPicPr>
@@ -9284,8 +9079,8 @@
         </p:nvSpPr>
         <p:spPr>
           <a:xfrm>
-            <a:off x="228600" y="533400"/>
-            <a:ext cx="4891211" cy="584775"/>
+            <a:off x="228600" y="457200"/>
+            <a:ext cx="6803209" cy="584775"/>
           </a:xfrm>
           <a:prstGeom prst="rect">
             <a:avLst/>
@@ -9300,7 +9095,7 @@
           <a:p>
             <a:r>
               <a:rPr lang="en-IN" sz="3200" dirty="0" smtClean="0"/>
-              <a:t>Performance In Wave Malls</a:t>
+              <a:t>A Classical Evening with Svar Vandana</a:t>
             </a:r>
             <a:endParaRPr lang="en-IN" sz="3200" dirty="0"/>
           </a:p>
@@ -9316,8 +9111,8 @@
         </p:nvSpPr>
         <p:spPr>
           <a:xfrm>
-            <a:off x="7391400" y="6373368"/>
-            <a:ext cx="597408" cy="484632"/>
+            <a:off x="7315200" y="6373368"/>
+            <a:ext cx="521208" cy="484632"/>
           </a:xfrm>
           <a:prstGeom prst="rightArrow">
             <a:avLst/>
@@ -9358,7 +9153,7 @@
         </p:nvSpPr>
         <p:spPr>
           <a:xfrm>
-            <a:off x="8001000" y="6373368"/>
+            <a:off x="7924800" y="6373368"/>
             <a:ext cx="533400" cy="484632"/>
           </a:xfrm>
           <a:prstGeom prst="leftArrow">
@@ -9400,8 +9195,8 @@
         </p:nvSpPr>
         <p:spPr>
           <a:xfrm>
-            <a:off x="8558784" y="6272784"/>
-            <a:ext cx="585216" cy="585216"/>
+            <a:off x="8610600" y="6324600"/>
+            <a:ext cx="533400" cy="533400"/>
           </a:xfrm>
           <a:prstGeom prst="actionButtonHome">
             <a:avLst/>
@@ -9528,8 +9323,8 @@
         </p:blipFill>
         <p:spPr>
           <a:xfrm>
-            <a:off x="6752194" y="0"/>
-            <a:ext cx="2391806" cy="1390791"/>
+            <a:off x="6916242" y="0"/>
+            <a:ext cx="2227758" cy="1295400"/>
           </a:xfrm>
           <a:prstGeom prst="rect">
             <a:avLst/>
@@ -9538,38 +9333,40 @@
       </p:pic>
       <p:pic>
         <p:nvPicPr>
-          <p:cNvPr id="6" name="Picture 5" descr="DSC_0087.jpg"/>
+          <p:cNvPr id="1026" name="Picture 2" descr="C:\Users\Taansen1\Desktop\Sep- october\Extra sep\website pics\IMG_1556.JPG"/>
           <p:cNvPicPr>
-            <a:picLocks noChangeAspect="1"/>
+            <a:picLocks noChangeAspect="1" noChangeArrowheads="1"/>
           </p:cNvPicPr>
           <p:nvPr/>
         </p:nvPicPr>
         <p:blipFill>
           <a:blip r:embed="rId4" cstate="print"/>
+          <a:srcRect/>
           <a:stretch>
             <a:fillRect/>
           </a:stretch>
         </p:blipFill>
-        <p:spPr>
-          <a:xfrm>
-            <a:off x="0" y="1447800"/>
-            <a:ext cx="9144000" cy="5410200"/>
+        <p:spPr bwMode="auto">
+          <a:xfrm>
+            <a:off x="1" y="1295400"/>
+            <a:ext cx="9144000" cy="5562600"/>
           </a:xfrm>
           <a:prstGeom prst="rect">
             <a:avLst/>
           </a:prstGeom>
+          <a:noFill/>
         </p:spPr>
       </p:pic>
       <p:sp>
         <p:nvSpPr>
-          <p:cNvPr id="7" name="TextBox 6"/>
+          <p:cNvPr id="6" name="TextBox 5"/>
           <p:cNvSpPr txBox="1"/>
           <p:nvPr/>
         </p:nvSpPr>
         <p:spPr>
           <a:xfrm>
-            <a:off x="228600" y="457200"/>
-            <a:ext cx="6803209" cy="584775"/>
+            <a:off x="457200" y="304800"/>
+            <a:ext cx="5431552" cy="707886"/>
           </a:xfrm>
           <a:prstGeom prst="rect">
             <a:avLst/>
@@ -9583,16 +9380,16 @@
           <a:lstStyle/>
           <a:p>
             <a:r>
-              <a:rPr lang="en-IN" sz="3200" dirty="0" smtClean="0"/>
-              <a:t>A Classical Evening with Svar Vandana</a:t>
-            </a:r>
-            <a:endParaRPr lang="en-IN" sz="3200" dirty="0"/>
-          </a:p>
-        </p:txBody>
-      </p:sp>
-      <p:sp>
-        <p:nvSpPr>
-          <p:cNvPr id="8" name="Right Arrow 7">
+              <a:rPr lang="en-IN" sz="4000" dirty="0" smtClean="0"/>
+              <a:t>Art &amp; Painting Workshop</a:t>
+            </a:r>
+            <a:endParaRPr lang="en-IN" sz="4000" dirty="0"/>
+          </a:p>
+        </p:txBody>
+      </p:sp>
+      <p:sp>
+        <p:nvSpPr>
+          <p:cNvPr id="7" name="Right Arrow 6">
             <a:hlinkClick r:id="" action="ppaction://hlinkshowjump?jump=nextslide"/>
           </p:cNvPr>
           <p:cNvSpPr/>
@@ -9600,7 +9397,7 @@
         </p:nvSpPr>
         <p:spPr>
           <a:xfrm>
-            <a:off x="7315200" y="6373368"/>
+            <a:off x="7239000" y="6373368"/>
             <a:ext cx="521208" cy="484632"/>
           </a:xfrm>
           <a:prstGeom prst="rightArrow">
@@ -9634,7 +9431,7 @@
       </p:sp>
       <p:sp>
         <p:nvSpPr>
-          <p:cNvPr id="9" name="Left Arrow 8">
+          <p:cNvPr id="8" name="Left Arrow 7">
             <a:hlinkClick r:id="" action="ppaction://hlinkshowjump?jump=previousslide"/>
           </p:cNvPr>
           <p:cNvSpPr/>
@@ -9642,7 +9439,7 @@
         </p:nvSpPr>
         <p:spPr>
           <a:xfrm>
-            <a:off x="7924800" y="6373368"/>
+            <a:off x="7848600" y="6373368"/>
             <a:ext cx="533400" cy="484632"/>
           </a:xfrm>
           <a:prstGeom prst="leftArrow">
@@ -9676,7 +9473,7 @@
       </p:sp>
       <p:sp>
         <p:nvSpPr>
-          <p:cNvPr id="10" name="Action Button: Home 9">
+          <p:cNvPr id="9" name="Action Button: Home 8">
             <a:hlinkClick r:id="rId5" action="ppaction://hlinksldjump" highlightClick="1"/>
           </p:cNvPr>
           <p:cNvSpPr/>
@@ -9684,8 +9481,8 @@
         </p:nvSpPr>
         <p:spPr>
           <a:xfrm>
-            <a:off x="8610600" y="6324600"/>
-            <a:ext cx="533400" cy="533400"/>
+            <a:off x="8534400" y="6324600"/>
+            <a:ext cx="609600" cy="533400"/>
           </a:xfrm>
           <a:prstGeom prst="actionButtonHome">
             <a:avLst/>
@@ -9812,8 +9609,8 @@
         </p:blipFill>
         <p:spPr>
           <a:xfrm>
-            <a:off x="6916242" y="0"/>
-            <a:ext cx="2227758" cy="1295400"/>
+            <a:off x="7209394" y="228600"/>
+            <a:ext cx="1934606" cy="1124938"/>
           </a:xfrm>
           <a:prstGeom prst="rect">
             <a:avLst/>
@@ -9822,40 +9619,38 @@
       </p:pic>
       <p:pic>
         <p:nvPicPr>
-          <p:cNvPr id="1026" name="Picture 2" descr="C:\Users\Taansen1\Desktop\Sep- october\Extra sep\website pics\IMG_1556.JPG"/>
+          <p:cNvPr id="6" name="Picture 5" descr="IMG_0079.JPG"/>
           <p:cNvPicPr>
-            <a:picLocks noChangeAspect="1" noChangeArrowheads="1"/>
+            <a:picLocks noChangeAspect="1"/>
           </p:cNvPicPr>
           <p:nvPr/>
         </p:nvPicPr>
         <p:blipFill>
           <a:blip r:embed="rId4" cstate="print"/>
-          <a:srcRect/>
           <a:stretch>
             <a:fillRect/>
           </a:stretch>
         </p:blipFill>
-        <p:spPr bwMode="auto">
-          <a:xfrm>
-            <a:off x="1" y="1295400"/>
-            <a:ext cx="9144000" cy="5562600"/>
+        <p:spPr>
+          <a:xfrm>
+            <a:off x="0" y="1447800"/>
+            <a:ext cx="9144000" cy="5410200"/>
           </a:xfrm>
           <a:prstGeom prst="rect">
             <a:avLst/>
           </a:prstGeom>
-          <a:noFill/>
         </p:spPr>
       </p:pic>
       <p:sp>
         <p:nvSpPr>
-          <p:cNvPr id="6" name="TextBox 5"/>
+          <p:cNvPr id="7" name="TextBox 6"/>
           <p:cNvSpPr txBox="1"/>
           <p:nvPr/>
         </p:nvSpPr>
         <p:spPr>
           <a:xfrm>
-            <a:off x="457200" y="304800"/>
-            <a:ext cx="5431552" cy="707886"/>
+            <a:off x="304800" y="381000"/>
+            <a:ext cx="4230004" cy="584775"/>
           </a:xfrm>
           <a:prstGeom prst="rect">
             <a:avLst/>
@@ -9869,16 +9664,16 @@
           <a:lstStyle/>
           <a:p>
             <a:r>
-              <a:rPr lang="en-IN" sz="4000" dirty="0" smtClean="0"/>
-              <a:t>Art &amp; Painting Workshop</a:t>
-            </a:r>
-            <a:endParaRPr lang="en-IN" sz="4000" dirty="0"/>
-          </a:p>
-        </p:txBody>
-      </p:sp>
-      <p:sp>
-        <p:nvSpPr>
-          <p:cNvPr id="7" name="Right Arrow 6">
+              <a:rPr lang="en-IN" sz="3200" dirty="0" smtClean="0"/>
+              <a:t>Svar Vandana Academy</a:t>
+            </a:r>
+            <a:endParaRPr lang="en-IN" sz="3200" dirty="0"/>
+          </a:p>
+        </p:txBody>
+      </p:sp>
+      <p:sp>
+        <p:nvSpPr>
+          <p:cNvPr id="8" name="Right Arrow 7">
             <a:hlinkClick r:id="" action="ppaction://hlinkshowjump?jump=nextslide"/>
           </p:cNvPr>
           <p:cNvSpPr/>
@@ -9920,7 +9715,7 @@
       </p:sp>
       <p:sp>
         <p:nvSpPr>
-          <p:cNvPr id="8" name="Left Arrow 7">
+          <p:cNvPr id="9" name="Left Arrow 8">
             <a:hlinkClick r:id="" action="ppaction://hlinkshowjump?jump=previousslide"/>
           </p:cNvPr>
           <p:cNvSpPr/>
@@ -9928,7 +9723,7 @@
         </p:nvSpPr>
         <p:spPr>
           <a:xfrm>
-            <a:off x="7848600" y="6373368"/>
+            <a:off x="7772400" y="6373368"/>
             <a:ext cx="533400" cy="484632"/>
           </a:xfrm>
           <a:prstGeom prst="leftArrow">
@@ -9962,7 +9757,7 @@
       </p:sp>
       <p:sp>
         <p:nvSpPr>
-          <p:cNvPr id="9" name="Action Button: Home 8">
+          <p:cNvPr id="10" name="Action Button: Home 9">
             <a:hlinkClick r:id="rId5" action="ppaction://hlinksldjump" highlightClick="1"/>
           </p:cNvPr>
           <p:cNvSpPr/>
@@ -9970,8 +9765,8 @@
         </p:nvSpPr>
         <p:spPr>
           <a:xfrm>
-            <a:off x="8534400" y="6324600"/>
-            <a:ext cx="609600" cy="533400"/>
+            <a:off x="8458200" y="6272784"/>
+            <a:ext cx="685800" cy="585216"/>
           </a:xfrm>
           <a:prstGeom prst="actionButtonHome">
             <a:avLst/>
@@ -10098,8 +9893,8 @@
         </p:blipFill>
         <p:spPr>
           <a:xfrm>
-            <a:off x="7209394" y="228600"/>
-            <a:ext cx="1934606" cy="1124938"/>
+            <a:off x="6904594" y="0"/>
+            <a:ext cx="2239406" cy="1302173"/>
           </a:xfrm>
           <a:prstGeom prst="rect">
             <a:avLst/>
@@ -10108,38 +9903,40 @@
       </p:pic>
       <p:pic>
         <p:nvPicPr>
-          <p:cNvPr id="6" name="Picture 5" descr="IMG_0079.JPG"/>
+          <p:cNvPr id="2050" name="Picture 2" descr="C:\Users\Taansen1\Desktop\Sep- october\altAm6g2YJsxsgQS3u2x4b6Ry5b4ju_pZZr7WYBXh_6Ep5w.jpg"/>
           <p:cNvPicPr>
-            <a:picLocks noChangeAspect="1"/>
+            <a:picLocks noChangeAspect="1" noChangeArrowheads="1"/>
           </p:cNvPicPr>
           <p:nvPr/>
         </p:nvPicPr>
         <p:blipFill>
           <a:blip r:embed="rId4" cstate="print"/>
+          <a:srcRect/>
           <a:stretch>
             <a:fillRect/>
           </a:stretch>
         </p:blipFill>
-        <p:spPr>
-          <a:xfrm>
-            <a:off x="0" y="1447800"/>
-            <a:ext cx="9144000" cy="5410200"/>
+        <p:spPr bwMode="auto">
+          <a:xfrm>
+            <a:off x="0" y="1371600"/>
+            <a:ext cx="9144000" cy="5486400"/>
           </a:xfrm>
           <a:prstGeom prst="rect">
             <a:avLst/>
           </a:prstGeom>
+          <a:noFill/>
         </p:spPr>
       </p:pic>
       <p:sp>
         <p:nvSpPr>
-          <p:cNvPr id="7" name="TextBox 6"/>
+          <p:cNvPr id="6" name="TextBox 5"/>
           <p:cNvSpPr txBox="1"/>
           <p:nvPr/>
         </p:nvSpPr>
         <p:spPr>
           <a:xfrm>
-            <a:off x="304800" y="381000"/>
-            <a:ext cx="4230004" cy="584775"/>
+            <a:off x="381000" y="533400"/>
+            <a:ext cx="5687134" cy="584775"/>
           </a:xfrm>
           <a:prstGeom prst="rect">
             <a:avLst/>
@@ -10154,7 +9951,7 @@
           <a:p>
             <a:r>
               <a:rPr lang="en-IN" sz="3200" dirty="0" smtClean="0"/>
-              <a:t>Svar Vandana Academy</a:t>
+              <a:t>Junior Rock Band Svar Vandana</a:t>
             </a:r>
             <a:endParaRPr lang="en-IN" sz="3200" dirty="0"/>
           </a:p>
@@ -10162,7 +9959,7 @@
       </p:sp>
       <p:sp>
         <p:nvSpPr>
-          <p:cNvPr id="8" name="Right Arrow 7">
+          <p:cNvPr id="7" name="Right Arrow 6">
             <a:hlinkClick r:id="" action="ppaction://hlinkshowjump?jump=nextslide"/>
           </p:cNvPr>
           <p:cNvSpPr/>
@@ -10204,7 +10001,7 @@
       </p:sp>
       <p:sp>
         <p:nvSpPr>
-          <p:cNvPr id="9" name="Left Arrow 8">
+          <p:cNvPr id="8" name="Left Arrow 7">
             <a:hlinkClick r:id="" action="ppaction://hlinkshowjump?jump=previousslide"/>
           </p:cNvPr>
           <p:cNvSpPr/>
@@ -10246,7 +10043,7 @@
       </p:sp>
       <p:sp>
         <p:nvSpPr>
-          <p:cNvPr id="10" name="Action Button: Home 9">
+          <p:cNvPr id="9" name="Action Button: Home 8">
             <a:hlinkClick r:id="rId5" action="ppaction://hlinksldjump" highlightClick="1"/>
           </p:cNvPr>
           <p:cNvSpPr/>
@@ -10254,8 +10051,8 @@
         </p:nvSpPr>
         <p:spPr>
           <a:xfrm>
-            <a:off x="8458200" y="6272784"/>
-            <a:ext cx="685800" cy="585216"/>
+            <a:off x="8458200" y="6248400"/>
+            <a:ext cx="685800" cy="609600"/>
           </a:xfrm>
           <a:prstGeom prst="actionButtonHome">
             <a:avLst/>
@@ -10637,292 +10434,6 @@
           <a:chExt cx="0" cy="0"/>
         </a:xfrm>
       </p:grpSpPr>
-      <p:pic>
-        <p:nvPicPr>
-          <p:cNvPr id="4" name="Picture 3" descr="logo.png"/>
-          <p:cNvPicPr>
-            <a:picLocks noChangeAspect="1"/>
-          </p:cNvPicPr>
-          <p:nvPr/>
-        </p:nvPicPr>
-        <p:blipFill>
-          <a:blip r:embed="rId2" cstate="print"/>
-          <a:stretch>
-            <a:fillRect/>
-          </a:stretch>
-        </p:blipFill>
-        <p:spPr>
-          <a:xfrm>
-            <a:off x="2057400" y="1600200"/>
-            <a:ext cx="5241784" cy="3048000"/>
-          </a:xfrm>
-          <a:prstGeom prst="rect">
-            <a:avLst/>
-          </a:prstGeom>
-        </p:spPr>
-      </p:pic>
-      <p:pic>
-        <p:nvPicPr>
-          <p:cNvPr id="3" name="Picture 2" descr="bg_img1.jpg"/>
-          <p:cNvPicPr>
-            <a:picLocks noChangeAspect="1"/>
-          </p:cNvPicPr>
-          <p:nvPr/>
-        </p:nvPicPr>
-        <p:blipFill>
-          <a:blip r:embed="rId3" cstate="print"/>
-          <a:stretch>
-            <a:fillRect/>
-          </a:stretch>
-        </p:blipFill>
-        <p:spPr>
-          <a:xfrm>
-            <a:off x="0" y="0"/>
-            <a:ext cx="9144000" cy="6858000"/>
-          </a:xfrm>
-          <a:prstGeom prst="rect">
-            <a:avLst/>
-          </a:prstGeom>
-        </p:spPr>
-      </p:pic>
-      <p:pic>
-        <p:nvPicPr>
-          <p:cNvPr id="5" name="Picture 4" descr="logo.png"/>
-          <p:cNvPicPr>
-            <a:picLocks noChangeAspect="1"/>
-          </p:cNvPicPr>
-          <p:nvPr/>
-        </p:nvPicPr>
-        <p:blipFill>
-          <a:blip r:embed="rId2" cstate="print"/>
-          <a:stretch>
-            <a:fillRect/>
-          </a:stretch>
-        </p:blipFill>
-        <p:spPr>
-          <a:xfrm>
-            <a:off x="6904594" y="0"/>
-            <a:ext cx="2239406" cy="1302173"/>
-          </a:xfrm>
-          <a:prstGeom prst="rect">
-            <a:avLst/>
-          </a:prstGeom>
-        </p:spPr>
-      </p:pic>
-      <p:pic>
-        <p:nvPicPr>
-          <p:cNvPr id="2050" name="Picture 2" descr="C:\Users\Taansen1\Desktop\Sep- october\altAm6g2YJsxsgQS3u2x4b6Ry5b4ju_pZZr7WYBXh_6Ep5w.jpg"/>
-          <p:cNvPicPr>
-            <a:picLocks noChangeAspect="1" noChangeArrowheads="1"/>
-          </p:cNvPicPr>
-          <p:nvPr/>
-        </p:nvPicPr>
-        <p:blipFill>
-          <a:blip r:embed="rId4" cstate="print"/>
-          <a:srcRect/>
-          <a:stretch>
-            <a:fillRect/>
-          </a:stretch>
-        </p:blipFill>
-        <p:spPr bwMode="auto">
-          <a:xfrm>
-            <a:off x="0" y="1371600"/>
-            <a:ext cx="9144000" cy="5486400"/>
-          </a:xfrm>
-          <a:prstGeom prst="rect">
-            <a:avLst/>
-          </a:prstGeom>
-          <a:noFill/>
-        </p:spPr>
-      </p:pic>
-      <p:sp>
-        <p:nvSpPr>
-          <p:cNvPr id="6" name="TextBox 5"/>
-          <p:cNvSpPr txBox="1"/>
-          <p:nvPr/>
-        </p:nvSpPr>
-        <p:spPr>
-          <a:xfrm>
-            <a:off x="381000" y="533400"/>
-            <a:ext cx="5687134" cy="584775"/>
-          </a:xfrm>
-          <a:prstGeom prst="rect">
-            <a:avLst/>
-          </a:prstGeom>
-          <a:noFill/>
-        </p:spPr>
-        <p:txBody>
-          <a:bodyPr wrap="none" rtlCol="0">
-            <a:spAutoFit/>
-          </a:bodyPr>
-          <a:lstStyle/>
-          <a:p>
-            <a:r>
-              <a:rPr lang="en-IN" sz="3200" dirty="0" smtClean="0"/>
-              <a:t>Junior Rock Band Svar Vandana</a:t>
-            </a:r>
-            <a:endParaRPr lang="en-IN" sz="3200" dirty="0"/>
-          </a:p>
-        </p:txBody>
-      </p:sp>
-      <p:sp>
-        <p:nvSpPr>
-          <p:cNvPr id="7" name="Right Arrow 6">
-            <a:hlinkClick r:id="" action="ppaction://hlinkshowjump?jump=nextslide"/>
-          </p:cNvPr>
-          <p:cNvSpPr/>
-          <p:nvPr/>
-        </p:nvSpPr>
-        <p:spPr>
-          <a:xfrm>
-            <a:off x="7239000" y="6373368"/>
-            <a:ext cx="521208" cy="484632"/>
-          </a:xfrm>
-          <a:prstGeom prst="rightArrow">
-            <a:avLst/>
-          </a:prstGeom>
-        </p:spPr>
-        <p:style>
-          <a:lnRef idx="2">
-            <a:schemeClr val="accent1">
-              <a:shade val="50000"/>
-            </a:schemeClr>
-          </a:lnRef>
-          <a:fillRef idx="1">
-            <a:schemeClr val="accent1"/>
-          </a:fillRef>
-          <a:effectRef idx="0">
-            <a:schemeClr val="accent1"/>
-          </a:effectRef>
-          <a:fontRef idx="minor">
-            <a:schemeClr val="lt1"/>
-          </a:fontRef>
-        </p:style>
-        <p:txBody>
-          <a:bodyPr rtlCol="0" anchor="ctr"/>
-          <a:lstStyle/>
-          <a:p>
-            <a:pPr algn="ctr"/>
-            <a:endParaRPr lang="en-IN"/>
-          </a:p>
-        </p:txBody>
-      </p:sp>
-      <p:sp>
-        <p:nvSpPr>
-          <p:cNvPr id="8" name="Left Arrow 7">
-            <a:hlinkClick r:id="" action="ppaction://hlinkshowjump?jump=previousslide"/>
-          </p:cNvPr>
-          <p:cNvSpPr/>
-          <p:nvPr/>
-        </p:nvSpPr>
-        <p:spPr>
-          <a:xfrm>
-            <a:off x="7772400" y="6373368"/>
-            <a:ext cx="533400" cy="484632"/>
-          </a:xfrm>
-          <a:prstGeom prst="leftArrow">
-            <a:avLst/>
-          </a:prstGeom>
-        </p:spPr>
-        <p:style>
-          <a:lnRef idx="2">
-            <a:schemeClr val="accent1">
-              <a:shade val="50000"/>
-            </a:schemeClr>
-          </a:lnRef>
-          <a:fillRef idx="1">
-            <a:schemeClr val="accent1"/>
-          </a:fillRef>
-          <a:effectRef idx="0">
-            <a:schemeClr val="accent1"/>
-          </a:effectRef>
-          <a:fontRef idx="minor">
-            <a:schemeClr val="lt1"/>
-          </a:fontRef>
-        </p:style>
-        <p:txBody>
-          <a:bodyPr rtlCol="0" anchor="ctr"/>
-          <a:lstStyle/>
-          <a:p>
-            <a:pPr algn="ctr"/>
-            <a:endParaRPr lang="en-IN"/>
-          </a:p>
-        </p:txBody>
-      </p:sp>
-      <p:sp>
-        <p:nvSpPr>
-          <p:cNvPr id="9" name="Action Button: Home 8">
-            <a:hlinkClick r:id="rId5" action="ppaction://hlinksldjump" highlightClick="1"/>
-          </p:cNvPr>
-          <p:cNvSpPr/>
-          <p:nvPr/>
-        </p:nvSpPr>
-        <p:spPr>
-          <a:xfrm>
-            <a:off x="8458200" y="6248400"/>
-            <a:ext cx="685800" cy="609600"/>
-          </a:xfrm>
-          <a:prstGeom prst="actionButtonHome">
-            <a:avLst/>
-          </a:prstGeom>
-        </p:spPr>
-        <p:style>
-          <a:lnRef idx="2">
-            <a:schemeClr val="accent1">
-              <a:shade val="50000"/>
-            </a:schemeClr>
-          </a:lnRef>
-          <a:fillRef idx="1">
-            <a:schemeClr val="accent1"/>
-          </a:fillRef>
-          <a:effectRef idx="0">
-            <a:schemeClr val="accent1"/>
-          </a:effectRef>
-          <a:fontRef idx="minor">
-            <a:schemeClr val="lt1"/>
-          </a:fontRef>
-        </p:style>
-        <p:txBody>
-          <a:bodyPr rtlCol="0" anchor="ctr"/>
-          <a:lstStyle/>
-          <a:p>
-            <a:pPr algn="ctr"/>
-            <a:endParaRPr lang="en-IN"/>
-          </a:p>
-        </p:txBody>
-      </p:sp>
-    </p:spTree>
-  </p:cSld>
-  <p:clrMapOvr>
-    <a:masterClrMapping/>
-  </p:clrMapOvr>
-  <p:timing>
-    <p:tnLst>
-      <p:par>
-        <p:cTn id="1" dur="indefinite" restart="never" nodeType="tmRoot"/>
-      </p:par>
-    </p:tnLst>
-  </p:timing>
-</p:sld>
-</file>
-
-<file path=ppt/slides/slide21.xml><?xml version="1.0" encoding="utf-8"?>
-<p:sld xmlns:a="http://schemas.openxmlformats.org/drawingml/2006/main" xmlns:r="http://schemas.openxmlformats.org/officeDocument/2006/relationships" xmlns:p="http://schemas.openxmlformats.org/presentationml/2006/main">
-  <p:cSld>
-    <p:spTree>
-      <p:nvGrpSpPr>
-        <p:cNvPr id="1" name=""/>
-        <p:cNvGrpSpPr/>
-        <p:nvPr/>
-      </p:nvGrpSpPr>
-      <p:grpSpPr>
-        <a:xfrm>
-          <a:off x="0" y="0"/>
-          <a:ext cx="0" cy="0"/>
-          <a:chOff x="0" y="0"/>
-          <a:chExt cx="0" cy="0"/>
-        </a:xfrm>
-      </p:grpSpPr>
       <p:sp>
         <p:nvSpPr>
           <p:cNvPr id="2" name="Title 1"/>
@@ -11137,132 +10648,6 @@
       </p:sp>
       <p:sp>
         <p:nvSpPr>
-          <p:cNvPr id="12" name="Right Arrow 11">
-            <a:hlinkClick r:id="" action="ppaction://hlinkshowjump?jump=nextslide"/>
-          </p:cNvPr>
-          <p:cNvSpPr/>
-          <p:nvPr/>
-        </p:nvSpPr>
-        <p:spPr>
-          <a:xfrm>
-            <a:off x="7086600" y="6373368"/>
-            <a:ext cx="521208" cy="484632"/>
-          </a:xfrm>
-          <a:prstGeom prst="rightArrow">
-            <a:avLst/>
-          </a:prstGeom>
-        </p:spPr>
-        <p:style>
-          <a:lnRef idx="2">
-            <a:schemeClr val="accent1">
-              <a:shade val="50000"/>
-            </a:schemeClr>
-          </a:lnRef>
-          <a:fillRef idx="1">
-            <a:schemeClr val="accent1"/>
-          </a:fillRef>
-          <a:effectRef idx="0">
-            <a:schemeClr val="accent1"/>
-          </a:effectRef>
-          <a:fontRef idx="minor">
-            <a:schemeClr val="lt1"/>
-          </a:fontRef>
-        </p:style>
-        <p:txBody>
-          <a:bodyPr rtlCol="0" anchor="ctr"/>
-          <a:lstStyle/>
-          <a:p>
-            <a:pPr algn="ctr"/>
-            <a:endParaRPr lang="en-IN"/>
-          </a:p>
-        </p:txBody>
-      </p:sp>
-      <p:sp>
-        <p:nvSpPr>
-          <p:cNvPr id="14" name="Left Arrow 13">
-            <a:hlinkClick r:id="" action="ppaction://hlinkshowjump?jump=previousslide"/>
-          </p:cNvPr>
-          <p:cNvSpPr/>
-          <p:nvPr/>
-        </p:nvSpPr>
-        <p:spPr>
-          <a:xfrm>
-            <a:off x="7696200" y="6373368"/>
-            <a:ext cx="533400" cy="484632"/>
-          </a:xfrm>
-          <a:prstGeom prst="leftArrow">
-            <a:avLst/>
-          </a:prstGeom>
-        </p:spPr>
-        <p:style>
-          <a:lnRef idx="2">
-            <a:schemeClr val="accent1">
-              <a:shade val="50000"/>
-            </a:schemeClr>
-          </a:lnRef>
-          <a:fillRef idx="1">
-            <a:schemeClr val="accent1"/>
-          </a:fillRef>
-          <a:effectRef idx="0">
-            <a:schemeClr val="accent1"/>
-          </a:effectRef>
-          <a:fontRef idx="minor">
-            <a:schemeClr val="lt1"/>
-          </a:fontRef>
-        </p:style>
-        <p:txBody>
-          <a:bodyPr rtlCol="0" anchor="ctr"/>
-          <a:lstStyle/>
-          <a:p>
-            <a:pPr algn="ctr"/>
-            <a:endParaRPr lang="en-IN"/>
-          </a:p>
-        </p:txBody>
-      </p:sp>
-      <p:sp>
-        <p:nvSpPr>
-          <p:cNvPr id="15" name="Action Button: Home 14">
-            <a:hlinkClick r:id="rId4" action="ppaction://hlinksldjump" highlightClick="1"/>
-          </p:cNvPr>
-          <p:cNvSpPr/>
-          <p:nvPr/>
-        </p:nvSpPr>
-        <p:spPr>
-          <a:xfrm>
-            <a:off x="8458200" y="6348984"/>
-            <a:ext cx="509016" cy="509016"/>
-          </a:xfrm>
-          <a:prstGeom prst="actionButtonHome">
-            <a:avLst/>
-          </a:prstGeom>
-        </p:spPr>
-        <p:style>
-          <a:lnRef idx="2">
-            <a:schemeClr val="accent1">
-              <a:shade val="50000"/>
-            </a:schemeClr>
-          </a:lnRef>
-          <a:fillRef idx="1">
-            <a:schemeClr val="accent1"/>
-          </a:fillRef>
-          <a:effectRef idx="0">
-            <a:schemeClr val="accent1"/>
-          </a:effectRef>
-          <a:fontRef idx="minor">
-            <a:schemeClr val="lt1"/>
-          </a:fontRef>
-        </p:style>
-        <p:txBody>
-          <a:bodyPr rtlCol="0" anchor="ctr"/>
-          <a:lstStyle/>
-          <a:p>
-            <a:pPr algn="ctr"/>
-            <a:endParaRPr lang="en-IN"/>
-          </a:p>
-        </p:txBody>
-      </p:sp>
-      <p:sp>
-        <p:nvSpPr>
           <p:cNvPr id="13" name="TextBox 12"/>
           <p:cNvSpPr txBox="1"/>
           <p:nvPr/>
@@ -11315,7 +10700,7 @@
           <a:p>
             <a:r>
               <a:rPr lang="en-IN" sz="2000" dirty="0" smtClean="0">
-                <a:hlinkClick r:id="rId5"/>
+                <a:hlinkClick r:id="rId4"/>
               </a:rPr>
               <a:t>sanjay@swarvandana.com</a:t>
             </a:r>
@@ -11387,7 +10772,7 @@
 </p:sld>
 </file>
 
-<file path=ppt/slides/slide22.xml><?xml version="1.0" encoding="utf-8"?>
+<file path=ppt/slides/slide21.xml><?xml version="1.0" encoding="utf-8"?>
 <p:sld xmlns:a="http://schemas.openxmlformats.org/drawingml/2006/main" xmlns:r="http://schemas.openxmlformats.org/officeDocument/2006/relationships" xmlns:p="http://schemas.openxmlformats.org/presentationml/2006/main">
   <p:cSld>
     <p:spTree>
@@ -12448,54 +11833,6 @@
           </a:sp3d>
         </p:spPr>
       </p:pic>
-      <p:pic>
-        <p:nvPicPr>
-          <p:cNvPr id="12" name="Picture 11" descr="pic.jpg"/>
-          <p:cNvPicPr>
-            <a:picLocks noChangeAspect="1"/>
-          </p:cNvPicPr>
-          <p:nvPr/>
-        </p:nvPicPr>
-        <p:blipFill>
-          <a:blip r:embed="rId7" cstate="print"/>
-          <a:stretch>
-            <a:fillRect/>
-          </a:stretch>
-        </p:blipFill>
-        <p:spPr>
-          <a:xfrm>
-            <a:off x="6172200" y="4267200"/>
-            <a:ext cx="2298700" cy="1638300"/>
-          </a:xfrm>
-          <a:prstGeom prst="ellipse">
-            <a:avLst/>
-          </a:prstGeom>
-          <a:ln w="63500" cap="rnd">
-            <a:solidFill>
-              <a:srgbClr val="333333"/>
-            </a:solidFill>
-          </a:ln>
-          <a:effectLst>
-            <a:outerShdw blurRad="381000" dist="292100" dir="5400000" sx="-80000" sy="-18000" rotWithShape="0">
-              <a:srgbClr val="000000">
-                <a:alpha val="22000"/>
-              </a:srgbClr>
-            </a:outerShdw>
-          </a:effectLst>
-          <a:scene3d>
-            <a:camera prst="orthographicFront"/>
-            <a:lightRig rig="contrasting" dir="t">
-              <a:rot lat="0" lon="0" rev="3000000"/>
-            </a:lightRig>
-          </a:scene3d>
-          <a:sp3d contourW="7620">
-            <a:bevelT w="95250" h="31750"/>
-            <a:contourClr>
-              <a:srgbClr val="333333"/>
-            </a:contourClr>
-          </a:sp3d>
-        </p:spPr>
-      </p:pic>
       <p:cxnSp>
         <p:nvCxnSpPr>
           <p:cNvPr id="13" name="Straight Arrow Connector 12"/>
@@ -12604,14 +11941,13 @@
           <p:cNvPr id="23" name="Straight Arrow Connector 22"/>
           <p:cNvCxnSpPr>
             <a:stCxn id="6" idx="5"/>
-            <a:endCxn id="12" idx="1"/>
           </p:cNvCxnSpPr>
           <p:nvPr/>
         </p:nvCxnSpPr>
         <p:spPr>
           <a:xfrm>
             <a:off x="5369064" y="4400783"/>
-            <a:ext cx="1139773" cy="106340"/>
+            <a:ext cx="1641336" cy="704617"/>
           </a:xfrm>
           <a:prstGeom prst="straightConnector1">
             <a:avLst/>
@@ -12645,8 +11981,8 @@
         </p:nvCxnSpPr>
         <p:spPr>
           <a:xfrm flipH="1">
-            <a:off x="2743200" y="4400783"/>
-            <a:ext cx="955536" cy="133117"/>
+            <a:off x="2209800" y="4400783"/>
+            <a:ext cx="1488936" cy="1161817"/>
           </a:xfrm>
           <a:prstGeom prst="straightConnector1">
             <a:avLst/>
@@ -12711,8 +12047,8 @@
         </p:nvSpPr>
         <p:spPr>
           <a:xfrm>
-            <a:off x="1143000" y="4191000"/>
-            <a:ext cx="2132856" cy="1447800"/>
+            <a:off x="304800" y="3124200"/>
+            <a:ext cx="1905000" cy="1447800"/>
           </a:xfrm>
           <a:prstGeom prst="ellipse">
             <a:avLst/>
@@ -12745,18 +12081,7 @@
                   <a:schemeClr val="tx1"/>
                 </a:solidFill>
               </a:rPr>
-              <a:t>Delhi- NCR</a:t>
-            </a:r>
-          </a:p>
-          <a:p>
-            <a:pPr algn="ctr"/>
-            <a:r>
-              <a:rPr lang="en-US" sz="2000" b="1" i="1" dirty="0" smtClean="0">
-                <a:solidFill>
-                  <a:schemeClr val="tx1"/>
-                </a:solidFill>
-              </a:rPr>
-              <a:t> Franchisee</a:t>
+              <a:t>Schools</a:t>
             </a:r>
             <a:endParaRPr lang="en-US" sz="2000" b="1" i="1" dirty="0">
               <a:solidFill>
@@ -12829,6 +12154,169 @@
           </a:p>
         </p:txBody>
       </p:sp>
+      <p:sp>
+        <p:nvSpPr>
+          <p:cNvPr id="18" name="Oval 17"/>
+          <p:cNvSpPr/>
+          <p:nvPr/>
+        </p:nvSpPr>
+        <p:spPr>
+          <a:xfrm>
+            <a:off x="6858000" y="4876800"/>
+            <a:ext cx="2057400" cy="1524000"/>
+          </a:xfrm>
+          <a:prstGeom prst="ellipse">
+            <a:avLst/>
+          </a:prstGeom>
+        </p:spPr>
+        <p:style>
+          <a:lnRef idx="2">
+            <a:schemeClr val="accent1">
+              <a:shade val="50000"/>
+            </a:schemeClr>
+          </a:lnRef>
+          <a:fillRef idx="1">
+            <a:schemeClr val="accent1"/>
+          </a:fillRef>
+          <a:effectRef idx="0">
+            <a:schemeClr val="accent1"/>
+          </a:effectRef>
+          <a:fontRef idx="minor">
+            <a:schemeClr val="lt1"/>
+          </a:fontRef>
+        </p:style>
+        <p:txBody>
+          <a:bodyPr rtlCol="0" anchor="ctr"/>
+          <a:lstStyle/>
+          <a:p>
+            <a:pPr algn="ctr"/>
+            <a:r>
+              <a:rPr lang="en-IN" b="1" i="1" dirty="0" err="1" smtClean="0">
+                <a:solidFill>
+                  <a:schemeClr val="tx1"/>
+                </a:solidFill>
+              </a:rPr>
+              <a:t>Corporates</a:t>
+            </a:r>
+            <a:r>
+              <a:rPr lang="en-IN" b="1" i="1" dirty="0" smtClean="0">
+                <a:solidFill>
+                  <a:schemeClr val="tx1"/>
+                </a:solidFill>
+              </a:rPr>
+              <a:t>- Employee </a:t>
+            </a:r>
+            <a:r>
+              <a:rPr lang="en-IN" b="1" i="1" dirty="0" err="1" smtClean="0">
+                <a:solidFill>
+                  <a:schemeClr val="tx1"/>
+                </a:solidFill>
+              </a:rPr>
+              <a:t>Engagement&amp;Retention</a:t>
+            </a:r>
+            <a:r>
+              <a:rPr lang="en-IN" b="1" i="1" dirty="0" smtClean="0">
+                <a:solidFill>
+                  <a:schemeClr val="tx1"/>
+                </a:solidFill>
+              </a:rPr>
+              <a:t> Programs</a:t>
+            </a:r>
+            <a:endParaRPr lang="en-IN" b="1" i="1" dirty="0">
+              <a:solidFill>
+                <a:schemeClr val="tx1"/>
+              </a:solidFill>
+            </a:endParaRPr>
+          </a:p>
+        </p:txBody>
+      </p:sp>
+      <p:sp>
+        <p:nvSpPr>
+          <p:cNvPr id="21" name="Oval 20"/>
+          <p:cNvSpPr/>
+          <p:nvPr/>
+        </p:nvSpPr>
+        <p:spPr>
+          <a:xfrm>
+            <a:off x="381000" y="5105400"/>
+            <a:ext cx="1905000" cy="1447800"/>
+          </a:xfrm>
+          <a:prstGeom prst="ellipse">
+            <a:avLst/>
+          </a:prstGeom>
+        </p:spPr>
+        <p:style>
+          <a:lnRef idx="2">
+            <a:schemeClr val="accent1">
+              <a:shade val="50000"/>
+            </a:schemeClr>
+          </a:lnRef>
+          <a:fillRef idx="1">
+            <a:schemeClr val="accent1"/>
+          </a:fillRef>
+          <a:effectRef idx="0">
+            <a:schemeClr val="accent1"/>
+          </a:effectRef>
+          <a:fontRef idx="minor">
+            <a:schemeClr val="lt1"/>
+          </a:fontRef>
+        </p:style>
+        <p:txBody>
+          <a:bodyPr rtlCol="0" anchor="ctr"/>
+          <a:lstStyle/>
+          <a:p>
+            <a:pPr algn="ctr"/>
+            <a:r>
+              <a:rPr lang="en-IN" b="1" i="1" dirty="0" smtClean="0">
+                <a:solidFill>
+                  <a:schemeClr val="tx1"/>
+                </a:solidFill>
+              </a:rPr>
+              <a:t>Hospitals-Music Therapy</a:t>
+            </a:r>
+            <a:endParaRPr lang="en-IN" b="1" i="1" dirty="0">
+              <a:solidFill>
+                <a:schemeClr val="tx1"/>
+              </a:solidFill>
+            </a:endParaRPr>
+          </a:p>
+        </p:txBody>
+      </p:sp>
+      <p:cxnSp>
+        <p:nvCxnSpPr>
+          <p:cNvPr id="27" name="Straight Arrow Connector 26"/>
+          <p:cNvCxnSpPr>
+            <a:endCxn id="22" idx="6"/>
+          </p:cNvCxnSpPr>
+          <p:nvPr/>
+        </p:nvCxnSpPr>
+        <p:spPr>
+          <a:xfrm flipH="1">
+            <a:off x="2209800" y="3810000"/>
+            <a:ext cx="1066800" cy="38100"/>
+          </a:xfrm>
+          <a:prstGeom prst="straightConnector1">
+            <a:avLst/>
+          </a:prstGeom>
+          <a:ln>
+            <a:tailEnd type="arrow"/>
+          </a:ln>
+        </p:spPr>
+        <p:style>
+          <a:lnRef idx="1">
+            <a:schemeClr val="accent1"/>
+          </a:lnRef>
+          <a:fillRef idx="0">
+            <a:schemeClr val="accent1"/>
+          </a:fillRef>
+          <a:effectRef idx="0">
+            <a:schemeClr val="accent1"/>
+          </a:effectRef>
+          <a:fontRef idx="minor">
+            <a:schemeClr val="tx1"/>
+          </a:fontRef>
+        </p:style>
+      </p:cxnSp>
     </p:spTree>
   </p:cSld>
   <p:clrMapOvr>
@@ -13224,7 +12712,7 @@
             </a:r>
             <a:r>
               <a:rPr lang="en-US" sz="2400" dirty="0" smtClean="0"/>
-              <a:t>-se’ call to set forth on a path less trodden and took sabbatical from the corporate world in Aug 2013 to open a Music Academy in Noida. Svar Vandana already has 3 Music Academies – 2 in Noida and one in Gurgaon. He plans to open many such state-of-the-art Academies by 2020. He is the Chairman of Svar Vandana and the driving force of this journey.</a:t>
+              <a:t>-se’ call to set forth on a path less trodden and took sabbatical from the corporate world in Aug 2013 to open a Music Academy in Noida. Svar Vandana already has 4 Music Academies – 3 in Noida and one in Gurgaon. He plans to open many such state-of-the-art Academies by 2020. He is the Chairman of Svar Vandana and the driving force of this journey.</a:t>
             </a:r>
             <a:endParaRPr lang="en-US" sz="2400" dirty="0"/>
           </a:p>
@@ -13517,36 +13005,9 @@
           <a:chExt cx="0" cy="0"/>
         </a:xfrm>
       </p:grpSpPr>
-      <p:sp>
-        <p:nvSpPr>
-          <p:cNvPr id="3" name="Content Placeholder 2"/>
-          <p:cNvSpPr>
-            <a:spLocks noGrp="1"/>
-          </p:cNvSpPr>
-          <p:nvPr>
-            <p:ph idx="1"/>
-          </p:nvPr>
-        </p:nvSpPr>
-        <p:spPr/>
-        <p:txBody>
-          <a:bodyPr>
-            <a:normAutofit/>
-          </a:bodyPr>
-          <a:lstStyle/>
-          <a:p>
-            <a:endParaRPr lang="en-GB" dirty="0" smtClean="0"/>
-          </a:p>
-          <a:p>
-            <a:endParaRPr lang="en-GB" dirty="0" smtClean="0"/>
-          </a:p>
-          <a:p>
-            <a:endParaRPr lang="en-GB" dirty="0" smtClean="0"/>
-          </a:p>
-        </p:txBody>
-      </p:sp>
       <p:pic>
         <p:nvPicPr>
-          <p:cNvPr id="6" name="Picture 5" descr="bg_img1.jpg"/>
+          <p:cNvPr id="4" name="Picture 3" descr="logo.png"/>
           <p:cNvPicPr>
             <a:picLocks noChangeAspect="1"/>
           </p:cNvPicPr>
@@ -13560,8 +13021,8 @@
         </p:blipFill>
         <p:spPr>
           <a:xfrm>
-            <a:off x="0" y="0"/>
-            <a:ext cx="9144000" cy="6857999"/>
+            <a:off x="2057400" y="1600200"/>
+            <a:ext cx="5241784" cy="3048000"/>
           </a:xfrm>
           <a:prstGeom prst="rect">
             <a:avLst/>
@@ -13570,7 +13031,7 @@
       </p:pic>
       <p:pic>
         <p:nvPicPr>
-          <p:cNvPr id="7" name="Picture 6" descr="logo.png"/>
+          <p:cNvPr id="3" name="Picture 2" descr="bg_img1.jpg"/>
           <p:cNvPicPr>
             <a:picLocks noChangeAspect="1"/>
           </p:cNvPicPr>
@@ -13584,62 +13045,41 @@
         </p:blipFill>
         <p:spPr>
           <a:xfrm>
-            <a:off x="6392064" y="1"/>
-            <a:ext cx="2751935" cy="1600199"/>
+            <a:off x="0" y="0"/>
+            <a:ext cx="9144000" cy="6858000"/>
           </a:xfrm>
           <a:prstGeom prst="rect">
             <a:avLst/>
           </a:prstGeom>
         </p:spPr>
       </p:pic>
-      <p:sp>
-        <p:nvSpPr>
-          <p:cNvPr id="8" name="Rectangle 7"/>
-          <p:cNvSpPr/>
-          <p:nvPr/>
-        </p:nvSpPr>
-        <p:spPr>
-          <a:xfrm>
-            <a:off x="0" y="3048000"/>
-            <a:ext cx="9144000" cy="3170099"/>
-          </a:xfrm>
-          <a:prstGeom prst="rect">
-            <a:avLst/>
-          </a:prstGeom>
-        </p:spPr>
-        <p:txBody>
-          <a:bodyPr wrap="square">
-            <a:spAutoFit/>
-          </a:bodyPr>
-          <a:lstStyle/>
-          <a:p>
-            <a:r>
-              <a:rPr lang="en-GB" sz="3200" b="1" dirty="0" err="1" smtClean="0"/>
-              <a:t>Abhi</a:t>
-            </a:r>
-            <a:r>
-              <a:rPr lang="en-GB" sz="3200" b="1" dirty="0" smtClean="0"/>
-              <a:t> </a:t>
-            </a:r>
-            <a:r>
-              <a:rPr lang="en-GB" sz="3200" b="1" dirty="0" err="1" smtClean="0"/>
-              <a:t>Kapoor</a:t>
-            </a:r>
-            <a:r>
-              <a:rPr lang="en-GB" sz="3200" b="1" dirty="0" smtClean="0"/>
-              <a:t> :- </a:t>
-            </a:r>
-            <a:r>
-              <a:rPr lang="en-GB" sz="2800" dirty="0" smtClean="0"/>
-              <a:t>He is responsible for the day to day running of all the Centres and is the General Manager leading a team of Business Development, Admin and faculty members. He is also a talented Drummer and Guitarist. He has conducted many events of the Music Academy in Malls, Schools and Talent shows apart from participation in theatre.</a:t>
-            </a:r>
-            <a:endParaRPr lang="en-US" sz="2800" dirty="0"/>
-          </a:p>
-        </p:txBody>
-      </p:sp>
       <p:pic>
         <p:nvPicPr>
-          <p:cNvPr id="9" name="Picture 8" descr="pic.jpg"/>
+          <p:cNvPr id="5" name="Picture 4" descr="logo.png"/>
+          <p:cNvPicPr>
+            <a:picLocks noChangeAspect="1"/>
+          </p:cNvPicPr>
+          <p:nvPr/>
+        </p:nvPicPr>
+        <p:blipFill>
+          <a:blip r:embed="rId2" cstate="print"/>
+          <a:stretch>
+            <a:fillRect/>
+          </a:stretch>
+        </p:blipFill>
+        <p:spPr>
+          <a:xfrm>
+            <a:off x="6916242" y="0"/>
+            <a:ext cx="2227758" cy="1295400"/>
+          </a:xfrm>
+          <a:prstGeom prst="rect">
+            <a:avLst/>
+          </a:prstGeom>
+        </p:spPr>
+      </p:pic>
+      <p:pic>
+        <p:nvPicPr>
+          <p:cNvPr id="6" name="Picture 5" descr="DSC_0209.JPG"/>
           <p:cNvPicPr>
             <a:picLocks noChangeAspect="1"/>
           </p:cNvPicPr>
@@ -13653,14 +13093,257 @@
         </p:blipFill>
         <p:spPr>
           <a:xfrm>
-            <a:off x="533400" y="914400"/>
-            <a:ext cx="2298700" cy="1638300"/>
+            <a:off x="0" y="1371600"/>
+            <a:ext cx="9144000" cy="5486400"/>
           </a:xfrm>
           <a:prstGeom prst="rect">
             <a:avLst/>
           </a:prstGeom>
         </p:spPr>
       </p:pic>
+      <p:sp>
+        <p:nvSpPr>
+          <p:cNvPr id="11" name="TextBox 10"/>
+          <p:cNvSpPr txBox="1"/>
+          <p:nvPr/>
+        </p:nvSpPr>
+        <p:spPr>
+          <a:xfrm>
+            <a:off x="251521" y="1484784"/>
+            <a:ext cx="8892480" cy="646331"/>
+          </a:xfrm>
+          <a:prstGeom prst="rect">
+            <a:avLst/>
+          </a:prstGeom>
+          <a:noFill/>
+        </p:spPr>
+        <p:txBody>
+          <a:bodyPr wrap="square" rtlCol="0">
+            <a:spAutoFit/>
+          </a:bodyPr>
+          <a:lstStyle/>
+          <a:p>
+            <a:endParaRPr lang="en-IN" b="1" dirty="0" smtClean="0">
+              <a:solidFill>
+                <a:schemeClr val="bg1"/>
+              </a:solidFill>
+            </a:endParaRPr>
+          </a:p>
+          <a:p>
+            <a:pPr>
+              <a:buFont typeface="Arial" charset="0"/>
+              <a:buChar char="•"/>
+            </a:pPr>
+            <a:endParaRPr lang="en-IN" dirty="0">
+              <a:solidFill>
+                <a:schemeClr val="bg1"/>
+              </a:solidFill>
+            </a:endParaRPr>
+          </a:p>
+        </p:txBody>
+      </p:sp>
+      <p:sp>
+        <p:nvSpPr>
+          <p:cNvPr id="12" name="TextBox 11"/>
+          <p:cNvSpPr txBox="1"/>
+          <p:nvPr/>
+        </p:nvSpPr>
+        <p:spPr>
+          <a:xfrm>
+            <a:off x="0" y="0"/>
+            <a:ext cx="9144000" cy="6617196"/>
+          </a:xfrm>
+          <a:prstGeom prst="rect">
+            <a:avLst/>
+          </a:prstGeom>
+          <a:noFill/>
+        </p:spPr>
+        <p:txBody>
+          <a:bodyPr wrap="square" rtlCol="0">
+            <a:spAutoFit/>
+          </a:bodyPr>
+          <a:lstStyle/>
+          <a:p>
+            <a:pPr algn="ctr"/>
+            <a:r>
+              <a:rPr lang="en-IN" sz="2800" dirty="0" smtClean="0">
+                <a:solidFill>
+                  <a:schemeClr val="bg1"/>
+                </a:solidFill>
+                <a:latin typeface="Algerian" pitchFamily="82" charset="0"/>
+              </a:rPr>
+              <a:t>LET US BEGIN YOUR memorable musical </a:t>
+            </a:r>
+            <a:r>
+              <a:rPr lang="en-IN" sz="2800" dirty="0" smtClean="0">
+                <a:solidFill>
+                  <a:schemeClr val="bg1"/>
+                </a:solidFill>
+                <a:latin typeface="Algerian" pitchFamily="82" charset="0"/>
+              </a:rPr>
+              <a:t>journey</a:t>
+            </a:r>
+          </a:p>
+          <a:p>
+            <a:pPr>
+              <a:buFont typeface="Arial" charset="0"/>
+              <a:buChar char="•"/>
+            </a:pPr>
+            <a:endParaRPr lang="en-IN" sz="2800" dirty="0" smtClean="0">
+              <a:solidFill>
+                <a:schemeClr val="bg1"/>
+              </a:solidFill>
+              <a:latin typeface="Calibri" pitchFamily="34" charset="0"/>
+            </a:endParaRPr>
+          </a:p>
+          <a:p>
+            <a:pPr>
+              <a:buFont typeface="Arial" charset="0"/>
+              <a:buChar char="•"/>
+            </a:pPr>
+            <a:endParaRPr lang="en-IN" sz="2800" dirty="0" smtClean="0">
+              <a:solidFill>
+                <a:schemeClr val="bg1"/>
+              </a:solidFill>
+              <a:latin typeface="Calibri" pitchFamily="34" charset="0"/>
+            </a:endParaRPr>
+          </a:p>
+          <a:p>
+            <a:pPr>
+              <a:buFont typeface="Arial" charset="0"/>
+              <a:buChar char="•"/>
+            </a:pPr>
+            <a:r>
+              <a:rPr lang="en-IN" sz="2800" dirty="0" smtClean="0">
+                <a:solidFill>
+                  <a:schemeClr val="bg1"/>
+                </a:solidFill>
+                <a:latin typeface="Calibri" pitchFamily="34" charset="0"/>
+              </a:rPr>
+              <a:t>Hobby Classes for Children – to give them a flavour of the</a:t>
+            </a:r>
+          </a:p>
+          <a:p>
+            <a:r>
+              <a:rPr lang="en-IN" sz="2800" dirty="0" smtClean="0">
+                <a:solidFill>
+                  <a:schemeClr val="bg1"/>
+                </a:solidFill>
+                <a:latin typeface="Calibri" pitchFamily="34" charset="0"/>
+              </a:rPr>
+              <a:t>richness of Indian traditional Music &amp; Dance thereby helping</a:t>
+            </a:r>
+          </a:p>
+          <a:p>
+            <a:r>
+              <a:rPr lang="en-IN" sz="2800" dirty="0" smtClean="0">
+                <a:solidFill>
+                  <a:schemeClr val="bg1"/>
+                </a:solidFill>
+                <a:latin typeface="Calibri" pitchFamily="34" charset="0"/>
+              </a:rPr>
+              <a:t>Their concentration, discipline, sense of achievement and creativity.</a:t>
+            </a:r>
+          </a:p>
+          <a:p>
+            <a:r>
+              <a:rPr lang="en-IN" sz="2800" dirty="0" smtClean="0">
+                <a:solidFill>
+                  <a:schemeClr val="bg1"/>
+                </a:solidFill>
+                <a:latin typeface="Calibri" pitchFamily="34" charset="0"/>
+              </a:rPr>
+              <a:t>Home Makers – Body &amp; Mind fitness thru Music &amp; Dance.</a:t>
+            </a:r>
+          </a:p>
+          <a:p>
+            <a:endParaRPr lang="en-IN" sz="2800" dirty="0" smtClean="0">
+              <a:solidFill>
+                <a:schemeClr val="bg1"/>
+              </a:solidFill>
+              <a:latin typeface="Calibri" pitchFamily="34" charset="0"/>
+            </a:endParaRPr>
+          </a:p>
+          <a:p>
+            <a:r>
+              <a:rPr lang="en-IN" sz="2800" dirty="0" smtClean="0">
+                <a:solidFill>
+                  <a:schemeClr val="bg1"/>
+                </a:solidFill>
+                <a:latin typeface="Calibri" pitchFamily="34" charset="0"/>
+              </a:rPr>
+              <a:t>Executives: As a Stress Buster and Relaxation tool and overall positivity.</a:t>
+            </a:r>
+          </a:p>
+          <a:p>
+            <a:r>
+              <a:rPr lang="en-IN" sz="2800" dirty="0" smtClean="0">
+                <a:solidFill>
+                  <a:schemeClr val="bg1"/>
+                </a:solidFill>
+                <a:latin typeface="Calibri" pitchFamily="34" charset="0"/>
+              </a:rPr>
+              <a:t>Retired senior citizens – Good utilization of their spare time.</a:t>
+            </a:r>
+          </a:p>
+          <a:p>
+            <a:endParaRPr lang="en-IN" sz="2800" dirty="0" smtClean="0">
+              <a:solidFill>
+                <a:schemeClr val="bg1"/>
+              </a:solidFill>
+              <a:latin typeface="Calibri" pitchFamily="34" charset="0"/>
+            </a:endParaRPr>
+          </a:p>
+          <a:p>
+            <a:pPr algn="ctr"/>
+            <a:r>
+              <a:rPr lang="en-IN" sz="2800" dirty="0" smtClean="0">
+                <a:solidFill>
+                  <a:schemeClr val="bg1"/>
+                </a:solidFill>
+                <a:latin typeface="Algerian" pitchFamily="82" charset="0"/>
+              </a:rPr>
+              <a:t>AND FOR EVERYONE –</a:t>
+            </a:r>
+          </a:p>
+          <a:p>
+            <a:pPr algn="ctr"/>
+            <a:r>
+              <a:rPr lang="en-IN" sz="2800" dirty="0" smtClean="0">
+                <a:solidFill>
+                  <a:schemeClr val="bg1"/>
+                </a:solidFill>
+                <a:latin typeface="Algerian" pitchFamily="82" charset="0"/>
+              </a:rPr>
+              <a:t> </a:t>
+            </a:r>
+            <a:r>
+              <a:rPr lang="en-IN" sz="3200" dirty="0" smtClean="0">
+                <a:solidFill>
+                  <a:schemeClr val="bg1"/>
+                </a:solidFill>
+                <a:latin typeface="Algerian" pitchFamily="82" charset="0"/>
+              </a:rPr>
+              <a:t>TO INCREASE THEIR HAPPINESS </a:t>
+            </a:r>
+            <a:r>
+              <a:rPr lang="en-IN" sz="3200" dirty="0" smtClean="0">
+                <a:solidFill>
+                  <a:schemeClr val="bg1"/>
+                </a:solidFill>
+                <a:latin typeface="Algerian" pitchFamily="82" charset="0"/>
+              </a:rPr>
+              <a:t>QUOTIENT</a:t>
+            </a:r>
+            <a:endParaRPr lang="en-IN" sz="3200" dirty="0">
+              <a:solidFill>
+                <a:schemeClr val="bg1"/>
+              </a:solidFill>
+              <a:latin typeface="Algerian" pitchFamily="82" charset="0"/>
+            </a:endParaRPr>
+          </a:p>
+        </p:txBody>
+      </p:sp>
     </p:spTree>
   </p:cSld>
   <p:clrMapOvr>

--- a/DBM_SwarVandana/Content/Downloads/Welcome Presentation.pptx
+++ b/DBM_SwarVandana/Content/Downloads/Welcome Presentation.pptx
@@ -10,16 +10,16 @@
   <p:sldIdLst>
     <p:sldId id="256" r:id="rId2"/>
     <p:sldId id="331" r:id="rId3"/>
-    <p:sldId id="332" r:id="rId4"/>
-    <p:sldId id="333" r:id="rId5"/>
+    <p:sldId id="342" r:id="rId4"/>
+    <p:sldId id="343" r:id="rId5"/>
     <p:sldId id="334" r:id="rId6"/>
     <p:sldId id="335" r:id="rId7"/>
     <p:sldId id="336" r:id="rId8"/>
     <p:sldId id="337" r:id="rId9"/>
-    <p:sldId id="339" r:id="rId10"/>
-    <p:sldId id="340" r:id="rId11"/>
+    <p:sldId id="344" r:id="rId10"/>
+    <p:sldId id="345" r:id="rId11"/>
     <p:sldId id="341" r:id="rId12"/>
-    <p:sldId id="268" r:id="rId13"/>
+    <p:sldId id="346" r:id="rId13"/>
     <p:sldId id="300" r:id="rId14"/>
     <p:sldId id="303" r:id="rId15"/>
     <p:sldId id="308" r:id="rId16"/>
@@ -892,56 +892,44 @@
       </dgm:t>
     </dgm:pt>
     <dgm:pt modelId="{278E2348-BD43-4D17-8899-D508333EAE56}">
-      <dgm:prSet phldrT="[Text]" custT="1"/>
+      <dgm:prSet phldrT="[Text]" custT="1">
+        <dgm:style>
+          <a:lnRef idx="3">
+            <a:schemeClr val="lt1"/>
+          </a:lnRef>
+          <a:fillRef idx="1">
+            <a:schemeClr val="accent1"/>
+          </a:fillRef>
+          <a:effectRef idx="1">
+            <a:schemeClr val="accent1"/>
+          </a:effectRef>
+          <a:fontRef idx="minor">
+            <a:schemeClr val="lt1"/>
+          </a:fontRef>
+        </dgm:style>
+      </dgm:prSet>
       <dgm:spPr/>
       <dgm:t>
         <a:bodyPr/>
         <a:lstStyle/>
         <a:p>
           <a:r>
-            <a:rPr lang="en-IN" sz="3200" dirty="0" smtClean="0">
+            <a:rPr lang="en-IN" sz="2400" dirty="0" err="1" smtClean="0">
               <a:solidFill>
                 <a:schemeClr val="tx1"/>
               </a:solidFill>
             </a:rPr>
-            <a:t>Noida Sector 48</a:t>
+            <a:t>Noida</a:t>
           </a:r>
-          <a:endParaRPr lang="en-IN" sz="3200" dirty="0">
-            <a:solidFill>
-              <a:schemeClr val="tx1"/>
-            </a:solidFill>
-          </a:endParaRPr>
+          <a:r>
+            <a:rPr lang="en-IN" sz="2400" dirty="0" smtClean="0">
+              <a:solidFill>
+                <a:schemeClr val="tx1"/>
+              </a:solidFill>
+            </a:rPr>
+            <a:t> Sector 48</a:t>
+          </a:r>
         </a:p>
-      </dgm:t>
-    </dgm:pt>
-    <dgm:pt modelId="{5A1574D3-4083-4384-989E-EC082FF512D9}" type="parTrans" cxnId="{84657B7D-A353-4743-A226-17E121586C24}">
-      <dgm:prSet/>
-      <dgm:spPr/>
-      <dgm:t>
-        <a:bodyPr/>
-        <a:lstStyle/>
-        <a:p>
-          <a:endParaRPr lang="en-IN"/>
-        </a:p>
-      </dgm:t>
-    </dgm:pt>
-    <dgm:pt modelId="{121FAA87-E750-413C-9926-BFEF13113F98}" type="sibTrans" cxnId="{84657B7D-A353-4743-A226-17E121586C24}">
-      <dgm:prSet/>
-      <dgm:spPr/>
-      <dgm:t>
-        <a:bodyPr/>
-        <a:lstStyle/>
-        <a:p>
-          <a:endParaRPr lang="en-IN"/>
-        </a:p>
-      </dgm:t>
-    </dgm:pt>
-    <dgm:pt modelId="{A5DF638C-3868-4197-BD48-68F33AA33992}">
-      <dgm:prSet phldrT="[Text]" custT="1"/>
-      <dgm:spPr/>
-      <dgm:t>
-        <a:bodyPr/>
-        <a:lstStyle/>
         <a:p>
           <a:r>
             <a:rPr lang="pt-BR" sz="1600" b="0" i="0" dirty="0" smtClean="0">
@@ -997,6 +985,43 @@
             </a:rPr>
             <a:t>Contact no:- 0120-4213725/ 9910494141</a:t>
           </a:r>
+          <a:endParaRPr lang="en-IN" sz="1600" dirty="0">
+            <a:solidFill>
+              <a:schemeClr val="tx1"/>
+            </a:solidFill>
+          </a:endParaRPr>
+        </a:p>
+      </dgm:t>
+    </dgm:pt>
+    <dgm:pt modelId="{5A1574D3-4083-4384-989E-EC082FF512D9}" type="parTrans" cxnId="{84657B7D-A353-4743-A226-17E121586C24}">
+      <dgm:prSet/>
+      <dgm:spPr/>
+      <dgm:t>
+        <a:bodyPr/>
+        <a:lstStyle/>
+        <a:p>
+          <a:endParaRPr lang="en-IN"/>
+        </a:p>
+      </dgm:t>
+    </dgm:pt>
+    <dgm:pt modelId="{121FAA87-E750-413C-9926-BFEF13113F98}" type="sibTrans" cxnId="{84657B7D-A353-4743-A226-17E121586C24}">
+      <dgm:prSet/>
+      <dgm:spPr/>
+      <dgm:t>
+        <a:bodyPr/>
+        <a:lstStyle/>
+        <a:p>
+          <a:endParaRPr lang="en-IN"/>
+        </a:p>
+      </dgm:t>
+    </dgm:pt>
+    <dgm:pt modelId="{A5DF638C-3868-4197-BD48-68F33AA33992}">
+      <dgm:prSet phldrT="[Text]" custT="1"/>
+      <dgm:spPr/>
+      <dgm:t>
+        <a:bodyPr/>
+        <a:lstStyle/>
+        <a:p>
           <a:endParaRPr lang="en-IN" sz="1600" b="0" dirty="0">
             <a:solidFill>
               <a:schemeClr val="tx1"/>
@@ -1028,21 +1053,79 @@
       </dgm:t>
     </dgm:pt>
     <dgm:pt modelId="{32990FE8-1EDA-49DF-9A7B-0117F118568C}">
-      <dgm:prSet phldrT="[Text]" custT="1"/>
+      <dgm:prSet phldrT="[Text]" custT="1">
+        <dgm:style>
+          <a:lnRef idx="3">
+            <a:schemeClr val="lt1"/>
+          </a:lnRef>
+          <a:fillRef idx="1">
+            <a:schemeClr val="accent1"/>
+          </a:fillRef>
+          <a:effectRef idx="1">
+            <a:schemeClr val="accent1"/>
+          </a:effectRef>
+          <a:fontRef idx="minor">
+            <a:schemeClr val="lt1"/>
+          </a:fontRef>
+        </dgm:style>
+      </dgm:prSet>
       <dgm:spPr/>
       <dgm:t>
         <a:bodyPr/>
         <a:lstStyle/>
         <a:p>
           <a:r>
-            <a:rPr lang="en-IN" sz="3200" dirty="0" smtClean="0">
+            <a:rPr lang="en-IN" sz="2400" dirty="0" smtClean="0">
               <a:solidFill>
                 <a:schemeClr val="tx1"/>
               </a:solidFill>
             </a:rPr>
-            <a:t>Noida Sector 122</a:t>
+            <a:t>Noida Sector </a:t>
           </a:r>
-          <a:endParaRPr lang="en-IN" sz="3200" dirty="0">
+          <a:r>
+            <a:rPr lang="en-IN" sz="1800" dirty="0" smtClean="0">
+              <a:solidFill>
+                <a:schemeClr val="tx1"/>
+              </a:solidFill>
+            </a:rPr>
+            <a:t>122</a:t>
+          </a:r>
+        </a:p>
+        <a:p>
+          <a:r>
+            <a:rPr lang="en-IN" sz="1600" dirty="0" smtClean="0">
+              <a:solidFill>
+                <a:schemeClr val="tx1"/>
+              </a:solidFill>
+            </a:rPr>
+            <a:t>Pk-5,Sector-122,Noida</a:t>
+          </a:r>
+        </a:p>
+        <a:p>
+          <a:r>
+            <a:rPr lang="en-IN" sz="1600" dirty="0" err="1" smtClean="0">
+              <a:solidFill>
+                <a:schemeClr val="tx1"/>
+              </a:solidFill>
+            </a:rPr>
+            <a:t>Email:info@swarvandana.com</a:t>
+          </a:r>
+          <a:endParaRPr lang="en-IN" sz="1600" dirty="0" smtClean="0">
+            <a:solidFill>
+              <a:schemeClr val="tx1"/>
+            </a:solidFill>
+          </a:endParaRPr>
+        </a:p>
+        <a:p>
+          <a:r>
+            <a:rPr lang="en-IN" sz="1600" dirty="0" smtClean="0">
+              <a:solidFill>
+                <a:schemeClr val="tx1"/>
+              </a:solidFill>
+            </a:rPr>
+            <a:t>Contact no:-9899219816</a:t>
+          </a:r>
+          <a:endParaRPr lang="en-IN" sz="1600" dirty="0">
             <a:solidFill>
               <a:schemeClr val="tx1"/>
             </a:solidFill>
@@ -1079,14 +1162,6 @@
         <a:bodyPr/>
         <a:lstStyle/>
         <a:p>
-          <a:r>
-            <a:rPr lang="en-IN" sz="1800" dirty="0" smtClean="0">
-              <a:solidFill>
-                <a:schemeClr val="tx1"/>
-              </a:solidFill>
-            </a:rPr>
-            <a:t>Pk-5,Sector-122,Noida</a:t>
-          </a:r>
           <a:endParaRPr lang="en-IN" sz="1800" dirty="0">
             <a:solidFill>
               <a:schemeClr val="tx1"/>
@@ -1118,21 +1193,124 @@
       </dgm:t>
     </dgm:pt>
     <dgm:pt modelId="{27C039AF-38BA-4B9B-9C3B-DA0CB7FF39E8}">
-      <dgm:prSet phldrT="[Text]" custT="1"/>
+      <dgm:prSet phldrT="[Text]" custT="1">
+        <dgm:style>
+          <a:lnRef idx="3">
+            <a:schemeClr val="lt1"/>
+          </a:lnRef>
+          <a:fillRef idx="1">
+            <a:schemeClr val="accent1"/>
+          </a:fillRef>
+          <a:effectRef idx="1">
+            <a:schemeClr val="accent1"/>
+          </a:effectRef>
+          <a:fontRef idx="minor">
+            <a:schemeClr val="lt1"/>
+          </a:fontRef>
+        </dgm:style>
+      </dgm:prSet>
       <dgm:spPr/>
       <dgm:t>
         <a:bodyPr/>
         <a:lstStyle/>
         <a:p>
           <a:r>
-            <a:rPr lang="en-IN" sz="3200" dirty="0" smtClean="0">
+            <a:rPr lang="en-IN" sz="2400" dirty="0" smtClean="0">
               <a:solidFill>
                 <a:schemeClr val="tx1"/>
               </a:solidFill>
             </a:rPr>
-            <a:t>Gurgaon Sector 40</a:t>
+            <a:t>Gurgaon Sector </a:t>
           </a:r>
-          <a:endParaRPr lang="en-IN" sz="3200" dirty="0">
+          <a:r>
+            <a:rPr lang="en-IN" sz="1800" dirty="0" smtClean="0">
+              <a:solidFill>
+                <a:schemeClr val="tx1"/>
+              </a:solidFill>
+            </a:rPr>
+            <a:t>40</a:t>
+          </a:r>
+        </a:p>
+        <a:p>
+          <a:r>
+            <a:rPr lang="en-IN" sz="1600" b="0" i="0" dirty="0" smtClean="0">
+              <a:solidFill>
+                <a:schemeClr val="tx1"/>
+              </a:solidFill>
+            </a:rPr>
+            <a:t>SCO - 70, Sector - 40, Huda Market, </a:t>
+          </a:r>
+          <a:r>
+            <a:rPr lang="en-IN" sz="1600" b="0" i="0" dirty="0" err="1" smtClean="0">
+              <a:solidFill>
+                <a:schemeClr val="tx1"/>
+              </a:solidFill>
+            </a:rPr>
+            <a:t>Gurgaon</a:t>
+          </a:r>
+          <a:r>
+            <a:rPr lang="en-IN" sz="1600" b="0" i="0" dirty="0" smtClean="0">
+              <a:solidFill>
+                <a:schemeClr val="tx1"/>
+              </a:solidFill>
+            </a:rPr>
+            <a:t>, Haryana - 122002 </a:t>
+          </a:r>
+          <a:r>
+            <a:rPr lang="en-IN" sz="1600" dirty="0" smtClean="0">
+              <a:solidFill>
+                <a:schemeClr val="tx1"/>
+              </a:solidFill>
+            </a:rPr>
+            <a:t/>
+          </a:r>
+          <a:br>
+            <a:rPr lang="en-IN" sz="1600" dirty="0" smtClean="0">
+              <a:solidFill>
+                <a:schemeClr val="tx1"/>
+              </a:solidFill>
+            </a:rPr>
+          </a:br>
+          <a:r>
+            <a:rPr lang="en-IN" sz="1600" b="0" i="0" dirty="0" smtClean="0">
+              <a:solidFill>
+                <a:schemeClr val="tx1"/>
+              </a:solidFill>
+            </a:rPr>
+            <a:t>Email: info@swarvandana.com </a:t>
+          </a:r>
+          <a:endParaRPr lang="en-IN" sz="1600" dirty="0" smtClean="0">
+            <a:solidFill>
+              <a:srgbClr val="FF0000"/>
+            </a:solidFill>
+          </a:endParaRPr>
+        </a:p>
+        <a:p>
+          <a:r>
+            <a:rPr lang="en-IN" sz="1600" dirty="0" smtClean="0">
+              <a:solidFill>
+                <a:schemeClr val="tx1"/>
+              </a:solidFill>
+            </a:rPr>
+            <a:t>Contact no</a:t>
+          </a:r>
+          <a:r>
+            <a:rPr lang="en-IN" sz="1600" b="0" i="0" dirty="0" smtClean="0">
+              <a:solidFill>
+                <a:schemeClr val="tx1"/>
+              </a:solidFill>
+            </a:rPr>
+            <a:t>: 0124- 4371653 / 9643250627</a:t>
+          </a:r>
+          <a:r>
+            <a:rPr lang="en-IN" sz="1800" b="0" i="0" dirty="0" smtClean="0">
+              <a:solidFill>
+                <a:schemeClr val="tx1"/>
+              </a:solidFill>
+            </a:rPr>
+            <a:t> </a:t>
+          </a:r>
+          <a:endParaRPr lang="en-IN" sz="1800" dirty="0">
             <a:solidFill>
               <a:schemeClr val="tx1"/>
             </a:solidFill>
@@ -1163,22 +1341,55 @@
       </dgm:t>
     </dgm:pt>
     <dgm:pt modelId="{31EB7EAB-0792-4787-98D3-15FCCB8B2A7C}">
-      <dgm:prSet phldrT="[Text]" custT="1"/>
+      <dgm:prSet phldrT="[Text]" custT="1">
+        <dgm:style>
+          <a:lnRef idx="3">
+            <a:schemeClr val="lt1"/>
+          </a:lnRef>
+          <a:fillRef idx="1">
+            <a:schemeClr val="accent1"/>
+          </a:fillRef>
+          <a:effectRef idx="1">
+            <a:schemeClr val="accent1"/>
+          </a:effectRef>
+          <a:fontRef idx="minor">
+            <a:schemeClr val="lt1"/>
+          </a:fontRef>
+        </dgm:style>
+      </dgm:prSet>
       <dgm:spPr/>
       <dgm:t>
         <a:bodyPr/>
         <a:lstStyle/>
         <a:p>
           <a:r>
-            <a:rPr lang="en-IN" sz="1600" b="0" i="0" dirty="0" smtClean="0">
+            <a:rPr lang="en-IN" sz="2400" dirty="0" err="1" smtClean="0">
               <a:solidFill>
                 <a:schemeClr val="tx1"/>
               </a:solidFill>
             </a:rPr>
-            <a:t>SCO - 70, Sector - 40, Huda Market, Gurgaon, Haryana - 122002 </a:t>
+            <a:t>Noida</a:t>
           </a:r>
           <a:r>
-            <a:rPr lang="en-IN" sz="1600" dirty="0" smtClean="0">
+            <a:rPr lang="en-IN" sz="2400" dirty="0" smtClean="0">
+              <a:solidFill>
+                <a:schemeClr val="tx1"/>
+              </a:solidFill>
+            </a:rPr>
+            <a:t> Sector 62</a:t>
+          </a:r>
+        </a:p>
+        <a:p>
+          <a:r>
+            <a:rPr lang="pt-BR" sz="1600" b="0" i="0" dirty="0" smtClean="0">
+              <a:solidFill>
+                <a:schemeClr val="tx1"/>
+              </a:solidFill>
+            </a:rPr>
+            <a:t>Plot No 1, Institutional Area, Indus Valley Public School, Sector 62, Noida 201301 </a:t>
+          </a:r>
+          <a:r>
+            <a:rPr lang="pt-BR" sz="1600" b="0" dirty="0" smtClean="0">
               <a:solidFill>
                 <a:schemeClr val="tx1"/>
               </a:solidFill>
@@ -1186,23 +1397,46 @@
             <a:t/>
           </a:r>
           <a:br>
-            <a:rPr lang="en-IN" sz="1600" dirty="0" smtClean="0">
+            <a:rPr lang="pt-BR" sz="1600" b="0" dirty="0" smtClean="0">
               <a:solidFill>
                 <a:schemeClr val="tx1"/>
               </a:solidFill>
             </a:rPr>
           </a:br>
           <a:r>
-            <a:rPr lang="en-IN" sz="1600" b="0" i="0" dirty="0" smtClean="0">
+            <a:rPr lang="pt-BR" sz="1600" b="0" i="0" dirty="0" smtClean="0">
               <a:solidFill>
                 <a:schemeClr val="tx1"/>
               </a:solidFill>
             </a:rPr>
             <a:t>Email: info@swarvandana.com </a:t>
           </a:r>
-          <a:endParaRPr lang="en-IN" sz="2400" dirty="0">
+          <a:r>
+            <a:rPr lang="pt-BR" sz="1600" b="0" dirty="0" smtClean="0">
+              <a:solidFill>
+                <a:schemeClr val="tx1"/>
+              </a:solidFill>
+            </a:rPr>
+            <a:t/>
+          </a:r>
+          <a:br>
+            <a:rPr lang="pt-BR" sz="1600" b="0" dirty="0" smtClean="0">
+              <a:solidFill>
+                <a:schemeClr val="tx1"/>
+              </a:solidFill>
+            </a:rPr>
+          </a:br>
+          <a:r>
+            <a:rPr lang="en-IN" sz="1600" b="0" dirty="0" smtClean="0">
+              <a:solidFill>
+                <a:schemeClr val="tx1"/>
+              </a:solidFill>
+            </a:rPr>
+            <a:t>Contact no:- 9711276501</a:t>
+          </a:r>
+          <a:endParaRPr lang="en-IN" sz="1600" dirty="0" smtClean="0">
             <a:solidFill>
-              <a:srgbClr val="FF0000"/>
+              <a:schemeClr val="tx1"/>
             </a:solidFill>
           </a:endParaRPr>
         </a:p>
@@ -1230,119 +1464,28 @@
         </a:p>
       </dgm:t>
     </dgm:pt>
-    <dgm:pt modelId="{B0550C4A-AF1D-43F8-869C-59E870AD4389}">
-      <dgm:prSet phldrT="[Text]" custT="1"/>
+    <dgm:pt modelId="{BE49E48E-5303-48DF-B3B4-7B8B1A21EE0D}">
+      <dgm:prSet phldrT="[Text]" custT="1">
+        <dgm:style>
+          <a:lnRef idx="3">
+            <a:schemeClr val="lt1"/>
+          </a:lnRef>
+          <a:fillRef idx="1">
+            <a:schemeClr val="accent1"/>
+          </a:fillRef>
+          <a:effectRef idx="1">
+            <a:schemeClr val="accent1"/>
+          </a:effectRef>
+          <a:fontRef idx="minor">
+            <a:schemeClr val="lt1"/>
+          </a:fontRef>
+        </dgm:style>
+      </dgm:prSet>
       <dgm:spPr/>
       <dgm:t>
         <a:bodyPr/>
         <a:lstStyle/>
         <a:p>
-          <a:r>
-            <a:rPr lang="en-IN" sz="1800" dirty="0" smtClean="0">
-              <a:solidFill>
-                <a:schemeClr val="tx1"/>
-              </a:solidFill>
-            </a:rPr>
-            <a:t>Email:info@swarvandana.com</a:t>
-          </a:r>
-          <a:endParaRPr lang="en-IN" sz="1800" dirty="0">
-            <a:solidFill>
-              <a:schemeClr val="tx1"/>
-            </a:solidFill>
-          </a:endParaRPr>
-        </a:p>
-      </dgm:t>
-    </dgm:pt>
-    <dgm:pt modelId="{32D501B8-E44C-4EE4-8817-614E041D405F}" type="parTrans" cxnId="{81C3289C-8755-4B20-878A-AC78B19EA1E9}">
-      <dgm:prSet/>
-      <dgm:spPr/>
-      <dgm:t>
-        <a:bodyPr/>
-        <a:lstStyle/>
-        <a:p>
-          <a:endParaRPr lang="en-IN"/>
-        </a:p>
-      </dgm:t>
-    </dgm:pt>
-    <dgm:pt modelId="{EEF95633-9BD6-4726-80C9-2AF49C1328B9}" type="sibTrans" cxnId="{81C3289C-8755-4B20-878A-AC78B19EA1E9}">
-      <dgm:prSet/>
-      <dgm:spPr/>
-      <dgm:t>
-        <a:bodyPr/>
-        <a:lstStyle/>
-        <a:p>
-          <a:endParaRPr lang="en-IN"/>
-        </a:p>
-      </dgm:t>
-    </dgm:pt>
-    <dgm:pt modelId="{545A7549-A4A9-422A-BBFD-084799E896CB}">
-      <dgm:prSet phldrT="[Text]" custT="1"/>
-      <dgm:spPr/>
-      <dgm:t>
-        <a:bodyPr/>
-        <a:lstStyle/>
-        <a:p>
-          <a:r>
-            <a:rPr lang="en-IN" sz="1800" dirty="0" smtClean="0">
-              <a:solidFill>
-                <a:schemeClr val="tx1"/>
-              </a:solidFill>
-            </a:rPr>
-            <a:t>Contact no:-9899219816</a:t>
-          </a:r>
-          <a:endParaRPr lang="en-IN" sz="1800" dirty="0">
-            <a:solidFill>
-              <a:schemeClr val="tx1"/>
-            </a:solidFill>
-          </a:endParaRPr>
-        </a:p>
-      </dgm:t>
-    </dgm:pt>
-    <dgm:pt modelId="{92CBE8C0-3D75-4EEF-A355-B94E4AB396D0}" type="parTrans" cxnId="{3E92B93A-6CA5-45A5-943A-63B3C4309485}">
-      <dgm:prSet/>
-      <dgm:spPr/>
-      <dgm:t>
-        <a:bodyPr/>
-        <a:lstStyle/>
-        <a:p>
-          <a:endParaRPr lang="en-IN"/>
-        </a:p>
-      </dgm:t>
-    </dgm:pt>
-    <dgm:pt modelId="{EA6AD45B-3A83-480C-A1AC-4E565A227DE3}" type="sibTrans" cxnId="{3E92B93A-6CA5-45A5-943A-63B3C4309485}">
-      <dgm:prSet/>
-      <dgm:spPr/>
-      <dgm:t>
-        <a:bodyPr/>
-        <a:lstStyle/>
-        <a:p>
-          <a:endParaRPr lang="en-IN"/>
-        </a:p>
-      </dgm:t>
-    </dgm:pt>
-    <dgm:pt modelId="{49445BBB-8BEF-48A7-B099-787670CCD6CF}">
-      <dgm:prSet phldrT="[Text]" custT="1"/>
-      <dgm:spPr/>
-      <dgm:t>
-        <a:bodyPr/>
-        <a:lstStyle/>
-        <a:p>
-          <a:r>
-            <a:rPr lang="en-IN" sz="1600" dirty="0" smtClean="0">
-              <a:solidFill>
-                <a:schemeClr val="tx1"/>
-              </a:solidFill>
-            </a:rPr>
-            <a:t>Contact no</a:t>
-          </a:r>
-          <a:r>
-            <a:rPr lang="en-IN" sz="1600" b="0" i="0" dirty="0" smtClean="0">
-              <a:solidFill>
-                <a:schemeClr val="tx1"/>
-              </a:solidFill>
-            </a:rPr>
-            <a:t>: 0124- 4371653 / 9643250627 </a:t>
-          </a:r>
           <a:r>
             <a:rPr lang="en-IN" sz="1600" dirty="0" smtClean="0">
               <a:solidFill>
@@ -1358,15 +1501,7 @@
               </a:solidFill>
             </a:rPr>
           </a:br>
-          <a:r>
-            <a:rPr lang="en-IN" sz="3200" b="1" i="0" dirty="0" smtClean="0">
-              <a:solidFill>
-                <a:srgbClr val="FF0000"/>
-              </a:solidFill>
-            </a:rPr>
-            <a:t>Website: www.swarvandana.com</a:t>
-          </a:r>
-          <a:endParaRPr lang="en-IN" sz="3200" b="1" dirty="0">
+          <a:endParaRPr lang="en-IN" sz="1600" dirty="0">
             <a:solidFill>
               <a:srgbClr val="FF0000"/>
             </a:solidFill>
@@ -1374,13 +1509,27 @@
         </a:p>
       </dgm:t>
     </dgm:pt>
-    <dgm:pt modelId="{3FDB787D-BD71-4579-8502-09CC67D19868}" type="parTrans" cxnId="{4D05632D-414E-4CB0-8A42-2EE69C858179}">
+    <dgm:pt modelId="{CAE15D4F-5284-4A9D-B941-70F052771B29}" type="sibTrans" cxnId="{D607B2A6-E927-46A0-B94E-6015B1ECB489}">
       <dgm:prSet/>
       <dgm:spPr/>
+      <dgm:t>
+        <a:bodyPr/>
+        <a:lstStyle/>
+        <a:p>
+          <a:endParaRPr lang="en-IN"/>
+        </a:p>
+      </dgm:t>
     </dgm:pt>
-    <dgm:pt modelId="{AE0E3372-9FB9-473C-8A91-3476DFCA3B41}" type="sibTrans" cxnId="{4D05632D-414E-4CB0-8A42-2EE69C858179}">
+    <dgm:pt modelId="{7CF685BF-FF58-463A-9466-84BC4293B420}" type="parTrans" cxnId="{D607B2A6-E927-46A0-B94E-6015B1ECB489}">
       <dgm:prSet/>
       <dgm:spPr/>
+      <dgm:t>
+        <a:bodyPr/>
+        <a:lstStyle/>
+        <a:p>
+          <a:endParaRPr lang="en-IN"/>
+        </a:p>
+      </dgm:t>
     </dgm:pt>
     <dgm:pt modelId="{4D70BC20-E2A1-40A5-A965-274103E83A59}" type="pres">
       <dgm:prSet presAssocID="{E2E76F4B-60A5-4383-98BB-29296BEEDA00}" presName="linear" presStyleCnt="0">
@@ -1399,7 +1548,7 @@
       </dgm:t>
     </dgm:pt>
     <dgm:pt modelId="{D15C63F3-71D4-4744-9CA5-C389D3857BBC}" type="pres">
-      <dgm:prSet presAssocID="{278E2348-BD43-4D17-8899-D508333EAE56}" presName="parentText" presStyleLbl="node1" presStyleIdx="0" presStyleCnt="3">
+      <dgm:prSet presAssocID="{278E2348-BD43-4D17-8899-D508333EAE56}" presName="parentText" presStyleLbl="node1" presStyleIdx="0" presStyleCnt="3" custScaleY="77026" custLinFactNeighborY="-88676">
         <dgm:presLayoutVars>
           <dgm:chMax val="0"/>
           <dgm:bulletEnabled val="1"/>
@@ -1430,7 +1579,7 @@
       </dgm:t>
     </dgm:pt>
     <dgm:pt modelId="{877668B0-8473-4210-9E30-933E80CCE0C0}" type="pres">
-      <dgm:prSet presAssocID="{32990FE8-1EDA-49DF-9A7B-0117F118568C}" presName="parentText" presStyleLbl="node1" presStyleIdx="1" presStyleCnt="3">
+      <dgm:prSet presAssocID="{32990FE8-1EDA-49DF-9A7B-0117F118568C}" presName="parentText" presStyleLbl="node1" presStyleIdx="1" presStyleCnt="3" custLinFactNeighborY="-42305">
         <dgm:presLayoutVars>
           <dgm:chMax val="0"/>
           <dgm:bulletEnabled val="1"/>
@@ -1461,7 +1610,7 @@
       </dgm:t>
     </dgm:pt>
     <dgm:pt modelId="{5D089517-BBB1-4307-BCE3-7AAD484233ED}" type="pres">
-      <dgm:prSet presAssocID="{27C039AF-38BA-4B9B-9C3B-DA0CB7FF39E8}" presName="parentText" presStyleLbl="node1" presStyleIdx="2" presStyleCnt="3">
+      <dgm:prSet presAssocID="{27C039AF-38BA-4B9B-9C3B-DA0CB7FF39E8}" presName="parentText" presStyleLbl="node1" presStyleIdx="2" presStyleCnt="3" custLinFactNeighborY="-11392">
         <dgm:presLayoutVars>
           <dgm:chMax val="0"/>
           <dgm:bulletEnabled val="1"/>
@@ -1477,7 +1626,7 @@
       </dgm:t>
     </dgm:pt>
     <dgm:pt modelId="{78C1B8F2-7BE0-4780-8E86-13040B2E2ACB}" type="pres">
-      <dgm:prSet presAssocID="{27C039AF-38BA-4B9B-9C3B-DA0CB7FF39E8}" presName="childText" presStyleLbl="revTx" presStyleIdx="2" presStyleCnt="3">
+      <dgm:prSet presAssocID="{27C039AF-38BA-4B9B-9C3B-DA0CB7FF39E8}" presName="childText" presStyleLbl="revTx" presStyleIdx="2" presStyleCnt="3" custScaleY="95543" custLinFactNeighborY="-4607">
         <dgm:presLayoutVars>
           <dgm:bulletEnabled val="1"/>
         </dgm:presLayoutVars>
@@ -1494,30 +1643,26 @@
   </dgm:ptLst>
   <dgm:cxnLst>
     <dgm:cxn modelId="{00ACB0B2-E029-43EC-9432-04DB8BE22FA4}" srcId="{278E2348-BD43-4D17-8899-D508333EAE56}" destId="{A5DF638C-3868-4197-BD48-68F33AA33992}" srcOrd="0" destOrd="0" parTransId="{7B94788E-FF8D-4DA1-B741-CA0A6D7984B4}" sibTransId="{8888927A-B750-4780-96D5-11DC939CE1CE}"/>
-    <dgm:cxn modelId="{8C4F1D2D-2650-46A9-96CA-11B3B761B17A}" type="presOf" srcId="{27C039AF-38BA-4B9B-9C3B-DA0CB7FF39E8}" destId="{5D089517-BBB1-4307-BCE3-7AAD484233ED}" srcOrd="0" destOrd="0" presId="urn:microsoft.com/office/officeart/2005/8/layout/vList2"/>
-    <dgm:cxn modelId="{375D24C1-797F-4838-8E0C-03DC81F0154F}" type="presOf" srcId="{545A7549-A4A9-422A-BBFD-084799E896CB}" destId="{F73B7B2E-8D7E-43CA-BDED-00D18E5DC2C9}" srcOrd="0" destOrd="2" presId="urn:microsoft.com/office/officeart/2005/8/layout/vList2"/>
-    <dgm:cxn modelId="{B92FD066-7FFF-4764-827A-F109BBD956A4}" type="presOf" srcId="{B2C20A2C-FDD1-47C8-B8C5-05FBF71E3EE5}" destId="{F73B7B2E-8D7E-43CA-BDED-00D18E5DC2C9}" srcOrd="0" destOrd="0" presId="urn:microsoft.com/office/officeart/2005/8/layout/vList2"/>
-    <dgm:cxn modelId="{4D05632D-414E-4CB0-8A42-2EE69C858179}" srcId="{27C039AF-38BA-4B9B-9C3B-DA0CB7FF39E8}" destId="{49445BBB-8BEF-48A7-B099-787670CCD6CF}" srcOrd="1" destOrd="0" parTransId="{3FDB787D-BD71-4579-8502-09CC67D19868}" sibTransId="{AE0E3372-9FB9-473C-8A91-3476DFCA3B41}"/>
-    <dgm:cxn modelId="{4CE52975-FD43-4372-B54B-D578405C2392}" type="presOf" srcId="{278E2348-BD43-4D17-8899-D508333EAE56}" destId="{D15C63F3-71D4-4744-9CA5-C389D3857BBC}" srcOrd="0" destOrd="0" presId="urn:microsoft.com/office/officeart/2005/8/layout/vList2"/>
-    <dgm:cxn modelId="{ED1BB417-B089-4548-A9FE-D44F829C92C0}" type="presOf" srcId="{32990FE8-1EDA-49DF-9A7B-0117F118568C}" destId="{877668B0-8473-4210-9E30-933E80CCE0C0}" srcOrd="0" destOrd="0" presId="urn:microsoft.com/office/officeart/2005/8/layout/vList2"/>
+    <dgm:cxn modelId="{A00203D1-5637-4FC8-97F8-6D71A1298AA0}" type="presOf" srcId="{278E2348-BD43-4D17-8899-D508333EAE56}" destId="{D15C63F3-71D4-4744-9CA5-C389D3857BBC}" srcOrd="0" destOrd="0" presId="urn:microsoft.com/office/officeart/2005/8/layout/vList2"/>
     <dgm:cxn modelId="{47B1AB37-31FD-4F33-AA84-200719B5A666}" srcId="{27C039AF-38BA-4B9B-9C3B-DA0CB7FF39E8}" destId="{31EB7EAB-0792-4787-98D3-15FCCB8B2A7C}" srcOrd="0" destOrd="0" parTransId="{94B85274-559A-45BC-A3DE-F5E08E8EC426}" sibTransId="{D2DA376D-4623-421E-839D-CB9AAAF148C9}"/>
-    <dgm:cxn modelId="{3FFCBD47-5945-4C7C-94F6-8188A0ED631E}" type="presOf" srcId="{A5DF638C-3868-4197-BD48-68F33AA33992}" destId="{FE4E54EC-F2E2-469C-8C76-136DBB48BE79}" srcOrd="0" destOrd="0" presId="urn:microsoft.com/office/officeart/2005/8/layout/vList2"/>
-    <dgm:cxn modelId="{A2057FC8-111B-46B1-BCF7-3EC7BDA0ECFC}" type="presOf" srcId="{31EB7EAB-0792-4787-98D3-15FCCB8B2A7C}" destId="{78C1B8F2-7BE0-4780-8E86-13040B2E2ACB}" srcOrd="0" destOrd="0" presId="urn:microsoft.com/office/officeart/2005/8/layout/vList2"/>
-    <dgm:cxn modelId="{3E92B93A-6CA5-45A5-943A-63B3C4309485}" srcId="{32990FE8-1EDA-49DF-9A7B-0117F118568C}" destId="{545A7549-A4A9-422A-BBFD-084799E896CB}" srcOrd="2" destOrd="0" parTransId="{92CBE8C0-3D75-4EEF-A355-B94E4AB396D0}" sibTransId="{EA6AD45B-3A83-480C-A1AC-4E565A227DE3}"/>
-    <dgm:cxn modelId="{C1E6A5F1-1257-45E7-810E-406F0960C9FA}" type="presOf" srcId="{B0550C4A-AF1D-43F8-869C-59E870AD4389}" destId="{F73B7B2E-8D7E-43CA-BDED-00D18E5DC2C9}" srcOrd="0" destOrd="1" presId="urn:microsoft.com/office/officeart/2005/8/layout/vList2"/>
-    <dgm:cxn modelId="{946975C4-02CA-41FA-9CC1-4B809DCC123C}" type="presOf" srcId="{49445BBB-8BEF-48A7-B099-787670CCD6CF}" destId="{78C1B8F2-7BE0-4780-8E86-13040B2E2ACB}" srcOrd="0" destOrd="1" presId="urn:microsoft.com/office/officeart/2005/8/layout/vList2"/>
-    <dgm:cxn modelId="{81C3289C-8755-4B20-878A-AC78B19EA1E9}" srcId="{32990FE8-1EDA-49DF-9A7B-0117F118568C}" destId="{B0550C4A-AF1D-43F8-869C-59E870AD4389}" srcOrd="1" destOrd="0" parTransId="{32D501B8-E44C-4EE4-8817-614E041D405F}" sibTransId="{EEF95633-9BD6-4726-80C9-2AF49C1328B9}"/>
+    <dgm:cxn modelId="{CCBF6AD5-BF5E-41E1-869A-59F39A83217B}" type="presOf" srcId="{BE49E48E-5303-48DF-B3B4-7B8B1A21EE0D}" destId="{78C1B8F2-7BE0-4780-8E86-13040B2E2ACB}" srcOrd="0" destOrd="1" presId="urn:microsoft.com/office/officeart/2005/8/layout/vList2"/>
+    <dgm:cxn modelId="{4E35FDB8-48AD-4477-9826-7730AD761326}" type="presOf" srcId="{31EB7EAB-0792-4787-98D3-15FCCB8B2A7C}" destId="{78C1B8F2-7BE0-4780-8E86-13040B2E2ACB}" srcOrd="0" destOrd="0" presId="urn:microsoft.com/office/officeart/2005/8/layout/vList2"/>
+    <dgm:cxn modelId="{F0CC103D-9CE8-4B31-A1E8-0EAF215DFD52}" type="presOf" srcId="{27C039AF-38BA-4B9B-9C3B-DA0CB7FF39E8}" destId="{5D089517-BBB1-4307-BCE3-7AAD484233ED}" srcOrd="0" destOrd="0" presId="urn:microsoft.com/office/officeart/2005/8/layout/vList2"/>
+    <dgm:cxn modelId="{8A8D800A-7CA5-41D5-8488-C1A7D272210C}" type="presOf" srcId="{32990FE8-1EDA-49DF-9A7B-0117F118568C}" destId="{877668B0-8473-4210-9E30-933E80CCE0C0}" srcOrd="0" destOrd="0" presId="urn:microsoft.com/office/officeart/2005/8/layout/vList2"/>
+    <dgm:cxn modelId="{D607B2A6-E927-46A0-B94E-6015B1ECB489}" srcId="{27C039AF-38BA-4B9B-9C3B-DA0CB7FF39E8}" destId="{BE49E48E-5303-48DF-B3B4-7B8B1A21EE0D}" srcOrd="1" destOrd="0" parTransId="{7CF685BF-FF58-463A-9466-84BC4293B420}" sibTransId="{CAE15D4F-5284-4A9D-B941-70F052771B29}"/>
+    <dgm:cxn modelId="{A00BDA5B-7B14-40E6-8560-CA52CD4968D5}" type="presOf" srcId="{A5DF638C-3868-4197-BD48-68F33AA33992}" destId="{FE4E54EC-F2E2-469C-8C76-136DBB48BE79}" srcOrd="0" destOrd="0" presId="urn:microsoft.com/office/officeart/2005/8/layout/vList2"/>
+    <dgm:cxn modelId="{59A4DA0B-D9DA-4ED9-AB7E-8955F0221B2F}" type="presOf" srcId="{E2E76F4B-60A5-4383-98BB-29296BEEDA00}" destId="{4D70BC20-E2A1-40A5-A965-274103E83A59}" srcOrd="0" destOrd="0" presId="urn:microsoft.com/office/officeart/2005/8/layout/vList2"/>
+    <dgm:cxn modelId="{29D11CBB-5402-4064-92E5-DB22124DAA38}" type="presOf" srcId="{B2C20A2C-FDD1-47C8-B8C5-05FBF71E3EE5}" destId="{F73B7B2E-8D7E-43CA-BDED-00D18E5DC2C9}" srcOrd="0" destOrd="0" presId="urn:microsoft.com/office/officeart/2005/8/layout/vList2"/>
     <dgm:cxn modelId="{5DE41765-4497-4479-BFC6-50D5829C5F6B}" srcId="{E2E76F4B-60A5-4383-98BB-29296BEEDA00}" destId="{27C039AF-38BA-4B9B-9C3B-DA0CB7FF39E8}" srcOrd="2" destOrd="0" parTransId="{687AECE5-9F37-454E-A23E-F10DC9BB63A5}" sibTransId="{B923D261-52EF-42B5-99D5-4200DC5A815B}"/>
     <dgm:cxn modelId="{08E9F1CA-198B-4168-9CD0-645DA9595773}" srcId="{E2E76F4B-60A5-4383-98BB-29296BEEDA00}" destId="{32990FE8-1EDA-49DF-9A7B-0117F118568C}" srcOrd="1" destOrd="0" parTransId="{AF7B23C2-D28E-43CC-B8E0-55979F8A2230}" sibTransId="{6CECAA4F-7FDE-4F83-BBC9-6D067CB27DBE}"/>
-    <dgm:cxn modelId="{F31C474D-66E7-4367-A93C-63A3A11ACA1D}" type="presOf" srcId="{E2E76F4B-60A5-4383-98BB-29296BEEDA00}" destId="{4D70BC20-E2A1-40A5-A965-274103E83A59}" srcOrd="0" destOrd="0" presId="urn:microsoft.com/office/officeart/2005/8/layout/vList2"/>
     <dgm:cxn modelId="{5DDF65D6-A1EE-4D07-A8CF-ECE8C44AF2BD}" srcId="{32990FE8-1EDA-49DF-9A7B-0117F118568C}" destId="{B2C20A2C-FDD1-47C8-B8C5-05FBF71E3EE5}" srcOrd="0" destOrd="0" parTransId="{756AD8C3-E6DB-4F2D-B107-BED321865C26}" sibTransId="{16886CEF-114B-4DAC-934C-233D844F5D2E}"/>
     <dgm:cxn modelId="{84657B7D-A353-4743-A226-17E121586C24}" srcId="{E2E76F4B-60A5-4383-98BB-29296BEEDA00}" destId="{278E2348-BD43-4D17-8899-D508333EAE56}" srcOrd="0" destOrd="0" parTransId="{5A1574D3-4083-4384-989E-EC082FF512D9}" sibTransId="{121FAA87-E750-413C-9926-BFEF13113F98}"/>
-    <dgm:cxn modelId="{FDD2F9DF-F6C3-4382-96ED-E0FBBA4D7F67}" type="presParOf" srcId="{4D70BC20-E2A1-40A5-A965-274103E83A59}" destId="{D15C63F3-71D4-4744-9CA5-C389D3857BBC}" srcOrd="0" destOrd="0" presId="urn:microsoft.com/office/officeart/2005/8/layout/vList2"/>
-    <dgm:cxn modelId="{C8C0018B-09C3-49FB-B91C-B0F31762DA36}" type="presParOf" srcId="{4D70BC20-E2A1-40A5-A965-274103E83A59}" destId="{FE4E54EC-F2E2-469C-8C76-136DBB48BE79}" srcOrd="1" destOrd="0" presId="urn:microsoft.com/office/officeart/2005/8/layout/vList2"/>
-    <dgm:cxn modelId="{C56DC406-09E9-439B-B4DB-42B941FFB9C7}" type="presParOf" srcId="{4D70BC20-E2A1-40A5-A965-274103E83A59}" destId="{877668B0-8473-4210-9E30-933E80CCE0C0}" srcOrd="2" destOrd="0" presId="urn:microsoft.com/office/officeart/2005/8/layout/vList2"/>
-    <dgm:cxn modelId="{1D24673A-0E3B-437B-9D06-41F7B275305C}" type="presParOf" srcId="{4D70BC20-E2A1-40A5-A965-274103E83A59}" destId="{F73B7B2E-8D7E-43CA-BDED-00D18E5DC2C9}" srcOrd="3" destOrd="0" presId="urn:microsoft.com/office/officeart/2005/8/layout/vList2"/>
-    <dgm:cxn modelId="{D884EDE2-0942-4831-9B08-666B5DAA78CB}" type="presParOf" srcId="{4D70BC20-E2A1-40A5-A965-274103E83A59}" destId="{5D089517-BBB1-4307-BCE3-7AAD484233ED}" srcOrd="4" destOrd="0" presId="urn:microsoft.com/office/officeart/2005/8/layout/vList2"/>
-    <dgm:cxn modelId="{181B7ADB-5621-4F09-9163-F3962AC7E70F}" type="presParOf" srcId="{4D70BC20-E2A1-40A5-A965-274103E83A59}" destId="{78C1B8F2-7BE0-4780-8E86-13040B2E2ACB}" srcOrd="5" destOrd="0" presId="urn:microsoft.com/office/officeart/2005/8/layout/vList2"/>
+    <dgm:cxn modelId="{8F5E9AE4-00BD-4C8F-BC95-ABADFC6B0AAB}" type="presParOf" srcId="{4D70BC20-E2A1-40A5-A965-274103E83A59}" destId="{D15C63F3-71D4-4744-9CA5-C389D3857BBC}" srcOrd="0" destOrd="0" presId="urn:microsoft.com/office/officeart/2005/8/layout/vList2"/>
+    <dgm:cxn modelId="{342D3C0D-8A0C-41D3-8B53-6125F76548A3}" type="presParOf" srcId="{4D70BC20-E2A1-40A5-A965-274103E83A59}" destId="{FE4E54EC-F2E2-469C-8C76-136DBB48BE79}" srcOrd="1" destOrd="0" presId="urn:microsoft.com/office/officeart/2005/8/layout/vList2"/>
+    <dgm:cxn modelId="{310C1A90-56A6-4468-9210-9F8303C399CC}" type="presParOf" srcId="{4D70BC20-E2A1-40A5-A965-274103E83A59}" destId="{877668B0-8473-4210-9E30-933E80CCE0C0}" srcOrd="2" destOrd="0" presId="urn:microsoft.com/office/officeart/2005/8/layout/vList2"/>
+    <dgm:cxn modelId="{4F686197-DC50-4105-9705-0BED41B67F85}" type="presParOf" srcId="{4D70BC20-E2A1-40A5-A965-274103E83A59}" destId="{F73B7B2E-8D7E-43CA-BDED-00D18E5DC2C9}" srcOrd="3" destOrd="0" presId="urn:microsoft.com/office/officeart/2005/8/layout/vList2"/>
+    <dgm:cxn modelId="{C7D862B3-260A-45DE-9785-44626C2D362D}" type="presParOf" srcId="{4D70BC20-E2A1-40A5-A965-274103E83A59}" destId="{5D089517-BBB1-4307-BCE3-7AAD484233ED}" srcOrd="4" destOrd="0" presId="urn:microsoft.com/office/officeart/2005/8/layout/vList2"/>
+    <dgm:cxn modelId="{EB8B223A-C76C-4F44-8FE8-8312C8993DF9}" type="presParOf" srcId="{4D70BC20-E2A1-40A5-A965-274103E83A59}" destId="{78C1B8F2-7BE0-4780-8E86-13040B2E2ACB}" srcOrd="5" destOrd="0" presId="urn:microsoft.com/office/officeart/2005/8/layout/vList2"/>
   </dgm:cxnLst>
   <dgm:bg/>
   <dgm:whole/>
@@ -1544,54 +1689,50 @@
       </dsp:nvSpPr>
       <dsp:spPr>
         <a:xfrm>
-          <a:off x="0" y="28465"/>
-          <a:ext cx="6768752" cy="954720"/>
+          <a:off x="0" y="0"/>
+          <a:ext cx="6768752" cy="1188177"/>
         </a:xfrm>
         <a:prstGeom prst="roundRect">
           <a:avLst/>
         </a:prstGeom>
         <a:solidFill>
-          <a:schemeClr val="accent1">
-            <a:hueOff val="0"/>
-            <a:satOff val="0"/>
-            <a:lumOff val="0"/>
-            <a:alphaOff val="0"/>
-          </a:schemeClr>
+          <a:schemeClr val="accent1"/>
         </a:solidFill>
-        <a:ln w="25400" cap="flat" cmpd="sng" algn="ctr">
+        <a:ln w="38100" cap="flat" cmpd="sng" algn="ctr">
           <a:solidFill>
-            <a:schemeClr val="lt1">
-              <a:hueOff val="0"/>
-              <a:satOff val="0"/>
-              <a:lumOff val="0"/>
-              <a:alphaOff val="0"/>
-            </a:schemeClr>
+            <a:schemeClr val="lt1"/>
           </a:solidFill>
           <a:prstDash val="solid"/>
         </a:ln>
-        <a:effectLst/>
+        <a:effectLst>
+          <a:outerShdw blurRad="76200" dist="50800" dir="5400000" rotWithShape="0">
+            <a:srgbClr val="4E3B30">
+              <a:alpha val="60000"/>
+            </a:srgbClr>
+          </a:outerShdw>
+        </a:effectLst>
       </dsp:spPr>
       <dsp:style>
-        <a:lnRef idx="2">
-          <a:scrgbClr r="0" g="0" b="0"/>
+        <a:lnRef idx="3">
+          <a:schemeClr val="lt1"/>
         </a:lnRef>
         <a:fillRef idx="1">
-          <a:scrgbClr r="0" g="0" b="0"/>
+          <a:schemeClr val="accent1"/>
         </a:fillRef>
-        <a:effectRef idx="0">
-          <a:scrgbClr r="0" g="0" b="0"/>
+        <a:effectRef idx="1">
+          <a:schemeClr val="accent1"/>
         </a:effectRef>
         <a:fontRef idx="minor">
           <a:schemeClr val="lt1"/>
         </a:fontRef>
       </dsp:style>
       <dsp:txBody>
-        <a:bodyPr spcFirstLastPara="0" vert="horz" wrap="square" lIns="121920" tIns="121920" rIns="121920" bIns="121920" numCol="1" spcCol="1270" anchor="ctr" anchorCtr="0">
+        <a:bodyPr spcFirstLastPara="0" vert="horz" wrap="square" lIns="91440" tIns="91440" rIns="91440" bIns="91440" numCol="1" spcCol="1270" anchor="ctr" anchorCtr="0">
           <a:noAutofit/>
         </a:bodyPr>
         <a:lstStyle/>
         <a:p>
-          <a:pPr lvl="0" algn="l" defTabSz="1422400">
+          <a:pPr lvl="0" algn="l" defTabSz="1066800">
             <a:lnSpc>
               <a:spcPct val="90000"/>
             </a:lnSpc>
@@ -1603,63 +1744,24 @@
             </a:spcAft>
           </a:pPr>
           <a:r>
-            <a:rPr lang="en-IN" sz="3200" kern="1200" dirty="0" smtClean="0">
+            <a:rPr lang="en-IN" sz="2400" kern="1200" dirty="0" err="1" smtClean="0">
               <a:solidFill>
                 <a:schemeClr val="tx1"/>
               </a:solidFill>
             </a:rPr>
-            <a:t>Noida Sector 48</a:t>
+            <a:t>Noida</a:t>
           </a:r>
-          <a:endParaRPr lang="en-IN" sz="3200" kern="1200" dirty="0">
-            <a:solidFill>
-              <a:schemeClr val="tx1"/>
-            </a:solidFill>
-          </a:endParaRPr>
+          <a:r>
+            <a:rPr lang="en-IN" sz="2400" kern="1200" dirty="0" smtClean="0">
+              <a:solidFill>
+                <a:schemeClr val="tx1"/>
+              </a:solidFill>
+            </a:rPr>
+            <a:t> Sector 48</a:t>
+          </a:r>
         </a:p>
-      </dsp:txBody>
-      <dsp:txXfrm>
-        <a:off x="0" y="28465"/>
-        <a:ext cx="6768752" cy="954720"/>
-      </dsp:txXfrm>
-    </dsp:sp>
-    <dsp:sp modelId="{FE4E54EC-F2E2-469C-8C76-136DBB48BE79}">
-      <dsp:nvSpPr>
-        <dsp:cNvPr id="0" name=""/>
-        <dsp:cNvSpPr/>
-      </dsp:nvSpPr>
-      <dsp:spPr>
-        <a:xfrm>
-          <a:off x="0" y="983185"/>
-          <a:ext cx="6768752" cy="844560"/>
-        </a:xfrm>
-        <a:prstGeom prst="rect">
-          <a:avLst/>
-        </a:prstGeom>
-        <a:noFill/>
-        <a:ln>
-          <a:noFill/>
-        </a:ln>
-        <a:effectLst/>
-      </dsp:spPr>
-      <dsp:style>
-        <a:lnRef idx="0">
-          <a:scrgbClr r="0" g="0" b="0"/>
-        </a:lnRef>
-        <a:fillRef idx="0">
-          <a:scrgbClr r="0" g="0" b="0"/>
-        </a:fillRef>
-        <a:effectRef idx="0">
-          <a:scrgbClr r="0" g="0" b="0"/>
-        </a:effectRef>
-        <a:fontRef idx="minor"/>
-      </dsp:style>
-      <dsp:txBody>
-        <a:bodyPr spcFirstLastPara="0" vert="horz" wrap="square" lIns="214908" tIns="20320" rIns="113792" bIns="20320" numCol="1" spcCol="1270" anchor="t" anchorCtr="0">
-          <a:noAutofit/>
-        </a:bodyPr>
-        <a:lstStyle/>
         <a:p>
-          <a:pPr marL="171450" lvl="1" indent="-171450" algn="l" defTabSz="711200">
+          <a:pPr lvl="0" algn="l" defTabSz="1066800">
             <a:lnSpc>
               <a:spcPct val="90000"/>
             </a:lnSpc>
@@ -1667,9 +1769,8 @@
               <a:spcPct val="0"/>
             </a:spcBef>
             <a:spcAft>
-              <a:spcPct val="20000"/>
+              <a:spcPct val="35000"/>
             </a:spcAft>
-            <a:buChar char="••"/>
           </a:pPr>
           <a:r>
             <a:rPr lang="pt-BR" sz="1600" b="0" i="0" kern="1200" dirty="0" smtClean="0">
@@ -1725,6 +1826,67 @@
             </a:rPr>
             <a:t>Contact no:- 0120-4213725/ 9910494141</a:t>
           </a:r>
+          <a:endParaRPr lang="en-IN" sz="1600" kern="1200" dirty="0">
+            <a:solidFill>
+              <a:schemeClr val="tx1"/>
+            </a:solidFill>
+          </a:endParaRPr>
+        </a:p>
+      </dsp:txBody>
+      <dsp:txXfrm>
+        <a:off x="0" y="0"/>
+        <a:ext cx="6768752" cy="1188177"/>
+      </dsp:txXfrm>
+    </dsp:sp>
+    <dsp:sp modelId="{FE4E54EC-F2E2-469C-8C76-136DBB48BE79}">
+      <dsp:nvSpPr>
+        <dsp:cNvPr id="0" name=""/>
+        <dsp:cNvSpPr/>
+      </dsp:nvSpPr>
+      <dsp:spPr>
+        <a:xfrm>
+          <a:off x="0" y="1192310"/>
+          <a:ext cx="6768752" cy="82234"/>
+        </a:xfrm>
+        <a:prstGeom prst="rect">
+          <a:avLst/>
+        </a:prstGeom>
+        <a:noFill/>
+        <a:ln>
+          <a:noFill/>
+        </a:ln>
+        <a:effectLst/>
+      </dsp:spPr>
+      <dsp:style>
+        <a:lnRef idx="0">
+          <a:scrgbClr r="0" g="0" b="0"/>
+        </a:lnRef>
+        <a:fillRef idx="0">
+          <a:scrgbClr r="0" g="0" b="0"/>
+        </a:fillRef>
+        <a:effectRef idx="0">
+          <a:scrgbClr r="0" g="0" b="0"/>
+        </a:effectRef>
+        <a:fontRef idx="minor"/>
+      </dsp:style>
+      <dsp:txBody>
+        <a:bodyPr spcFirstLastPara="0" vert="horz" wrap="square" lIns="214908" tIns="20320" rIns="113792" bIns="20320" numCol="1" spcCol="1270" anchor="t" anchorCtr="0">
+          <a:noAutofit/>
+        </a:bodyPr>
+        <a:lstStyle/>
+        <a:p>
+          <a:pPr marL="171450" lvl="1" indent="-171450" algn="l" defTabSz="711200">
+            <a:lnSpc>
+              <a:spcPct val="90000"/>
+            </a:lnSpc>
+            <a:spcBef>
+              <a:spcPct val="0"/>
+            </a:spcBef>
+            <a:spcAft>
+              <a:spcPct val="20000"/>
+            </a:spcAft>
+            <a:buChar char="••"/>
+          </a:pPr>
           <a:endParaRPr lang="en-IN" sz="1600" b="0" kern="1200" dirty="0">
             <a:solidFill>
               <a:schemeClr val="tx1"/>
@@ -1733,8 +1895,8 @@
         </a:p>
       </dsp:txBody>
       <dsp:txXfrm>
-        <a:off x="0" y="983185"/>
-        <a:ext cx="6768752" cy="844560"/>
+        <a:off x="0" y="1192310"/>
+        <a:ext cx="6768752" cy="82234"/>
       </dsp:txXfrm>
     </dsp:sp>
     <dsp:sp modelId="{877668B0-8473-4210-9E30-933E80CCE0C0}">
@@ -1744,54 +1906,50 @@
       </dsp:nvSpPr>
       <dsp:spPr>
         <a:xfrm>
-          <a:off x="0" y="1827745"/>
-          <a:ext cx="6768752" cy="954720"/>
+          <a:off x="0" y="1239755"/>
+          <a:ext cx="6768752" cy="1542566"/>
         </a:xfrm>
         <a:prstGeom prst="roundRect">
           <a:avLst/>
         </a:prstGeom>
         <a:solidFill>
-          <a:schemeClr val="accent1">
-            <a:hueOff val="0"/>
-            <a:satOff val="0"/>
-            <a:lumOff val="0"/>
-            <a:alphaOff val="0"/>
-          </a:schemeClr>
+          <a:schemeClr val="accent1"/>
         </a:solidFill>
-        <a:ln w="25400" cap="flat" cmpd="sng" algn="ctr">
+        <a:ln w="38100" cap="flat" cmpd="sng" algn="ctr">
           <a:solidFill>
-            <a:schemeClr val="lt1">
-              <a:hueOff val="0"/>
-              <a:satOff val="0"/>
-              <a:lumOff val="0"/>
-              <a:alphaOff val="0"/>
-            </a:schemeClr>
+            <a:schemeClr val="lt1"/>
           </a:solidFill>
           <a:prstDash val="solid"/>
         </a:ln>
-        <a:effectLst/>
+        <a:effectLst>
+          <a:outerShdw blurRad="76200" dist="50800" dir="5400000" rotWithShape="0">
+            <a:srgbClr val="4E3B30">
+              <a:alpha val="60000"/>
+            </a:srgbClr>
+          </a:outerShdw>
+        </a:effectLst>
       </dsp:spPr>
       <dsp:style>
-        <a:lnRef idx="2">
-          <a:scrgbClr r="0" g="0" b="0"/>
+        <a:lnRef idx="3">
+          <a:schemeClr val="lt1"/>
         </a:lnRef>
         <a:fillRef idx="1">
-          <a:scrgbClr r="0" g="0" b="0"/>
+          <a:schemeClr val="accent1"/>
         </a:fillRef>
-        <a:effectRef idx="0">
-          <a:scrgbClr r="0" g="0" b="0"/>
+        <a:effectRef idx="1">
+          <a:schemeClr val="accent1"/>
         </a:effectRef>
         <a:fontRef idx="minor">
           <a:schemeClr val="lt1"/>
         </a:fontRef>
       </dsp:style>
       <dsp:txBody>
-        <a:bodyPr spcFirstLastPara="0" vert="horz" wrap="square" lIns="121920" tIns="121920" rIns="121920" bIns="121920" numCol="1" spcCol="1270" anchor="ctr" anchorCtr="0">
+        <a:bodyPr spcFirstLastPara="0" vert="horz" wrap="square" lIns="91440" tIns="91440" rIns="91440" bIns="91440" numCol="1" spcCol="1270" anchor="ctr" anchorCtr="0">
           <a:noAutofit/>
         </a:bodyPr>
         <a:lstStyle/>
         <a:p>
-          <a:pPr lvl="0" algn="l" defTabSz="1422400">
+          <a:pPr lvl="0" algn="l" defTabSz="1066800">
             <a:lnSpc>
               <a:spcPct val="90000"/>
             </a:lnSpc>
@@ -1803,14 +1961,90 @@
             </a:spcAft>
           </a:pPr>
           <a:r>
-            <a:rPr lang="en-IN" sz="3200" kern="1200" dirty="0" smtClean="0">
+            <a:rPr lang="en-IN" sz="2400" kern="1200" dirty="0" smtClean="0">
               <a:solidFill>
                 <a:schemeClr val="tx1"/>
               </a:solidFill>
             </a:rPr>
-            <a:t>Noida Sector 122</a:t>
+            <a:t>Noida Sector </a:t>
           </a:r>
-          <a:endParaRPr lang="en-IN" sz="3200" kern="1200" dirty="0">
+          <a:r>
+            <a:rPr lang="en-IN" sz="1800" kern="1200" dirty="0" smtClean="0">
+              <a:solidFill>
+                <a:schemeClr val="tx1"/>
+              </a:solidFill>
+            </a:rPr>
+            <a:t>122</a:t>
+          </a:r>
+        </a:p>
+        <a:p>
+          <a:pPr lvl="0" algn="l" defTabSz="1066800">
+            <a:lnSpc>
+              <a:spcPct val="90000"/>
+            </a:lnSpc>
+            <a:spcBef>
+              <a:spcPct val="0"/>
+            </a:spcBef>
+            <a:spcAft>
+              <a:spcPct val="35000"/>
+            </a:spcAft>
+          </a:pPr>
+          <a:r>
+            <a:rPr lang="en-IN" sz="1600" kern="1200" dirty="0" smtClean="0">
+              <a:solidFill>
+                <a:schemeClr val="tx1"/>
+              </a:solidFill>
+            </a:rPr>
+            <a:t>Pk-5,Sector-122,Noida</a:t>
+          </a:r>
+        </a:p>
+        <a:p>
+          <a:pPr lvl="0" algn="l" defTabSz="1066800">
+            <a:lnSpc>
+              <a:spcPct val="90000"/>
+            </a:lnSpc>
+            <a:spcBef>
+              <a:spcPct val="0"/>
+            </a:spcBef>
+            <a:spcAft>
+              <a:spcPct val="35000"/>
+            </a:spcAft>
+          </a:pPr>
+          <a:r>
+            <a:rPr lang="en-IN" sz="1600" kern="1200" dirty="0" err="1" smtClean="0">
+              <a:solidFill>
+                <a:schemeClr val="tx1"/>
+              </a:solidFill>
+            </a:rPr>
+            <a:t>Email:info@swarvandana.com</a:t>
+          </a:r>
+          <a:endParaRPr lang="en-IN" sz="1600" kern="1200" dirty="0" smtClean="0">
+            <a:solidFill>
+              <a:schemeClr val="tx1"/>
+            </a:solidFill>
+          </a:endParaRPr>
+        </a:p>
+        <a:p>
+          <a:pPr lvl="0" algn="l" defTabSz="1066800">
+            <a:lnSpc>
+              <a:spcPct val="90000"/>
+            </a:lnSpc>
+            <a:spcBef>
+              <a:spcPct val="0"/>
+            </a:spcBef>
+            <a:spcAft>
+              <a:spcPct val="35000"/>
+            </a:spcAft>
+          </a:pPr>
+          <a:r>
+            <a:rPr lang="en-IN" sz="1600" kern="1200" dirty="0" smtClean="0">
+              <a:solidFill>
+                <a:schemeClr val="tx1"/>
+              </a:solidFill>
+            </a:rPr>
+            <a:t>Contact no:-9899219816</a:t>
+          </a:r>
+          <a:endParaRPr lang="en-IN" sz="1600" kern="1200" dirty="0">
             <a:solidFill>
               <a:schemeClr val="tx1"/>
             </a:solidFill>
@@ -1818,8 +2052,8 @@
         </a:p>
       </dsp:txBody>
       <dsp:txXfrm>
-        <a:off x="0" y="1827745"/>
-        <a:ext cx="6768752" cy="954720"/>
+        <a:off x="0" y="1239755"/>
+        <a:ext cx="6768752" cy="1542566"/>
       </dsp:txXfrm>
     </dsp:sp>
     <dsp:sp modelId="{F73B7B2E-8D7E-43CA-BDED-00D18E5DC2C9}">
@@ -1829,8 +2063,8 @@
       </dsp:nvSpPr>
       <dsp:spPr>
         <a:xfrm>
-          <a:off x="0" y="2782465"/>
-          <a:ext cx="6768752" cy="870952"/>
+          <a:off x="0" y="2817111"/>
+          <a:ext cx="6768752" cy="82234"/>
         </a:xfrm>
         <a:prstGeom prst="rect">
           <a:avLst/>
@@ -1871,68 +2105,6 @@
             </a:spcAft>
             <a:buChar char="••"/>
           </a:pPr>
-          <a:r>
-            <a:rPr lang="en-IN" sz="1800" kern="1200" dirty="0" smtClean="0">
-              <a:solidFill>
-                <a:schemeClr val="tx1"/>
-              </a:solidFill>
-            </a:rPr>
-            <a:t>Pk-5,Sector-122,Noida</a:t>
-          </a:r>
-          <a:endParaRPr lang="en-IN" sz="1800" kern="1200" dirty="0">
-            <a:solidFill>
-              <a:schemeClr val="tx1"/>
-            </a:solidFill>
-          </a:endParaRPr>
-        </a:p>
-        <a:p>
-          <a:pPr marL="171450" lvl="1" indent="-171450" algn="l" defTabSz="800100">
-            <a:lnSpc>
-              <a:spcPct val="90000"/>
-            </a:lnSpc>
-            <a:spcBef>
-              <a:spcPct val="0"/>
-            </a:spcBef>
-            <a:spcAft>
-              <a:spcPct val="20000"/>
-            </a:spcAft>
-            <a:buChar char="••"/>
-          </a:pPr>
-          <a:r>
-            <a:rPr lang="en-IN" sz="1800" kern="1200" dirty="0" smtClean="0">
-              <a:solidFill>
-                <a:schemeClr val="tx1"/>
-              </a:solidFill>
-            </a:rPr>
-            <a:t>Email:info@swarvandana.com</a:t>
-          </a:r>
-          <a:endParaRPr lang="en-IN" sz="1800" kern="1200" dirty="0">
-            <a:solidFill>
-              <a:schemeClr val="tx1"/>
-            </a:solidFill>
-          </a:endParaRPr>
-        </a:p>
-        <a:p>
-          <a:pPr marL="171450" lvl="1" indent="-171450" algn="l" defTabSz="800100">
-            <a:lnSpc>
-              <a:spcPct val="90000"/>
-            </a:lnSpc>
-            <a:spcBef>
-              <a:spcPct val="0"/>
-            </a:spcBef>
-            <a:spcAft>
-              <a:spcPct val="20000"/>
-            </a:spcAft>
-            <a:buChar char="••"/>
-          </a:pPr>
-          <a:r>
-            <a:rPr lang="en-IN" sz="1800" kern="1200" dirty="0" smtClean="0">
-              <a:solidFill>
-                <a:schemeClr val="tx1"/>
-              </a:solidFill>
-            </a:rPr>
-            <a:t>Contact no:-9899219816</a:t>
-          </a:r>
           <a:endParaRPr lang="en-IN" sz="1800" kern="1200" dirty="0">
             <a:solidFill>
               <a:schemeClr val="tx1"/>
@@ -1941,8 +2113,8 @@
         </a:p>
       </dsp:txBody>
       <dsp:txXfrm>
-        <a:off x="0" y="2782465"/>
-        <a:ext cx="6768752" cy="870952"/>
+        <a:off x="0" y="2817111"/>
+        <a:ext cx="6768752" cy="82234"/>
       </dsp:txXfrm>
     </dsp:sp>
     <dsp:sp modelId="{5D089517-BBB1-4307-BCE3-7AAD484233ED}">
@@ -1952,54 +2124,50 @@
       </dsp:nvSpPr>
       <dsp:spPr>
         <a:xfrm>
-          <a:off x="0" y="3653417"/>
-          <a:ext cx="6768752" cy="954720"/>
+          <a:off x="0" y="2702614"/>
+          <a:ext cx="6768752" cy="1542566"/>
         </a:xfrm>
         <a:prstGeom prst="roundRect">
           <a:avLst/>
         </a:prstGeom>
         <a:solidFill>
-          <a:schemeClr val="accent1">
-            <a:hueOff val="0"/>
-            <a:satOff val="0"/>
-            <a:lumOff val="0"/>
-            <a:alphaOff val="0"/>
-          </a:schemeClr>
+          <a:schemeClr val="accent1"/>
         </a:solidFill>
-        <a:ln w="25400" cap="flat" cmpd="sng" algn="ctr">
+        <a:ln w="38100" cap="flat" cmpd="sng" algn="ctr">
           <a:solidFill>
-            <a:schemeClr val="lt1">
-              <a:hueOff val="0"/>
-              <a:satOff val="0"/>
-              <a:lumOff val="0"/>
-              <a:alphaOff val="0"/>
-            </a:schemeClr>
+            <a:schemeClr val="lt1"/>
           </a:solidFill>
           <a:prstDash val="solid"/>
         </a:ln>
-        <a:effectLst/>
+        <a:effectLst>
+          <a:outerShdw blurRad="76200" dist="50800" dir="5400000" rotWithShape="0">
+            <a:srgbClr val="4E3B30">
+              <a:alpha val="60000"/>
+            </a:srgbClr>
+          </a:outerShdw>
+        </a:effectLst>
       </dsp:spPr>
       <dsp:style>
-        <a:lnRef idx="2">
-          <a:scrgbClr r="0" g="0" b="0"/>
+        <a:lnRef idx="3">
+          <a:schemeClr val="lt1"/>
         </a:lnRef>
         <a:fillRef idx="1">
-          <a:scrgbClr r="0" g="0" b="0"/>
+          <a:schemeClr val="accent1"/>
         </a:fillRef>
-        <a:effectRef idx="0">
-          <a:scrgbClr r="0" g="0" b="0"/>
+        <a:effectRef idx="1">
+          <a:schemeClr val="accent1"/>
         </a:effectRef>
         <a:fontRef idx="minor">
           <a:schemeClr val="lt1"/>
         </a:fontRef>
       </dsp:style>
       <dsp:txBody>
-        <a:bodyPr spcFirstLastPara="0" vert="horz" wrap="square" lIns="121920" tIns="121920" rIns="121920" bIns="121920" numCol="1" spcCol="1270" anchor="ctr" anchorCtr="0">
+        <a:bodyPr spcFirstLastPara="0" vert="horz" wrap="square" lIns="91440" tIns="91440" rIns="91440" bIns="91440" numCol="1" spcCol="1270" anchor="ctr" anchorCtr="0">
           <a:noAutofit/>
         </a:bodyPr>
         <a:lstStyle/>
         <a:p>
-          <a:pPr lvl="0" algn="l" defTabSz="1422400">
+          <a:pPr lvl="0" algn="l" defTabSz="1066800">
             <a:lnSpc>
               <a:spcPct val="90000"/>
             </a:lnSpc>
@@ -2011,63 +2179,24 @@
             </a:spcAft>
           </a:pPr>
           <a:r>
-            <a:rPr lang="en-IN" sz="3200" kern="1200" dirty="0" smtClean="0">
+            <a:rPr lang="en-IN" sz="2400" kern="1200" dirty="0" smtClean="0">
               <a:solidFill>
                 <a:schemeClr val="tx1"/>
               </a:solidFill>
             </a:rPr>
-            <a:t>Gurgaon Sector 40</a:t>
+            <a:t>Gurgaon Sector </a:t>
           </a:r>
-          <a:endParaRPr lang="en-IN" sz="3200" kern="1200" dirty="0">
-            <a:solidFill>
-              <a:schemeClr val="tx1"/>
-            </a:solidFill>
-          </a:endParaRPr>
+          <a:r>
+            <a:rPr lang="en-IN" sz="1800" kern="1200" dirty="0" smtClean="0">
+              <a:solidFill>
+                <a:schemeClr val="tx1"/>
+              </a:solidFill>
+            </a:rPr>
+            <a:t>40</a:t>
+          </a:r>
         </a:p>
-      </dsp:txBody>
-      <dsp:txXfrm>
-        <a:off x="0" y="3653417"/>
-        <a:ext cx="6768752" cy="954720"/>
-      </dsp:txXfrm>
-    </dsp:sp>
-    <dsp:sp modelId="{78C1B8F2-7BE0-4780-8E86-13040B2E2ACB}">
-      <dsp:nvSpPr>
-        <dsp:cNvPr id="0" name=""/>
-        <dsp:cNvSpPr/>
-      </dsp:nvSpPr>
-      <dsp:spPr>
-        <a:xfrm>
-          <a:off x="0" y="4608137"/>
-          <a:ext cx="6768752" cy="1134877"/>
-        </a:xfrm>
-        <a:prstGeom prst="rect">
-          <a:avLst/>
-        </a:prstGeom>
-        <a:noFill/>
-        <a:ln>
-          <a:noFill/>
-        </a:ln>
-        <a:effectLst/>
-      </dsp:spPr>
-      <dsp:style>
-        <a:lnRef idx="0">
-          <a:scrgbClr r="0" g="0" b="0"/>
-        </a:lnRef>
-        <a:fillRef idx="0">
-          <a:scrgbClr r="0" g="0" b="0"/>
-        </a:fillRef>
-        <a:effectRef idx="0">
-          <a:scrgbClr r="0" g="0" b="0"/>
-        </a:effectRef>
-        <a:fontRef idx="minor"/>
-      </dsp:style>
-      <dsp:txBody>
-        <a:bodyPr spcFirstLastPara="0" vert="horz" wrap="square" lIns="214908" tIns="20320" rIns="113792" bIns="20320" numCol="1" spcCol="1270" anchor="t" anchorCtr="0">
-          <a:noAutofit/>
-        </a:bodyPr>
-        <a:lstStyle/>
         <a:p>
-          <a:pPr marL="171450" lvl="1" indent="-171450" algn="l" defTabSz="711200">
+          <a:pPr lvl="0" algn="l" defTabSz="1066800">
             <a:lnSpc>
               <a:spcPct val="90000"/>
             </a:lnSpc>
@@ -2075,9 +2204,8 @@
               <a:spcPct val="0"/>
             </a:spcBef>
             <a:spcAft>
-              <a:spcPct val="20000"/>
+              <a:spcPct val="35000"/>
             </a:spcAft>
-            <a:buChar char="••"/>
           </a:pPr>
           <a:r>
             <a:rPr lang="en-IN" sz="1600" b="0" i="0" kern="1200" dirty="0" smtClean="0">
@@ -2085,7 +2213,23 @@
                 <a:schemeClr val="tx1"/>
               </a:solidFill>
             </a:rPr>
-            <a:t>SCO - 70, Sector - 40, Huda Market, Gurgaon, Haryana - 122002 </a:t>
+            <a:t>SCO - 70, Sector - 40, Huda Market, </a:t>
+          </a:r>
+          <a:r>
+            <a:rPr lang="en-IN" sz="1600" b="0" i="0" kern="1200" dirty="0" err="1" smtClean="0">
+              <a:solidFill>
+                <a:schemeClr val="tx1"/>
+              </a:solidFill>
+            </a:rPr>
+            <a:t>Gurgaon</a:t>
+          </a:r>
+          <a:r>
+            <a:rPr lang="en-IN" sz="1600" b="0" i="0" kern="1200" dirty="0" smtClean="0">
+              <a:solidFill>
+                <a:schemeClr val="tx1"/>
+              </a:solidFill>
+            </a:rPr>
+            <a:t>, Haryana - 122002 </a:t>
           </a:r>
           <a:r>
             <a:rPr lang="en-IN" sz="1600" kern="1200" dirty="0" smtClean="0">
@@ -2110,9 +2254,209 @@
             </a:rPr>
             <a:t>Email: info@swarvandana.com </a:t>
           </a:r>
-          <a:endParaRPr lang="en-IN" sz="2400" kern="1200" dirty="0">
+          <a:endParaRPr lang="en-IN" sz="1600" kern="1200" dirty="0" smtClean="0">
             <a:solidFill>
               <a:srgbClr val="FF0000"/>
+            </a:solidFill>
+          </a:endParaRPr>
+        </a:p>
+        <a:p>
+          <a:pPr lvl="0" algn="l" defTabSz="1066800">
+            <a:lnSpc>
+              <a:spcPct val="90000"/>
+            </a:lnSpc>
+            <a:spcBef>
+              <a:spcPct val="0"/>
+            </a:spcBef>
+            <a:spcAft>
+              <a:spcPct val="35000"/>
+            </a:spcAft>
+          </a:pPr>
+          <a:r>
+            <a:rPr lang="en-IN" sz="1600" kern="1200" dirty="0" smtClean="0">
+              <a:solidFill>
+                <a:schemeClr val="tx1"/>
+              </a:solidFill>
+            </a:rPr>
+            <a:t>Contact no</a:t>
+          </a:r>
+          <a:r>
+            <a:rPr lang="en-IN" sz="1600" b="0" i="0" kern="1200" dirty="0" smtClean="0">
+              <a:solidFill>
+                <a:schemeClr val="tx1"/>
+              </a:solidFill>
+            </a:rPr>
+            <a:t>: 0124- 4371653 / 9643250627</a:t>
+          </a:r>
+          <a:r>
+            <a:rPr lang="en-IN" sz="1800" b="0" i="0" kern="1200" dirty="0" smtClean="0">
+              <a:solidFill>
+                <a:schemeClr val="tx1"/>
+              </a:solidFill>
+            </a:rPr>
+            <a:t> </a:t>
+          </a:r>
+          <a:endParaRPr lang="en-IN" sz="1800" kern="1200" dirty="0">
+            <a:solidFill>
+              <a:schemeClr val="tx1"/>
+            </a:solidFill>
+          </a:endParaRPr>
+        </a:p>
+      </dsp:txBody>
+      <dsp:txXfrm>
+        <a:off x="0" y="2702614"/>
+        <a:ext cx="6768752" cy="1542566"/>
+      </dsp:txXfrm>
+    </dsp:sp>
+    <dsp:sp modelId="{78C1B8F2-7BE0-4780-8E86-13040B2E2ACB}">
+      <dsp:nvSpPr>
+        <dsp:cNvPr id="0" name=""/>
+        <dsp:cNvSpPr/>
+      </dsp:nvSpPr>
+      <dsp:spPr>
+        <a:xfrm>
+          <a:off x="0" y="4370846"/>
+          <a:ext cx="6768752" cy="1649954"/>
+        </a:xfrm>
+        <a:prstGeom prst="rect">
+          <a:avLst/>
+        </a:prstGeom>
+        <a:solidFill>
+          <a:schemeClr val="accent1"/>
+        </a:solidFill>
+        <a:ln w="38100" cap="flat" cmpd="sng" algn="ctr">
+          <a:solidFill>
+            <a:schemeClr val="lt1"/>
+          </a:solidFill>
+          <a:prstDash val="solid"/>
+        </a:ln>
+        <a:effectLst>
+          <a:outerShdw blurRad="76200" dist="50800" dir="5400000" rotWithShape="0">
+            <a:srgbClr val="4E3B30">
+              <a:alpha val="60000"/>
+            </a:srgbClr>
+          </a:outerShdw>
+        </a:effectLst>
+      </dsp:spPr>
+      <dsp:style>
+        <a:lnRef idx="3">
+          <a:schemeClr val="lt1"/>
+        </a:lnRef>
+        <a:fillRef idx="1">
+          <a:schemeClr val="accent1"/>
+        </a:fillRef>
+        <a:effectRef idx="1">
+          <a:schemeClr val="accent1"/>
+        </a:effectRef>
+        <a:fontRef idx="minor">
+          <a:schemeClr val="lt1"/>
+        </a:fontRef>
+      </dsp:style>
+      <dsp:txBody>
+        <a:bodyPr spcFirstLastPara="0" vert="horz" wrap="square" lIns="214908" tIns="30480" rIns="170688" bIns="30480" numCol="1" spcCol="1270" anchor="t" anchorCtr="0">
+          <a:noAutofit/>
+        </a:bodyPr>
+        <a:lstStyle/>
+        <a:p>
+          <a:pPr marL="228600" lvl="1" indent="-228600" algn="l" defTabSz="1066800">
+            <a:lnSpc>
+              <a:spcPct val="90000"/>
+            </a:lnSpc>
+            <a:spcBef>
+              <a:spcPct val="0"/>
+            </a:spcBef>
+            <a:spcAft>
+              <a:spcPct val="20000"/>
+            </a:spcAft>
+            <a:buChar char="••"/>
+          </a:pPr>
+          <a:r>
+            <a:rPr lang="en-IN" sz="2400" kern="1200" dirty="0" err="1" smtClean="0">
+              <a:solidFill>
+                <a:schemeClr val="tx1"/>
+              </a:solidFill>
+            </a:rPr>
+            <a:t>Noida</a:t>
+          </a:r>
+          <a:r>
+            <a:rPr lang="en-IN" sz="2400" kern="1200" dirty="0" smtClean="0">
+              <a:solidFill>
+                <a:schemeClr val="tx1"/>
+              </a:solidFill>
+            </a:rPr>
+            <a:t> Sector 62</a:t>
+          </a:r>
+        </a:p>
+        <a:p>
+          <a:pPr marL="228600" lvl="1" indent="-228600" algn="l" defTabSz="1066800">
+            <a:lnSpc>
+              <a:spcPct val="90000"/>
+            </a:lnSpc>
+            <a:spcBef>
+              <a:spcPct val="0"/>
+            </a:spcBef>
+            <a:spcAft>
+              <a:spcPct val="20000"/>
+            </a:spcAft>
+            <a:buChar char="••"/>
+          </a:pPr>
+          <a:r>
+            <a:rPr lang="pt-BR" sz="1600" b="0" i="0" kern="1200" dirty="0" smtClean="0">
+              <a:solidFill>
+                <a:schemeClr val="tx1"/>
+              </a:solidFill>
+            </a:rPr>
+            <a:t>Plot No 1, Institutional Area, Indus Valley Public School, Sector 62, Noida 201301 </a:t>
+          </a:r>
+          <a:r>
+            <a:rPr lang="pt-BR" sz="1600" b="0" kern="1200" dirty="0" smtClean="0">
+              <a:solidFill>
+                <a:schemeClr val="tx1"/>
+              </a:solidFill>
+            </a:rPr>
+            <a:t/>
+          </a:r>
+          <a:br>
+            <a:rPr lang="pt-BR" sz="1600" b="0" kern="1200" dirty="0" smtClean="0">
+              <a:solidFill>
+                <a:schemeClr val="tx1"/>
+              </a:solidFill>
+            </a:rPr>
+          </a:br>
+          <a:r>
+            <a:rPr lang="pt-BR" sz="1600" b="0" i="0" kern="1200" dirty="0" smtClean="0">
+              <a:solidFill>
+                <a:schemeClr val="tx1"/>
+              </a:solidFill>
+            </a:rPr>
+            <a:t>Email: info@swarvandana.com </a:t>
+          </a:r>
+          <a:r>
+            <a:rPr lang="pt-BR" sz="1600" b="0" kern="1200" dirty="0" smtClean="0">
+              <a:solidFill>
+                <a:schemeClr val="tx1"/>
+              </a:solidFill>
+            </a:rPr>
+            <a:t/>
+          </a:r>
+          <a:br>
+            <a:rPr lang="pt-BR" sz="1600" b="0" kern="1200" dirty="0" smtClean="0">
+              <a:solidFill>
+                <a:schemeClr val="tx1"/>
+              </a:solidFill>
+            </a:rPr>
+          </a:br>
+          <a:r>
+            <a:rPr lang="en-IN" sz="1600" b="0" kern="1200" dirty="0" smtClean="0">
+              <a:solidFill>
+                <a:schemeClr val="tx1"/>
+              </a:solidFill>
+            </a:rPr>
+            <a:t>Contact no:- 9711276501</a:t>
+          </a:r>
+          <a:endParaRPr lang="en-IN" sz="1600" kern="1200" dirty="0" smtClean="0">
+            <a:solidFill>
+              <a:schemeClr val="tx1"/>
             </a:solidFill>
           </a:endParaRPr>
         </a:p>
@@ -2135,22 +2479,6 @@
                 <a:schemeClr val="tx1"/>
               </a:solidFill>
             </a:rPr>
-            <a:t>Contact no</a:t>
-          </a:r>
-          <a:r>
-            <a:rPr lang="en-IN" sz="1600" b="0" i="0" kern="1200" dirty="0" smtClean="0">
-              <a:solidFill>
-                <a:schemeClr val="tx1"/>
-              </a:solidFill>
-            </a:rPr>
-            <a:t>: 0124- 4371653 / 9643250627 </a:t>
-          </a:r>
-          <a:r>
-            <a:rPr lang="en-IN" sz="1600" kern="1200" dirty="0" smtClean="0">
-              <a:solidFill>
-                <a:schemeClr val="tx1"/>
-              </a:solidFill>
-            </a:rPr>
             <a:t/>
           </a:r>
           <a:br>
@@ -2160,15 +2488,7 @@
               </a:solidFill>
             </a:rPr>
           </a:br>
-          <a:r>
-            <a:rPr lang="en-IN" sz="3200" b="1" i="0" kern="1200" dirty="0" smtClean="0">
-              <a:solidFill>
-                <a:srgbClr val="FF0000"/>
-              </a:solidFill>
-            </a:rPr>
-            <a:t>Website: www.swarvandana.com</a:t>
-          </a:r>
-          <a:endParaRPr lang="en-IN" sz="3200" b="1" kern="1200" dirty="0">
+          <a:endParaRPr lang="en-IN" sz="1600" kern="1200" dirty="0">
             <a:solidFill>
               <a:srgbClr val="FF0000"/>
             </a:solidFill>
@@ -2176,8 +2496,8 @@
         </a:p>
       </dsp:txBody>
       <dsp:txXfrm>
-        <a:off x="0" y="4608137"/>
-        <a:ext cx="6768752" cy="1134877"/>
+        <a:off x="0" y="4370846"/>
+        <a:ext cx="6768752" cy="1649954"/>
       </dsp:txXfrm>
     </dsp:sp>
   </dsp:spTree>
@@ -3468,7 +3788,7 @@
             <a:fld id="{0606AE42-C5EB-44F9-BC7E-997BBDA9878E}" type="datetimeFigureOut">
               <a:rPr lang="en-IN" smtClean="0"/>
               <a:pPr/>
-              <a:t>01-06-2015</a:t>
+              <a:t>12-07-2015</a:t>
             </a:fld>
             <a:endParaRPr lang="en-IN"/>
           </a:p>
@@ -3639,7 +3959,7 @@
     </p:spTree>
     <p:extLst>
       <p:ext uri="{BB962C8B-B14F-4D97-AF65-F5344CB8AC3E}">
-        <p14:creationId xmlns="" xmlns:p14="http://schemas.microsoft.com/office/powerpoint/2010/main" val="3404822095"/>
+        <p14:creationId xmlns:p14="http://schemas.microsoft.com/office/powerpoint/2010/main" xmlns="" val="3404822095"/>
       </p:ext>
     </p:extLst>
   </p:cSld>
@@ -3997,7 +4317,7 @@
             <a:fld id="{36B80E6F-5D74-45AD-8979-9F6382DBC8BB}" type="datetimeFigureOut">
               <a:rPr lang="en-US" smtClean="0"/>
               <a:pPr/>
-              <a:t>6/1/2015</a:t>
+              <a:t>7/12/2015</a:t>
             </a:fld>
             <a:endParaRPr lang="en-US" dirty="0"/>
           </a:p>
@@ -4169,7 +4489,7 @@
             <a:fld id="{36B80E6F-5D74-45AD-8979-9F6382DBC8BB}" type="datetimeFigureOut">
               <a:rPr lang="en-US" smtClean="0"/>
               <a:pPr/>
-              <a:t>6/1/2015</a:t>
+              <a:t>7/12/2015</a:t>
             </a:fld>
             <a:endParaRPr lang="en-US" dirty="0"/>
           </a:p>
@@ -4346,7 +4666,7 @@
             <a:fld id="{36B80E6F-5D74-45AD-8979-9F6382DBC8BB}" type="datetimeFigureOut">
               <a:rPr lang="en-US" smtClean="0"/>
               <a:pPr/>
-              <a:t>6/1/2015</a:t>
+              <a:t>7/12/2015</a:t>
             </a:fld>
             <a:endParaRPr lang="en-US" dirty="0"/>
           </a:p>
@@ -4513,7 +4833,7 @@
             <a:fld id="{36B80E6F-5D74-45AD-8979-9F6382DBC8BB}" type="datetimeFigureOut">
               <a:rPr lang="en-US" smtClean="0"/>
               <a:pPr/>
-              <a:t>6/1/2015</a:t>
+              <a:t>7/12/2015</a:t>
             </a:fld>
             <a:endParaRPr lang="en-US" dirty="0"/>
           </a:p>
@@ -4749,7 +5069,7 @@
             <a:fld id="{36B80E6F-5D74-45AD-8979-9F6382DBC8BB}" type="datetimeFigureOut">
               <a:rPr lang="en-US" smtClean="0"/>
               <a:pPr/>
-              <a:t>6/1/2015</a:t>
+              <a:t>7/12/2015</a:t>
             </a:fld>
             <a:endParaRPr lang="en-US" dirty="0"/>
           </a:p>
@@ -5047,7 +5367,7 @@
             <a:fld id="{36B80E6F-5D74-45AD-8979-9F6382DBC8BB}" type="datetimeFigureOut">
               <a:rPr lang="en-US" smtClean="0"/>
               <a:pPr/>
-              <a:t>6/1/2015</a:t>
+              <a:t>7/12/2015</a:t>
             </a:fld>
             <a:endParaRPr lang="en-US" dirty="0"/>
           </a:p>
@@ -5433,7 +5753,7 @@
             <a:fld id="{36B80E6F-5D74-45AD-8979-9F6382DBC8BB}" type="datetimeFigureOut">
               <a:rPr lang="en-US" smtClean="0"/>
               <a:pPr/>
-              <a:t>6/1/2015</a:t>
+              <a:t>7/12/2015</a:t>
             </a:fld>
             <a:endParaRPr lang="en-US" dirty="0"/>
           </a:p>
@@ -5608,7 +5928,7 @@
             <a:fld id="{36B80E6F-5D74-45AD-8979-9F6382DBC8BB}" type="datetimeFigureOut">
               <a:rPr lang="en-US" smtClean="0"/>
               <a:pPr/>
-              <a:t>6/1/2015</a:t>
+              <a:t>7/12/2015</a:t>
             </a:fld>
             <a:endParaRPr lang="en-US" dirty="0"/>
           </a:p>
@@ -5700,7 +6020,7 @@
             <a:fld id="{36B80E6F-5D74-45AD-8979-9F6382DBC8BB}" type="datetimeFigureOut">
               <a:rPr lang="en-US" smtClean="0"/>
               <a:pPr/>
-              <a:t>6/1/2015</a:t>
+              <a:t>7/12/2015</a:t>
             </a:fld>
             <a:endParaRPr lang="en-US" dirty="0"/>
           </a:p>
@@ -5997,7 +6317,7 @@
             <a:fld id="{36B80E6F-5D74-45AD-8979-9F6382DBC8BB}" type="datetimeFigureOut">
               <a:rPr lang="en-US" smtClean="0"/>
               <a:pPr/>
-              <a:t>6/1/2015</a:t>
+              <a:t>7/12/2015</a:t>
             </a:fld>
             <a:endParaRPr lang="en-US" dirty="0"/>
           </a:p>
@@ -6133,7 +6453,7 @@
             <a:fld id="{36B80E6F-5D74-45AD-8979-9F6382DBC8BB}" type="datetimeFigureOut">
               <a:rPr lang="en-US" smtClean="0"/>
               <a:pPr/>
-              <a:t>6/1/2015</a:t>
+              <a:t>7/12/2015</a:t>
             </a:fld>
             <a:endParaRPr lang="en-US" dirty="0"/>
           </a:p>
@@ -6438,7 +6758,7 @@
             <a:fld id="{36B80E6F-5D74-45AD-8979-9F6382DBC8BB}" type="datetimeFigureOut">
               <a:rPr lang="en-US" smtClean="0"/>
               <a:pPr/>
-              <a:t>6/1/2015</a:t>
+              <a:t>7/12/2015</a:t>
             </a:fld>
             <a:endParaRPr lang="en-US" dirty="0"/>
           </a:p>
@@ -7575,15 +7895,7 @@
             </a:r>
             <a:r>
               <a:rPr lang="en-IN" sz="1600" dirty="0" smtClean="0"/>
-              <a:t>, Aerobics, Salsa, Jazz, Hip-hop, Cha-Cha-Cha, Belle, Ballroom, Rock n Roll, Rap </a:t>
-            </a:r>
-            <a:r>
-              <a:rPr lang="en-GB" sz="1600" dirty="0" smtClean="0"/>
-              <a:t>&amp;</a:t>
-            </a:r>
-            <a:r>
-              <a:rPr lang="en-IN" sz="1600" dirty="0" smtClean="0"/>
-              <a:t>Freestyle Dance</a:t>
+              <a:t>, Aerobics, Contemporary, Free Style, Salsa, Jazz, Hip-hop, Cha-Cha-Cha, Belle, Ballroom, Rock n Roll, Rap Dance etc</a:t>
             </a:r>
           </a:p>
           <a:p>
@@ -8080,7 +8392,7 @@
         <p:spPr>
           <a:xfrm>
             <a:off x="0" y="3200400"/>
-            <a:ext cx="8686800" cy="1938992"/>
+            <a:ext cx="8686800" cy="2246769"/>
           </a:xfrm>
           <a:prstGeom prst="rect">
             <a:avLst/>
@@ -8128,6 +8440,13 @@
             <a:r>
               <a:rPr lang="en-GB" sz="2000" dirty="0" smtClean="0"/>
               <a:t>7-Preparing students for B.A,M.A  Music entrance, Govt. Scholarships from Ministry of Culture (CCRT), scholarship to young artists in Radio and TV.</a:t>
+            </a:r>
+          </a:p>
+          <a:p>
+            <a:pPr lvl="0"/>
+            <a:r>
+              <a:rPr lang="en-GB" sz="2000" dirty="0" smtClean="0"/>
+              <a:t>8. We are in discussion with ICCR for empanelling our Academy.</a:t>
             </a:r>
             <a:endParaRPr lang="en-US" sz="2000" dirty="0"/>
           </a:p>
@@ -10999,7 +11318,7 @@
         <p:spPr>
           <a:xfrm>
             <a:off x="381000" y="0"/>
-            <a:ext cx="4892879" cy="923330"/>
+            <a:ext cx="4892879" cy="646331"/>
           </a:xfrm>
           <a:prstGeom prst="rect">
             <a:avLst/>
@@ -11014,7 +11333,7 @@
           <a:p>
             <a:pPr algn="ctr"/>
             <a:r>
-              <a:rPr lang="en-US" sz="5400" b="1" cap="none" spc="0" dirty="0" smtClean="0">
+              <a:rPr lang="en-US" sz="3600" b="1" cap="none" spc="0" dirty="0" smtClean="0">
                 <a:ln w="12700">
                   <a:solidFill>
                     <a:schemeClr val="tx2">
@@ -11031,9 +11350,9 @@
                   </a:outerShdw>
                 </a:effectLst>
               </a:rPr>
-              <a:t>Multiple centers</a:t>
-            </a:r>
-            <a:endParaRPr lang="en-US" sz="5400" b="1" cap="none" spc="0" dirty="0">
+              <a:t>Multiple Centers</a:t>
+            </a:r>
+            <a:endParaRPr lang="en-US" sz="3600" b="1" cap="none" spc="0" dirty="0">
               <a:ln w="12700">
                 <a:solidFill>
                   <a:schemeClr val="tx2">
@@ -11060,8 +11379,8 @@
           <p:nvPr/>
         </p:nvGraphicFramePr>
         <p:xfrm>
-          <a:off x="179512" y="908720"/>
-          <a:ext cx="6768752" cy="5771480"/>
+          <a:off x="152400" y="609600"/>
+          <a:ext cx="6768752" cy="6096000"/>
         </p:xfrm>
         <a:graphic>
           <a:graphicData uri="http://schemas.openxmlformats.org/drawingml/2006/diagram">
@@ -11228,8 +11547,8 @@
         </p:nvSpPr>
         <p:spPr>
           <a:xfrm>
-            <a:off x="0" y="908720"/>
-            <a:ext cx="9144000" cy="5724644"/>
+            <a:off x="0" y="685800"/>
+            <a:ext cx="9144000" cy="6224563"/>
           </a:xfrm>
           <a:prstGeom prst="rect">
             <a:avLst/>
@@ -11523,7 +11842,21 @@
                 <a:latin typeface="Cambria" pitchFamily="18" charset="0"/>
                 <a:cs typeface="Times New Roman" pitchFamily="18" charset="0"/>
               </a:rPr>
-              <a:t>– For a wider reach in the minimum possible time, we plan to open and operate Multiple Centers  for which we are selecting interested Franchise Partners.</a:t>
+              <a:t>– For a wider reach in the minimum possible time, we plan to open and operate Multiple Centers  for which we are selecting interested Franchise Partners. We are also leveraging the power of Music &amp; Dance in </a:t>
+            </a:r>
+            <a:r>
+              <a:rPr lang="en-US" dirty="0" err="1" smtClean="0">
+                <a:latin typeface="Cambria" pitchFamily="18" charset="0"/>
+                <a:cs typeface="Times New Roman" pitchFamily="18" charset="0"/>
+              </a:rPr>
+              <a:t>Corporates</a:t>
+            </a:r>
+            <a:r>
+              <a:rPr lang="en-US" dirty="0" smtClean="0">
+                <a:latin typeface="Cambria" pitchFamily="18" charset="0"/>
+                <a:cs typeface="Times New Roman" pitchFamily="18" charset="0"/>
+              </a:rPr>
+              <a:t> as an Employee Engagement Tool.</a:t>
             </a:r>
           </a:p>
         </p:txBody>
@@ -13172,16 +13505,7 @@
                 </a:solidFill>
                 <a:latin typeface="Algerian" pitchFamily="82" charset="0"/>
               </a:rPr>
-              <a:t>LET US BEGIN YOUR memorable musical </a:t>
-            </a:r>
-            <a:r>
-              <a:rPr lang="en-IN" sz="2800" dirty="0" smtClean="0">
-                <a:solidFill>
-                  <a:schemeClr val="bg1"/>
-                </a:solidFill>
-                <a:latin typeface="Algerian" pitchFamily="82" charset="0"/>
-              </a:rPr>
-              <a:t>journey</a:t>
+              <a:t>LET US BEGIN YOUR memorable musical journey</a:t>
             </a:r>
           </a:p>
           <a:p>
@@ -13242,7 +13566,7 @@
                 </a:solidFill>
                 <a:latin typeface="Calibri" pitchFamily="34" charset="0"/>
               </a:rPr>
-              <a:t>Their concentration, discipline, sense of achievement and creativity.</a:t>
+              <a:t>their concentration, discipline, sense of achievement and creativity.</a:t>
             </a:r>
           </a:p>
           <a:p>
@@ -13268,7 +13592,7 @@
             <a:r>
               <a:rPr lang="en-IN" sz="2800" dirty="0" smtClean="0">
                 <a:solidFill>
-                  <a:schemeClr val="bg1"/>
+                  <a:srgbClr val="FFFF00"/>
                 </a:solidFill>
                 <a:latin typeface="Calibri" pitchFamily="34" charset="0"/>
               </a:rPr>
@@ -13279,7 +13603,7 @@
             <a:r>
               <a:rPr lang="en-IN" sz="2800" dirty="0" smtClean="0">
                 <a:solidFill>
-                  <a:schemeClr val="bg1"/>
+                  <a:srgbClr val="FFFF00"/>
                 </a:solidFill>
                 <a:latin typeface="Calibri" pitchFamily="34" charset="0"/>
               </a:rPr>
@@ -13324,16 +13648,7 @@
                 </a:solidFill>
                 <a:latin typeface="Algerian" pitchFamily="82" charset="0"/>
               </a:rPr>
-              <a:t>TO INCREASE THEIR HAPPINESS </a:t>
-            </a:r>
-            <a:r>
-              <a:rPr lang="en-IN" sz="3200" dirty="0" smtClean="0">
-                <a:solidFill>
-                  <a:schemeClr val="bg1"/>
-                </a:solidFill>
-                <a:latin typeface="Algerian" pitchFamily="82" charset="0"/>
-              </a:rPr>
-              <a:t>QUOTIENT</a:t>
+              <a:t>TO INCREASE THEIR HAPPINESS QUOTIENT</a:t>
             </a:r>
             <a:endParaRPr lang="en-IN" sz="3200" dirty="0">
               <a:solidFill>
